--- a/LayoutNet-HorizonNet-HoHoNet 정리.pptx
+++ b/LayoutNet-HorizonNet-HoHoNet 정리.pptx
@@ -263,7 +263,7 @@
           <a:p>
             <a:fld id="{2450EB55-8E1C-4E44-84CF-35741F3EB080}" type="datetimeFigureOut">
               <a:rPr lang="ko-KR" altLang="en-US" smtClean="0"/>
-              <a:t>2021-09-18</a:t>
+              <a:t>2021-09-25</a:t>
             </a:fld>
             <a:endParaRPr lang="ko-KR" altLang="en-US"/>
           </a:p>
@@ -431,7 +431,7 @@
           <a:p>
             <a:fld id="{2450EB55-8E1C-4E44-84CF-35741F3EB080}" type="datetimeFigureOut">
               <a:rPr lang="ko-KR" altLang="en-US" smtClean="0"/>
-              <a:t>2021-09-18</a:t>
+              <a:t>2021-09-25</a:t>
             </a:fld>
             <a:endParaRPr lang="ko-KR" altLang="en-US"/>
           </a:p>
@@ -609,7 +609,7 @@
           <a:p>
             <a:fld id="{2450EB55-8E1C-4E44-84CF-35741F3EB080}" type="datetimeFigureOut">
               <a:rPr lang="ko-KR" altLang="en-US" smtClean="0"/>
-              <a:t>2021-09-18</a:t>
+              <a:t>2021-09-25</a:t>
             </a:fld>
             <a:endParaRPr lang="ko-KR" altLang="en-US"/>
           </a:p>
@@ -777,7 +777,7 @@
           <a:p>
             <a:fld id="{2450EB55-8E1C-4E44-84CF-35741F3EB080}" type="datetimeFigureOut">
               <a:rPr lang="ko-KR" altLang="en-US" smtClean="0"/>
-              <a:t>2021-09-18</a:t>
+              <a:t>2021-09-25</a:t>
             </a:fld>
             <a:endParaRPr lang="ko-KR" altLang="en-US"/>
           </a:p>
@@ -1022,7 +1022,7 @@
           <a:p>
             <a:fld id="{2450EB55-8E1C-4E44-84CF-35741F3EB080}" type="datetimeFigureOut">
               <a:rPr lang="ko-KR" altLang="en-US" smtClean="0"/>
-              <a:t>2021-09-18</a:t>
+              <a:t>2021-09-25</a:t>
             </a:fld>
             <a:endParaRPr lang="ko-KR" altLang="en-US"/>
           </a:p>
@@ -1251,7 +1251,7 @@
           <a:p>
             <a:fld id="{2450EB55-8E1C-4E44-84CF-35741F3EB080}" type="datetimeFigureOut">
               <a:rPr lang="ko-KR" altLang="en-US" smtClean="0"/>
-              <a:t>2021-09-18</a:t>
+              <a:t>2021-09-25</a:t>
             </a:fld>
             <a:endParaRPr lang="ko-KR" altLang="en-US"/>
           </a:p>
@@ -1615,7 +1615,7 @@
           <a:p>
             <a:fld id="{2450EB55-8E1C-4E44-84CF-35741F3EB080}" type="datetimeFigureOut">
               <a:rPr lang="ko-KR" altLang="en-US" smtClean="0"/>
-              <a:t>2021-09-18</a:t>
+              <a:t>2021-09-25</a:t>
             </a:fld>
             <a:endParaRPr lang="ko-KR" altLang="en-US"/>
           </a:p>
@@ -1732,7 +1732,7 @@
           <a:p>
             <a:fld id="{2450EB55-8E1C-4E44-84CF-35741F3EB080}" type="datetimeFigureOut">
               <a:rPr lang="ko-KR" altLang="en-US" smtClean="0"/>
-              <a:t>2021-09-18</a:t>
+              <a:t>2021-09-25</a:t>
             </a:fld>
             <a:endParaRPr lang="ko-KR" altLang="en-US"/>
           </a:p>
@@ -1827,7 +1827,7 @@
           <a:p>
             <a:fld id="{2450EB55-8E1C-4E44-84CF-35741F3EB080}" type="datetimeFigureOut">
               <a:rPr lang="ko-KR" altLang="en-US" smtClean="0"/>
-              <a:t>2021-09-18</a:t>
+              <a:t>2021-09-25</a:t>
             </a:fld>
             <a:endParaRPr lang="ko-KR" altLang="en-US"/>
           </a:p>
@@ -2102,7 +2102,7 @@
           <a:p>
             <a:fld id="{2450EB55-8E1C-4E44-84CF-35741F3EB080}" type="datetimeFigureOut">
               <a:rPr lang="ko-KR" altLang="en-US" smtClean="0"/>
-              <a:t>2021-09-18</a:t>
+              <a:t>2021-09-25</a:t>
             </a:fld>
             <a:endParaRPr lang="ko-KR" altLang="en-US"/>
           </a:p>
@@ -2354,7 +2354,7 @@
           <a:p>
             <a:fld id="{2450EB55-8E1C-4E44-84CF-35741F3EB080}" type="datetimeFigureOut">
               <a:rPr lang="ko-KR" altLang="en-US" smtClean="0"/>
-              <a:t>2021-09-18</a:t>
+              <a:t>2021-09-25</a:t>
             </a:fld>
             <a:endParaRPr lang="ko-KR" altLang="en-US"/>
           </a:p>
@@ -2565,7 +2565,7 @@
           <a:p>
             <a:fld id="{2450EB55-8E1C-4E44-84CF-35741F3EB080}" type="datetimeFigureOut">
               <a:rPr lang="ko-KR" altLang="en-US" smtClean="0"/>
-              <a:t>2021-09-18</a:t>
+              <a:t>2021-09-25</a:t>
             </a:fld>
             <a:endParaRPr lang="ko-KR" altLang="en-US"/>
           </a:p>
@@ -4028,7 +4028,7 @@
         </p:nvSpPr>
         <p:spPr>
           <a:xfrm>
-            <a:off x="7800975" y="905397"/>
+            <a:off x="7800975" y="842022"/>
             <a:ext cx="4244721" cy="1659109"/>
           </a:xfrm>
           <a:prstGeom prst="rect">
@@ -4373,8 +4373,8 @@
           </a:p>
         </p:txBody>
       </p:sp>
-      <mc:AlternateContent xmlns:mc="http://schemas.openxmlformats.org/markup-compatibility/2006">
-        <mc:Choice xmlns:a14="http://schemas.microsoft.com/office/drawing/2010/main" Requires="a14">
+      <mc:AlternateContent xmlns:mc="http://schemas.openxmlformats.org/markup-compatibility/2006" xmlns:a14="http://schemas.microsoft.com/office/drawing/2010/main">
+        <mc:Choice Requires="a14">
           <p:sp>
             <p:nvSpPr>
               <p:cNvPr id="25" name="TextBox 24">
@@ -4700,7 +4700,7 @@
             </p:txBody>
           </p:sp>
         </mc:Choice>
-        <mc:Fallback>
+        <mc:Fallback xmlns="">
           <p:sp>
             <p:nvSpPr>
               <p:cNvPr id="25" name="TextBox 24">
@@ -4749,8 +4749,8 @@
           </p:sp>
         </mc:Fallback>
       </mc:AlternateContent>
-      <mc:AlternateContent xmlns:mc="http://schemas.openxmlformats.org/markup-compatibility/2006">
-        <mc:Choice xmlns:a14="http://schemas.microsoft.com/office/drawing/2010/main" Requires="a14">
+      <mc:AlternateContent xmlns:mc="http://schemas.openxmlformats.org/markup-compatibility/2006" xmlns:a14="http://schemas.microsoft.com/office/drawing/2010/main">
+        <mc:Choice Requires="a14">
           <p:sp>
             <p:nvSpPr>
               <p:cNvPr id="26" name="TextBox 25">
@@ -5193,7 +5193,7 @@
             </p:txBody>
           </p:sp>
         </mc:Choice>
-        <mc:Fallback>
+        <mc:Fallback xmlns="">
           <p:sp>
             <p:nvSpPr>
               <p:cNvPr id="26" name="TextBox 25">
@@ -6605,8 +6605,8 @@
           </a:p>
         </p:txBody>
       </p:sp>
-      <mc:AlternateContent xmlns:mc="http://schemas.openxmlformats.org/markup-compatibility/2006">
-        <mc:Choice xmlns:a14="http://schemas.microsoft.com/office/drawing/2010/main" Requires="a14">
+      <mc:AlternateContent xmlns:mc="http://schemas.openxmlformats.org/markup-compatibility/2006" xmlns:a14="http://schemas.microsoft.com/office/drawing/2010/main">
+        <mc:Choice Requires="a14">
           <p:sp>
             <p:nvSpPr>
               <p:cNvPr id="44" name="TextBox 43">
@@ -6932,7 +6932,7 @@
             </p:txBody>
           </p:sp>
         </mc:Choice>
-        <mc:Fallback>
+        <mc:Fallback xmlns="">
           <p:sp>
             <p:nvSpPr>
               <p:cNvPr id="44" name="TextBox 43">
@@ -6981,8 +6981,8 @@
           </p:sp>
         </mc:Fallback>
       </mc:AlternateContent>
-      <mc:AlternateContent xmlns:mc="http://schemas.openxmlformats.org/markup-compatibility/2006">
-        <mc:Choice xmlns:a14="http://schemas.microsoft.com/office/drawing/2010/main" Requires="a14">
+      <mc:AlternateContent xmlns:mc="http://schemas.openxmlformats.org/markup-compatibility/2006" xmlns:a14="http://schemas.microsoft.com/office/drawing/2010/main">
+        <mc:Choice Requires="a14">
           <p:sp>
             <p:nvSpPr>
               <p:cNvPr id="45" name="TextBox 44">
@@ -7425,7 +7425,7 @@
             </p:txBody>
           </p:sp>
         </mc:Choice>
-        <mc:Fallback>
+        <mc:Fallback xmlns="">
           <p:sp>
             <p:nvSpPr>
               <p:cNvPr id="45" name="TextBox 44">
@@ -8785,8 +8785,8 @@
         </p:nvSpPr>
         <p:spPr>
           <a:xfrm>
-            <a:off x="146304" y="815728"/>
-            <a:ext cx="6096000" cy="3053144"/>
+            <a:off x="94014" y="640238"/>
+            <a:ext cx="6096000" cy="3484031"/>
           </a:xfrm>
           <a:prstGeom prst="rect">
             <a:avLst/>
@@ -8859,6 +8859,56 @@
               </a:lnSpc>
             </a:pPr>
             <a:r>
+              <a:rPr lang="ko-KR" altLang="en-US" sz="1400" b="0" i="0" dirty="0">
+                <a:solidFill>
+                  <a:srgbClr val="052E6B"/>
+                </a:solidFill>
+                <a:latin typeface="리디바탕" panose="020B0600000101010101" pitchFamily="34" charset="-127"/>
+                <a:ea typeface="리디바탕" panose="020B0600000101010101" pitchFamily="34" charset="-127"/>
+              </a:rPr>
+              <a:t>높이 압축 블록은 백본에서 </a:t>
+            </a:r>
+            <a:r>
+              <a:rPr lang="en-US" altLang="ko-KR" sz="1400" b="0" i="0" dirty="0">
+                <a:solidFill>
+                  <a:srgbClr val="052E6B"/>
+                </a:solidFill>
+                <a:latin typeface="리디바탕" panose="020B0600000101010101" pitchFamily="34" charset="-127"/>
+                <a:ea typeface="리디바탕" panose="020B0600000101010101" pitchFamily="34" charset="-127"/>
+              </a:rPr>
+              <a:t>2D </a:t>
+            </a:r>
+            <a:r>
+              <a:rPr lang="ko-KR" altLang="en-US" sz="1400" b="0" i="0" dirty="0">
+                <a:solidFill>
+                  <a:srgbClr val="052E6B"/>
+                </a:solidFill>
+                <a:latin typeface="리디바탕" panose="020B0600000101010101" pitchFamily="34" charset="-127"/>
+                <a:ea typeface="리디바탕" panose="020B0600000101010101" pitchFamily="34" charset="-127"/>
+              </a:rPr>
+              <a:t>형상을 압착하여 </a:t>
+            </a:r>
+            <a:r>
+              <a:rPr lang="en-US" altLang="ko-KR" sz="1400" b="0" i="0" dirty="0">
+                <a:solidFill>
+                  <a:srgbClr val="052E6B"/>
+                </a:solidFill>
+                <a:latin typeface="리디바탕" panose="020B0600000101010101" pitchFamily="34" charset="-127"/>
+                <a:ea typeface="리디바탕" panose="020B0600000101010101" pitchFamily="34" charset="-127"/>
+              </a:rPr>
+              <a:t>1D </a:t>
+            </a:r>
+            <a:r>
+              <a:rPr lang="ko-KR" altLang="en-US" sz="1400" b="0" i="0" dirty="0">
+                <a:solidFill>
+                  <a:srgbClr val="052E6B"/>
+                </a:solidFill>
+                <a:latin typeface="리디바탕" panose="020B0600000101010101" pitchFamily="34" charset="-127"/>
+                <a:ea typeface="리디바탕" panose="020B0600000101010101" pitchFamily="34" charset="-127"/>
+              </a:rPr>
+              <a:t>수평 형상을 생성하는 것</a:t>
+            </a:r>
+            <a:r>
               <a:rPr lang="ko-KR" altLang="en-US" sz="1200" b="0" i="0" dirty="0">
                 <a:solidFill>
                   <a:srgbClr val="000000"/>
@@ -8866,47 +8916,7 @@
                 <a:latin typeface="리디바탕" panose="020B0600000101010101" pitchFamily="34" charset="-127"/>
                 <a:ea typeface="리디바탕" panose="020B0600000101010101" pitchFamily="34" charset="-127"/>
               </a:rPr>
-              <a:t>높이 압축 블록은 백본에서 </a:t>
-            </a:r>
-            <a:r>
-              <a:rPr lang="en-US" altLang="ko-KR" sz="1200" b="0" i="0" dirty="0">
-                <a:solidFill>
-                  <a:srgbClr val="000000"/>
-                </a:solidFill>
-                <a:latin typeface="리디바탕" panose="020B0600000101010101" pitchFamily="34" charset="-127"/>
-                <a:ea typeface="리디바탕" panose="020B0600000101010101" pitchFamily="34" charset="-127"/>
-              </a:rPr>
-              <a:t>2D </a:t>
-            </a:r>
-            <a:r>
-              <a:rPr lang="ko-KR" altLang="en-US" sz="1200" b="0" i="0" dirty="0">
-                <a:solidFill>
-                  <a:srgbClr val="000000"/>
-                </a:solidFill>
-                <a:latin typeface="리디바탕" panose="020B0600000101010101" pitchFamily="34" charset="-127"/>
-                <a:ea typeface="리디바탕" panose="020B0600000101010101" pitchFamily="34" charset="-127"/>
-              </a:rPr>
-              <a:t>형상을 압착하여 </a:t>
-            </a:r>
-            <a:r>
-              <a:rPr lang="en-US" altLang="ko-KR" sz="1200" b="0" i="0" dirty="0">
-                <a:solidFill>
-                  <a:srgbClr val="000000"/>
-                </a:solidFill>
-                <a:latin typeface="리디바탕" panose="020B0600000101010101" pitchFamily="34" charset="-127"/>
-                <a:ea typeface="리디바탕" panose="020B0600000101010101" pitchFamily="34" charset="-127"/>
-              </a:rPr>
-              <a:t>1D </a:t>
-            </a:r>
-            <a:r>
-              <a:rPr lang="ko-KR" altLang="en-US" sz="1200" b="0" i="0" dirty="0">
-                <a:solidFill>
-                  <a:srgbClr val="000000"/>
-                </a:solidFill>
-                <a:latin typeface="리디바탕" panose="020B0600000101010101" pitchFamily="34" charset="-127"/>
-                <a:ea typeface="리디바탕" panose="020B0600000101010101" pitchFamily="34" charset="-127"/>
-              </a:rPr>
-              <a:t>수평 형상을 생성하는 것을 목표로 한다</a:t>
+              <a:t>을 목표로 한다</a:t>
             </a:r>
             <a:r>
               <a:rPr lang="en-US" altLang="ko-KR" sz="1200" b="0" i="0" dirty="0">
@@ -9507,8 +9517,8 @@
           </a:p>
         </p:txBody>
       </p:sp>
-      <mc:AlternateContent xmlns:mc="http://schemas.openxmlformats.org/markup-compatibility/2006">
-        <mc:Choice xmlns:a14="http://schemas.microsoft.com/office/drawing/2010/main" Requires="a14">
+      <mc:AlternateContent xmlns:mc="http://schemas.openxmlformats.org/markup-compatibility/2006" xmlns:a14="http://schemas.microsoft.com/office/drawing/2010/main">
+        <mc:Choice Requires="a14">
           <p:sp>
             <p:nvSpPr>
               <p:cNvPr id="49" name="TextBox 48">
@@ -10063,7 +10073,7 @@
             </p:txBody>
           </p:sp>
         </mc:Choice>
-        <mc:Fallback>
+        <mc:Fallback xmlns="">
           <p:sp>
             <p:nvSpPr>
               <p:cNvPr id="49" name="TextBox 48">
@@ -10735,8 +10745,8 @@
             </p:nvSpPr>
             <p:spPr>
               <a:xfrm>
-                <a:off x="74865" y="2471230"/>
-                <a:ext cx="7923137" cy="2296206"/>
+                <a:off x="0" y="2539520"/>
+                <a:ext cx="8069441" cy="2448427"/>
               </a:xfrm>
               <a:prstGeom prst="rect">
                 <a:avLst/>
@@ -10755,7 +10765,7 @@
                   </a:lnSpc>
                 </a:pPr>
                 <a:r>
-                  <a:rPr lang="ko-KR" altLang="en-US" sz="1050" b="0" i="0" dirty="0">
+                  <a:rPr lang="ko-KR" altLang="en-US" sz="1100" b="0" i="0" dirty="0">
                     <a:solidFill>
                       <a:srgbClr val="000000"/>
                     </a:solidFill>
@@ -10766,7 +10776,7 @@
                   <a:t>출력 공간을 </a:t>
                 </a:r>
                 <a:r>
-                  <a:rPr lang="ko-KR" altLang="en-US" sz="1050" b="0" i="0" dirty="0" err="1">
+                  <a:rPr lang="ko-KR" altLang="en-US" sz="1100" b="0" i="0" dirty="0" err="1">
                     <a:solidFill>
                       <a:srgbClr val="000000"/>
                     </a:solidFill>
@@ -10777,7 +10787,7 @@
                   <a:t>열당</a:t>
                 </a:r>
                 <a:r>
-                  <a:rPr lang="ko-KR" altLang="en-US" sz="1050" b="0" i="0" dirty="0">
+                  <a:rPr lang="ko-KR" altLang="en-US" sz="1100" b="0" i="0" dirty="0">
                     <a:solidFill>
                       <a:srgbClr val="000000"/>
                     </a:solidFill>
@@ -10788,7 +10798,7 @@
                   <a:t> 형식으로 </a:t>
                 </a:r>
                 <a:r>
-                  <a:rPr lang="en-US" altLang="ko-KR" sz="1050" dirty="0">
+                  <a:rPr lang="en-US" altLang="ko-KR" sz="1100" dirty="0">
                     <a:solidFill>
                       <a:srgbClr val="000000"/>
                     </a:solidFill>
@@ -10799,7 +10809,7 @@
                   <a:t>shaping</a:t>
                 </a:r>
                 <a:r>
-                  <a:rPr lang="ko-KR" altLang="en-US" sz="1050" b="0" i="0" dirty="0">
+                  <a:rPr lang="ko-KR" altLang="en-US" sz="1100" b="0" i="0" dirty="0">
                     <a:solidFill>
                       <a:srgbClr val="000000"/>
                     </a:solidFill>
@@ -10810,7 +10820,7 @@
                   <a:t>하는 전략은 픽셀당 양식이 포함된 작업에는 적용되지 않</a:t>
                 </a:r>
                 <a:r>
-                  <a:rPr lang="ko-KR" altLang="en-US" sz="1050" dirty="0">
+                  <a:rPr lang="ko-KR" altLang="en-US" sz="1100" dirty="0">
                     <a:solidFill>
                       <a:srgbClr val="000000"/>
                     </a:solidFill>
@@ -10821,7 +10831,7 @@
                   <a:t>는</a:t>
                 </a:r>
                 <a:r>
-                  <a:rPr lang="ko-KR" altLang="en-US" sz="1050" b="0" i="0" dirty="0">
+                  <a:rPr lang="ko-KR" altLang="en-US" sz="1100" b="0" i="0" dirty="0">
                     <a:solidFill>
                       <a:srgbClr val="000000"/>
                     </a:solidFill>
@@ -10832,7 +10842,7 @@
                   <a:t>다</a:t>
                 </a:r>
                 <a:r>
-                  <a:rPr lang="en-US" altLang="ko-KR" sz="1050" b="0" i="0" dirty="0">
+                  <a:rPr lang="en-US" altLang="ko-KR" sz="1100" b="0" i="0" dirty="0">
                     <a:solidFill>
                       <a:srgbClr val="000000"/>
                     </a:solidFill>
@@ -10843,7 +10853,7 @@
                   <a:t>.</a:t>
                 </a:r>
                 <a:r>
-                  <a:rPr lang="ko-KR" altLang="en-US" sz="1050" b="0" i="0" dirty="0">
+                  <a:rPr lang="ko-KR" altLang="en-US" sz="1100" b="0" i="0" dirty="0">
                     <a:solidFill>
                       <a:srgbClr val="000000"/>
                     </a:solidFill>
@@ -10853,7 +10863,7 @@
                   </a:rPr>
                   <a:t> </a:t>
                 </a:r>
-                <a:endParaRPr lang="en-US" altLang="ko-KR" sz="1050" b="0" i="0" dirty="0">
+                <a:endParaRPr lang="en-US" altLang="ko-KR" sz="1100" b="0" i="0" dirty="0">
                   <a:solidFill>
                     <a:srgbClr val="000000"/>
                   </a:solidFill>
@@ -10869,7 +10879,7 @@
                   </a:lnSpc>
                 </a:pPr>
                 <a:r>
-                  <a:rPr lang="ko-KR" altLang="en-US" sz="1050" b="0" i="0" dirty="0">
+                  <a:rPr lang="ko-KR" altLang="en-US" sz="1100" b="0" i="0" dirty="0">
                     <a:solidFill>
                       <a:srgbClr val="000000"/>
                     </a:solidFill>
@@ -10880,7 +10890,7 @@
                   <a:t>여기서는 </a:t>
                 </a:r>
                 <a:r>
-                  <a:rPr lang="en-US" altLang="ko-KR" sz="1050" dirty="0">
+                  <a:rPr lang="en-US" altLang="ko-KR" sz="1100" dirty="0">
                     <a:solidFill>
                       <a:srgbClr val="000000"/>
                     </a:solidFill>
@@ -10891,7 +10901,7 @@
                   <a:t>compact</a:t>
                 </a:r>
                 <a:r>
-                  <a:rPr lang="ko-KR" altLang="en-US" sz="1050" b="0" i="0" dirty="0">
+                  <a:rPr lang="ko-KR" altLang="en-US" sz="1100" b="0" i="0" dirty="0">
                     <a:solidFill>
                       <a:srgbClr val="000000"/>
                     </a:solidFill>
@@ -10902,7 +10912,7 @@
                   <a:t> </a:t>
                 </a:r>
                 <a:r>
-                  <a:rPr lang="en-US" altLang="ko-KR" sz="1050" b="0" i="0" dirty="0" err="1">
+                  <a:rPr lang="en-US" altLang="ko-KR" sz="1100" b="0" i="0" dirty="0" err="1">
                     <a:solidFill>
                       <a:srgbClr val="000000"/>
                     </a:solidFill>
@@ -10913,7 +10923,7 @@
                   <a:t>LHFeat</a:t>
                 </a:r>
                 <a:r>
-                  <a:rPr lang="en-US" altLang="ko-KR" sz="1050" b="0" i="0" dirty="0">
+                  <a:rPr lang="en-US" altLang="ko-KR" sz="1100" b="0" i="0" dirty="0">
                     <a:solidFill>
                       <a:srgbClr val="000000"/>
                     </a:solidFill>
@@ -10928,7 +10938,7 @@
                     <m:sSup>
                       <m:sSupPr>
                         <m:ctrlPr>
-                          <a:rPr lang="en-US" altLang="ko-KR" sz="1050" b="0" i="1" smtClean="0">
+                          <a:rPr lang="en-US" altLang="ko-KR" sz="1100" b="0" i="1" smtClean="0">
                             <a:solidFill>
                               <a:srgbClr val="000000"/>
                             </a:solidFill>
@@ -10940,7 +10950,7 @@
                       </m:sSupPr>
                       <m:e>
                         <m:r>
-                          <a:rPr lang="en-US" altLang="ko-KR" sz="1050" b="0" i="1" smtClean="0">
+                          <a:rPr lang="en-US" altLang="ko-KR" sz="1100" b="0" i="1" smtClean="0">
                             <a:solidFill>
                               <a:srgbClr val="000000"/>
                             </a:solidFill>
@@ -10953,7 +10963,7 @@
                       </m:e>
                       <m:sup>
                         <m:r>
-                          <a:rPr lang="en-US" altLang="ko-KR" sz="1050" b="0" i="1" smtClean="0">
+                          <a:rPr lang="en-US" altLang="ko-KR" sz="1100" b="0" i="1" smtClean="0">
                             <a:solidFill>
                               <a:srgbClr val="000000"/>
                             </a:solidFill>
@@ -10964,7 +10974,7 @@
                           <m:t>𝐷</m:t>
                         </m:r>
                         <m:r>
-                          <a:rPr lang="en-US" altLang="ko-KR" sz="1050" b="0" i="1" smtClean="0">
+                          <a:rPr lang="en-US" altLang="ko-KR" sz="1100" b="0" i="1" smtClean="0">
                             <a:solidFill>
                               <a:srgbClr val="000000"/>
                             </a:solidFill>
@@ -10977,7 +10987,7 @@
                         <m:sSub>
                           <m:sSubPr>
                             <m:ctrlPr>
-                              <a:rPr lang="en-US" altLang="ko-KR" sz="1050" b="0" i="1" smtClean="0">
+                              <a:rPr lang="en-US" altLang="ko-KR" sz="1100" b="0" i="1" smtClean="0">
                                 <a:solidFill>
                                   <a:srgbClr val="000000"/>
                                 </a:solidFill>
@@ -10989,7 +10999,7 @@
                           </m:sSubPr>
                           <m:e>
                             <m:r>
-                              <a:rPr lang="en-US" altLang="ko-KR" sz="1050" b="0" i="1" smtClean="0">
+                              <a:rPr lang="en-US" altLang="ko-KR" sz="1100" b="0" i="1" smtClean="0">
                                 <a:solidFill>
                                   <a:srgbClr val="000000"/>
                                 </a:solidFill>
@@ -11002,7 +11012,7 @@
                           </m:e>
                           <m:sub>
                             <m:r>
-                              <a:rPr lang="en-US" altLang="ko-KR" sz="1050" b="0" i="1" smtClean="0">
+                              <a:rPr lang="en-US" altLang="ko-KR" sz="1100" b="0" i="1" smtClean="0">
                                 <a:solidFill>
                                   <a:srgbClr val="000000"/>
                                 </a:solidFill>
@@ -11019,7 +11029,7 @@
                   </m:oMath>
                 </a14:m>
                 <a:r>
-                  <a:rPr lang="ko-KR" altLang="en-US" sz="1050" b="0" i="0" dirty="0">
+                  <a:rPr lang="ko-KR" altLang="en-US" sz="1100" b="0" i="0" dirty="0">
                     <a:solidFill>
                       <a:srgbClr val="000000"/>
                     </a:solidFill>
@@ -11034,7 +11044,7 @@
                     <m:sSup>
                       <m:sSupPr>
                         <m:ctrlPr>
-                          <a:rPr lang="en-US" altLang="ko-KR" sz="1050" b="0" i="1" smtClean="0">
+                          <a:rPr lang="en-US" altLang="ko-KR" sz="1100" b="0" i="1" smtClean="0">
                             <a:solidFill>
                               <a:srgbClr val="000000"/>
                             </a:solidFill>
@@ -11046,7 +11056,7 @@
                       </m:sSupPr>
                       <m:e>
                         <m:r>
-                          <a:rPr lang="en-US" altLang="ko-KR" sz="1050" b="0" i="1" smtClean="0">
+                          <a:rPr lang="en-US" altLang="ko-KR" sz="1100" b="0" i="1" smtClean="0">
                             <a:solidFill>
                               <a:srgbClr val="000000"/>
                             </a:solidFill>
@@ -11059,7 +11069,7 @@
                       </m:e>
                       <m:sup>
                         <m:r>
-                          <a:rPr lang="en-US" altLang="ko-KR" sz="1050" b="0" i="1" smtClean="0">
+                          <a:rPr lang="en-US" altLang="ko-KR" sz="1100" b="0" i="1" smtClean="0">
                             <a:solidFill>
                               <a:srgbClr val="000000"/>
                             </a:solidFill>
@@ -11070,7 +11080,7 @@
                           <m:t>𝑁</m:t>
                         </m:r>
                         <m:r>
-                          <a:rPr lang="en-US" altLang="ko-KR" sz="1050" b="0" i="1" smtClean="0">
+                          <a:rPr lang="en-US" altLang="ko-KR" sz="1100" b="0" i="1" smtClean="0">
                             <a:solidFill>
                               <a:srgbClr val="000000"/>
                             </a:solidFill>
@@ -11083,7 +11093,7 @@
                         <m:sSub>
                           <m:sSubPr>
                             <m:ctrlPr>
-                              <a:rPr lang="en-US" altLang="ko-KR" sz="1050" b="0" i="1" smtClean="0">
+                              <a:rPr lang="en-US" altLang="ko-KR" sz="1100" b="0" i="1" smtClean="0">
                                 <a:solidFill>
                                   <a:srgbClr val="000000"/>
                                 </a:solidFill>
@@ -11095,7 +11105,7 @@
                           </m:sSubPr>
                           <m:e>
                             <m:r>
-                              <a:rPr lang="en-US" altLang="ko-KR" sz="1050" b="0" i="1" smtClean="0">
+                              <a:rPr lang="en-US" altLang="ko-KR" sz="1100" b="0" i="1" smtClean="0">
                                 <a:solidFill>
                                   <a:srgbClr val="000000"/>
                                 </a:solidFill>
@@ -11108,7 +11118,7 @@
                           </m:e>
                           <m:sub>
                             <m:r>
-                              <a:rPr lang="en-US" altLang="ko-KR" sz="1050" b="0" i="1" smtClean="0">
+                              <a:rPr lang="en-US" altLang="ko-KR" sz="1100" b="0" i="1" smtClean="0">
                                 <a:solidFill>
                                   <a:srgbClr val="000000"/>
                                 </a:solidFill>
@@ -11121,7 +11131,7 @@
                           </m:sub>
                         </m:sSub>
                         <m:r>
-                          <a:rPr lang="en-US" altLang="ko-KR" sz="1050" b="0" i="1" smtClean="0">
+                          <a:rPr lang="en-US" altLang="ko-KR" sz="1100" b="0" i="1" smtClean="0">
                             <a:solidFill>
                               <a:srgbClr val="000000"/>
                             </a:solidFill>
@@ -11134,7 +11144,7 @@
                         <m:sSub>
                           <m:sSubPr>
                             <m:ctrlPr>
-                              <a:rPr lang="en-US" altLang="ko-KR" sz="1050" b="0" i="1" smtClean="0">
+                              <a:rPr lang="en-US" altLang="ko-KR" sz="1100" b="0" i="1" smtClean="0">
                                 <a:solidFill>
                                   <a:srgbClr val="000000"/>
                                 </a:solidFill>
@@ -11146,7 +11156,7 @@
                           </m:sSubPr>
                           <m:e>
                             <m:r>
-                              <a:rPr lang="en-US" altLang="ko-KR" sz="1050" b="0" i="1" smtClean="0">
+                              <a:rPr lang="en-US" altLang="ko-KR" sz="1100" b="0" i="1" smtClean="0">
                                 <a:solidFill>
                                   <a:srgbClr val="000000"/>
                                 </a:solidFill>
@@ -11159,7 +11169,7 @@
                           </m:e>
                           <m:sub>
                             <m:r>
-                              <a:rPr lang="en-US" altLang="ko-KR" sz="1050" b="0" i="1" smtClean="0">
+                              <a:rPr lang="en-US" altLang="ko-KR" sz="1100" b="0" i="1" smtClean="0">
                                 <a:solidFill>
                                   <a:srgbClr val="000000"/>
                                 </a:solidFill>
@@ -11176,7 +11186,7 @@
                   </m:oMath>
                 </a14:m>
                 <a:r>
-                  <a:rPr lang="ko-KR" altLang="en-US" sz="1050" b="0" i="0" dirty="0" err="1">
+                  <a:rPr lang="ko-KR" altLang="en-US" sz="1100" b="0" i="0" dirty="0" err="1">
                     <a:solidFill>
                       <a:srgbClr val="000000"/>
                     </a:solidFill>
@@ -11187,7 +11197,7 @@
                   <a:t>를</a:t>
                 </a:r>
                 <a:r>
-                  <a:rPr lang="ko-KR" altLang="en-US" sz="1050" b="0" i="0" dirty="0">
+                  <a:rPr lang="ko-KR" altLang="en-US" sz="1100" b="0" i="0" dirty="0">
                     <a:solidFill>
                       <a:srgbClr val="000000"/>
                     </a:solidFill>
@@ -11198,7 +11208,7 @@
                   <a:t> 도출하기 위한 </a:t>
                 </a:r>
                 <a:r>
-                  <a:rPr lang="en-US" altLang="ko-KR" sz="1050" b="0" i="0" dirty="0" err="1">
+                  <a:rPr lang="en-US" altLang="ko-KR" sz="1100" b="0" i="0" dirty="0" err="1">
                     <a:solidFill>
                       <a:srgbClr val="000000"/>
                     </a:solidFill>
@@ -11209,7 +11219,7 @@
                   <a:t>HoHoNet</a:t>
                 </a:r>
                 <a:r>
-                  <a:rPr lang="ko-KR" altLang="en-US" sz="1050" b="0" i="0" dirty="0">
+                  <a:rPr lang="ko-KR" altLang="en-US" sz="1100" b="0" i="0" dirty="0">
                     <a:solidFill>
                       <a:srgbClr val="000000"/>
                     </a:solidFill>
@@ -11220,7 +11230,7 @@
                   <a:t>의 수평 대 밀도 모듈을 제시한다</a:t>
                 </a:r>
                 <a:r>
-                  <a:rPr lang="en-US" altLang="ko-KR" sz="1050" b="0" i="0" dirty="0">
+                  <a:rPr lang="en-US" altLang="ko-KR" sz="1100" b="0" i="0" dirty="0">
                     <a:solidFill>
                       <a:srgbClr val="000000"/>
                     </a:solidFill>
@@ -11231,7 +11241,7 @@
                   <a:t>.</a:t>
                 </a:r>
                 <a:r>
-                  <a:rPr lang="ko-KR" altLang="en-US" sz="1050" dirty="0">
+                  <a:rPr lang="ko-KR" altLang="en-US" sz="1100" dirty="0">
                     <a:effectLst/>
                     <a:latin typeface="리디바탕" panose="020B0600000101010101" pitchFamily="34" charset="-127"/>
                     <a:ea typeface="리디바탕" panose="020B0600000101010101" pitchFamily="34" charset="-127"/>
@@ -11239,7 +11249,7 @@
                   <a:t> </a:t>
                 </a:r>
                 <a:r>
-                  <a:rPr lang="ko-KR" altLang="en-US" sz="1050" b="0" i="0" dirty="0">
+                  <a:rPr lang="ko-KR" altLang="en-US" sz="1100" b="0" i="0" dirty="0">
                     <a:solidFill>
                       <a:srgbClr val="000000"/>
                     </a:solidFill>
@@ -11250,7 +11260,7 @@
                   <a:t>이 기능은 다양한 애플리케이션에 보다 일반적인 시나리오의 문을 열어</a:t>
                 </a:r>
                 <a:r>
-                  <a:rPr lang="ko-KR" altLang="en-US" sz="1050" dirty="0">
+                  <a:rPr lang="ko-KR" altLang="en-US" sz="1100" dirty="0">
                     <a:solidFill>
                       <a:srgbClr val="000000"/>
                     </a:solidFill>
@@ -11261,7 +11271,7 @@
                   <a:t>준다</a:t>
                 </a:r>
                 <a:r>
-                  <a:rPr lang="en-US" altLang="ko-KR" sz="1050" b="0" i="0" dirty="0">
+                  <a:rPr lang="en-US" altLang="ko-KR" sz="1100" b="0" i="0" dirty="0">
                     <a:solidFill>
                       <a:srgbClr val="000000"/>
                     </a:solidFill>
@@ -11272,21 +11282,21 @@
                   <a:t>.</a:t>
                 </a:r>
                 <a:br>
-                  <a:rPr lang="ko-KR" altLang="en-US" sz="1050" dirty="0">
+                  <a:rPr lang="ko-KR" altLang="en-US" sz="1100" dirty="0">
                     <a:effectLst/>
                     <a:latin typeface="리디바탕" panose="020B0600000101010101" pitchFamily="34" charset="-127"/>
                     <a:ea typeface="리디바탕" panose="020B0600000101010101" pitchFamily="34" charset="-127"/>
                   </a:rPr>
                 </a:br>
                 <a:br>
-                  <a:rPr lang="ko-KR" altLang="en-US" sz="1050" dirty="0">
+                  <a:rPr lang="ko-KR" altLang="en-US" sz="1100" dirty="0">
                     <a:effectLst/>
                     <a:latin typeface="리디바탕" panose="020B0600000101010101" pitchFamily="34" charset="-127"/>
                     <a:ea typeface="리디바탕" panose="020B0600000101010101" pitchFamily="34" charset="-127"/>
                   </a:rPr>
                 </a:br>
                 <a:r>
-                  <a:rPr lang="en-US" altLang="ko-KR" sz="1050" b="0" i="0" dirty="0">
+                  <a:rPr lang="en-US" altLang="ko-KR" sz="1100" b="0" i="0" dirty="0">
                     <a:solidFill>
                       <a:srgbClr val="000000"/>
                     </a:solidFill>
@@ -11297,7 +11307,7 @@
                   <a:t>2D </a:t>
                 </a:r>
                 <a:r>
-                  <a:rPr lang="ko-KR" altLang="en-US" sz="1050" b="0" i="0" dirty="0">
+                  <a:rPr lang="ko-KR" altLang="en-US" sz="1100" b="0" i="0" dirty="0">
                     <a:solidFill>
                       <a:srgbClr val="000000"/>
                     </a:solidFill>
@@ -11310,7 +11320,7 @@
                 <a14:m>
                   <m:oMath xmlns:m="http://schemas.openxmlformats.org/officeDocument/2006/math">
                     <m:r>
-                      <a:rPr lang="en-US" altLang="ko-KR" sz="1050" b="0" i="1" dirty="0" smtClean="0">
+                      <a:rPr lang="en-US" altLang="ko-KR" sz="1100" b="0" i="1" dirty="0" smtClean="0">
                         <a:solidFill>
                           <a:srgbClr val="000000"/>
                         </a:solidFill>
@@ -11321,7 +11331,7 @@
                       <m:t>𝐸</m:t>
                     </m:r>
                     <m:r>
-                      <a:rPr lang="en-US" altLang="ko-KR" sz="1050" b="0" i="1" dirty="0" smtClean="0">
+                      <a:rPr lang="en-US" altLang="ko-KR" sz="1100" b="0" i="1" dirty="0" smtClean="0">
                         <a:solidFill>
                           <a:srgbClr val="000000"/>
                         </a:solidFill>
@@ -11332,7 +11342,7 @@
                       <m:t> = </m:t>
                     </m:r>
                     <m:r>
-                      <a:rPr lang="en-US" altLang="ko-KR" sz="1050" b="0" i="1" dirty="0" smtClean="0">
+                      <a:rPr lang="en-US" altLang="ko-KR" sz="1100" b="0" i="1" dirty="0" smtClean="0">
                         <a:solidFill>
                           <a:srgbClr val="000000"/>
                         </a:solidFill>
@@ -11343,7 +11353,7 @@
                       <m:t>𝑁</m:t>
                     </m:r>
                     <m:r>
-                      <a:rPr lang="en-US" altLang="ko-KR" sz="1050" b="0" i="1" dirty="0" smtClean="0">
+                      <a:rPr lang="en-US" altLang="ko-KR" sz="1100" b="0" i="1" dirty="0" smtClean="0">
                         <a:solidFill>
                           <a:srgbClr val="000000"/>
                         </a:solidFill>
@@ -11354,7 +11364,7 @@
                       <m:t> · </m:t>
                     </m:r>
                     <m:r>
-                      <a:rPr lang="en-US" altLang="ko-KR" sz="1050" b="0" i="1" dirty="0" smtClean="0">
+                      <a:rPr lang="en-US" altLang="ko-KR" sz="1100" b="0" i="1" dirty="0" smtClean="0">
                         <a:solidFill>
                           <a:srgbClr val="000000"/>
                         </a:solidFill>
@@ -11367,7 +11377,7 @@
                   </m:oMath>
                 </a14:m>
                 <a:r>
-                  <a:rPr lang="ko-KR" altLang="en-US" sz="1050" b="0" i="0" dirty="0">
+                  <a:rPr lang="ko-KR" altLang="en-US" sz="1100" b="0" i="0" dirty="0">
                     <a:solidFill>
                       <a:srgbClr val="000000"/>
                     </a:solidFill>
@@ -11380,7 +11390,7 @@
                 <a14:m>
                   <m:oMath xmlns:m="http://schemas.openxmlformats.org/officeDocument/2006/math">
                     <m:r>
-                      <a:rPr lang="en-US" altLang="ko-KR" sz="1050" b="0" i="1" dirty="0" smtClean="0">
+                      <a:rPr lang="en-US" altLang="ko-KR" sz="1100" b="0" i="1" dirty="0" smtClean="0">
                         <a:solidFill>
                           <a:srgbClr val="000000"/>
                         </a:solidFill>
@@ -11393,7 +11403,7 @@
                   </m:oMath>
                 </a14:m>
                 <a:r>
-                  <a:rPr lang="ko-KR" altLang="en-US" sz="1050" b="0" i="0" dirty="0">
+                  <a:rPr lang="ko-KR" altLang="en-US" sz="1100" b="0" i="0" dirty="0">
                     <a:solidFill>
                       <a:srgbClr val="000000"/>
                     </a:solidFill>
@@ -11406,7 +11416,7 @@
                 <a14:m>
                   <m:oMath xmlns:m="http://schemas.openxmlformats.org/officeDocument/2006/math">
                     <m:r>
-                      <a:rPr lang="en-US" altLang="ko-KR" sz="1050" b="0" i="1" dirty="0" smtClean="0">
+                      <a:rPr lang="en-US" altLang="ko-KR" sz="1100" b="0" i="1" dirty="0" smtClean="0">
                         <a:solidFill>
                           <a:srgbClr val="000000"/>
                         </a:solidFill>
@@ -11419,7 +11429,7 @@
                   </m:oMath>
                 </a14:m>
                 <a:r>
-                  <a:rPr lang="ko-KR" altLang="en-US" sz="1050" b="0" i="0" dirty="0">
+                  <a:rPr lang="ko-KR" altLang="en-US" sz="1100" b="0" i="0" dirty="0">
                     <a:solidFill>
                       <a:srgbClr val="000000"/>
                     </a:solidFill>
@@ -11430,7 +11440,7 @@
                   <a:t>은 이미지 열에 의해 공유되는 구성 요소의 수라는 점을 제외하면 </a:t>
                 </a:r>
                 <a:r>
-                  <a:rPr lang="en-US" altLang="ko-KR" sz="1050" b="0" i="0" dirty="0">
+                  <a:rPr lang="en-US" altLang="ko-KR" sz="1100" b="0" i="0" dirty="0">
                     <a:solidFill>
                       <a:srgbClr val="000000"/>
                     </a:solidFill>
@@ -11441,7 +11451,7 @@
                   <a:t>3.3</a:t>
                 </a:r>
                 <a:r>
-                  <a:rPr lang="ko-KR" altLang="en-US" sz="1050" b="0" i="0" dirty="0">
+                  <a:rPr lang="ko-KR" altLang="en-US" sz="1100" b="0" i="0" dirty="0">
                     <a:solidFill>
                       <a:srgbClr val="000000"/>
                     </a:solidFill>
@@ -11452,7 +11462,7 @@
                   <a:t>항에서 소개한 </a:t>
                 </a:r>
                 <a:r>
-                  <a:rPr lang="en-US" altLang="ko-KR" sz="1050" b="0" i="0" dirty="0">
+                  <a:rPr lang="en-US" altLang="ko-KR" sz="1100" b="0" i="0" dirty="0">
                     <a:solidFill>
                       <a:srgbClr val="000000"/>
                     </a:solidFill>
@@ -11463,7 +11473,7 @@
                   <a:t>1D </a:t>
                 </a:r>
                 <a:r>
-                  <a:rPr lang="ko-KR" altLang="en-US" sz="1050" b="0" i="0" dirty="0">
+                  <a:rPr lang="ko-KR" altLang="en-US" sz="1100" b="0" i="0" dirty="0">
                     <a:solidFill>
                       <a:srgbClr val="000000"/>
                     </a:solidFill>
@@ -11474,7 +11484,7 @@
                   <a:t>예측을 위한 계층과 거의 동일하다</a:t>
                 </a:r>
                 <a:r>
-                  <a:rPr lang="en-US" altLang="ko-KR" sz="1050" b="0" i="0" dirty="0">
+                  <a:rPr lang="en-US" altLang="ko-KR" sz="1100" b="0" i="0" dirty="0">
                     <a:solidFill>
                       <a:srgbClr val="000000"/>
                     </a:solidFill>
@@ -11485,21 +11495,21 @@
                   <a:t>.</a:t>
                 </a:r>
                 <a:br>
-                  <a:rPr lang="ko-KR" altLang="en-US" sz="1050" dirty="0">
+                  <a:rPr lang="ko-KR" altLang="en-US" sz="1100" dirty="0">
                     <a:effectLst/>
                     <a:latin typeface="리디바탕" panose="020B0600000101010101" pitchFamily="34" charset="-127"/>
                     <a:ea typeface="리디바탕" panose="020B0600000101010101" pitchFamily="34" charset="-127"/>
                   </a:rPr>
                 </a:br>
                 <a:br>
-                  <a:rPr lang="ko-KR" altLang="en-US" sz="1050" dirty="0">
+                  <a:rPr lang="ko-KR" altLang="en-US" sz="1100" dirty="0">
                     <a:effectLst/>
                     <a:latin typeface="리디바탕" panose="020B0600000101010101" pitchFamily="34" charset="-127"/>
                     <a:ea typeface="리디바탕" panose="020B0600000101010101" pitchFamily="34" charset="-127"/>
                   </a:rPr>
                 </a:br>
                 <a:r>
-                  <a:rPr lang="ko-KR" altLang="en-US" sz="1050" b="0" i="0" dirty="0">
+                  <a:rPr lang="ko-KR" altLang="en-US" sz="1100" b="0" i="0" dirty="0">
                     <a:solidFill>
                       <a:srgbClr val="000000"/>
                     </a:solidFill>
@@ -11514,7 +11524,7 @@
                     <m:sSup>
                       <m:sSupPr>
                         <m:ctrlPr>
-                          <a:rPr lang="en-US" altLang="ko-KR" sz="1050" i="1">
+                          <a:rPr lang="en-US" altLang="ko-KR" sz="1100" i="1">
                             <a:solidFill>
                               <a:srgbClr val="000000"/>
                             </a:solidFill>
@@ -11526,7 +11536,7 @@
                       </m:sSupPr>
                       <m:e>
                         <m:r>
-                          <a:rPr lang="en-US" altLang="ko-KR" sz="1050" i="1">
+                          <a:rPr lang="en-US" altLang="ko-KR" sz="1100" i="1">
                             <a:solidFill>
                               <a:srgbClr val="000000"/>
                             </a:solidFill>
@@ -11539,7 +11549,7 @@
                       </m:e>
                       <m:sup>
                         <m:r>
-                          <a:rPr lang="en-US" altLang="ko-KR" sz="1050" b="0" i="1" smtClean="0">
+                          <a:rPr lang="en-US" altLang="ko-KR" sz="1100" b="0" i="1" smtClean="0">
                             <a:solidFill>
                               <a:srgbClr val="000000"/>
                             </a:solidFill>
@@ -11550,7 +11560,7 @@
                           <m:t>𝐸</m:t>
                         </m:r>
                         <m:r>
-                          <a:rPr lang="en-US" altLang="ko-KR" sz="1050" i="1">
+                          <a:rPr lang="en-US" altLang="ko-KR" sz="1100" i="1">
                             <a:solidFill>
                               <a:srgbClr val="000000"/>
                             </a:solidFill>
@@ -11563,7 +11573,7 @@
                         <m:sSub>
                           <m:sSubPr>
                             <m:ctrlPr>
-                              <a:rPr lang="en-US" altLang="ko-KR" sz="1050" i="1">
+                              <a:rPr lang="en-US" altLang="ko-KR" sz="1100" i="1">
                                 <a:solidFill>
                                   <a:srgbClr val="000000"/>
                                 </a:solidFill>
@@ -11575,7 +11585,7 @@
                           </m:sSubPr>
                           <m:e>
                             <m:r>
-                              <a:rPr lang="en-US" altLang="ko-KR" sz="1050" i="1">
+                              <a:rPr lang="en-US" altLang="ko-KR" sz="1100" i="1">
                                 <a:solidFill>
                                   <a:srgbClr val="000000"/>
                                 </a:solidFill>
@@ -11588,7 +11598,7 @@
                           </m:e>
                           <m:sub>
                             <m:r>
-                              <a:rPr lang="en-US" altLang="ko-KR" sz="1050" i="1">
+                              <a:rPr lang="en-US" altLang="ko-KR" sz="1100" i="1">
                                 <a:solidFill>
                                   <a:srgbClr val="000000"/>
                                 </a:solidFill>
@@ -11603,7 +11613,7 @@
                       </m:sup>
                     </m:sSup>
                     <m:r>
-                      <a:rPr lang="en-US" altLang="ko-KR" sz="1050" i="1">
+                      <a:rPr lang="en-US" altLang="ko-KR" sz="1100" i="1">
                         <a:solidFill>
                           <a:srgbClr val="000000"/>
                         </a:solidFill>
@@ -11616,7 +11626,7 @@
                   </m:oMath>
                 </a14:m>
                 <a:r>
-                  <a:rPr lang="ko-KR" altLang="en-US" sz="1050" b="0" i="0" dirty="0">
+                  <a:rPr lang="ko-KR" altLang="en-US" sz="1100" b="0" i="0" dirty="0">
                     <a:solidFill>
                       <a:srgbClr val="000000"/>
                     </a:solidFill>
@@ -11631,7 +11641,7 @@
                     <m:sSup>
                       <m:sSupPr>
                         <m:ctrlPr>
-                          <a:rPr lang="en-US" altLang="ko-KR" sz="1050" i="1">
+                          <a:rPr lang="en-US" altLang="ko-KR" sz="1100" i="1">
                             <a:solidFill>
                               <a:srgbClr val="000000"/>
                             </a:solidFill>
@@ -11643,7 +11653,7 @@
                       </m:sSupPr>
                       <m:e>
                         <m:r>
-                          <a:rPr lang="en-US" altLang="ko-KR" sz="1050" i="1">
+                          <a:rPr lang="en-US" altLang="ko-KR" sz="1100" i="1">
                             <a:solidFill>
                               <a:srgbClr val="000000"/>
                             </a:solidFill>
@@ -11656,7 +11666,7 @@
                       </m:e>
                       <m:sup>
                         <m:r>
-                          <a:rPr lang="en-US" altLang="ko-KR" sz="1050" i="1">
+                          <a:rPr lang="en-US" altLang="ko-KR" sz="1100" i="1">
                             <a:solidFill>
                               <a:srgbClr val="000000"/>
                             </a:solidFill>
@@ -11667,7 +11677,7 @@
                           <m:t>𝑁</m:t>
                         </m:r>
                         <m:r>
-                          <a:rPr lang="en-US" altLang="ko-KR" sz="1050" i="1">
+                          <a:rPr lang="en-US" altLang="ko-KR" sz="1100" i="1">
                             <a:solidFill>
                               <a:srgbClr val="000000"/>
                             </a:solidFill>
@@ -11678,7 +11688,7 @@
                           <m:t>×</m:t>
                         </m:r>
                         <m:r>
-                          <a:rPr lang="en-US" altLang="ko-KR" sz="1050" b="0" i="1" smtClean="0">
+                          <a:rPr lang="en-US" altLang="ko-KR" sz="1100" b="0" i="1" smtClean="0">
                             <a:solidFill>
                               <a:srgbClr val="000000"/>
                             </a:solidFill>
@@ -11689,7 +11699,7 @@
                           <m:t>𝑟</m:t>
                         </m:r>
                         <m:r>
-                          <a:rPr lang="en-US" altLang="ko-KR" sz="1050" i="1">
+                          <a:rPr lang="en-US" altLang="ko-KR" sz="1100" i="1">
                             <a:solidFill>
                               <a:srgbClr val="000000"/>
                             </a:solidFill>
@@ -11702,7 +11712,7 @@
                         <m:sSub>
                           <m:sSubPr>
                             <m:ctrlPr>
-                              <a:rPr lang="en-US" altLang="ko-KR" sz="1050" i="1">
+                              <a:rPr lang="en-US" altLang="ko-KR" sz="1100" i="1">
                                 <a:solidFill>
                                   <a:srgbClr val="000000"/>
                                 </a:solidFill>
@@ -11714,7 +11724,7 @@
                           </m:sSubPr>
                           <m:e>
                             <m:r>
-                              <a:rPr lang="en-US" altLang="ko-KR" sz="1050" i="1">
+                              <a:rPr lang="en-US" altLang="ko-KR" sz="1100" i="1">
                                 <a:solidFill>
                                   <a:srgbClr val="000000"/>
                                 </a:solidFill>
@@ -11727,7 +11737,7 @@
                           </m:e>
                           <m:sub>
                             <m:r>
-                              <a:rPr lang="en-US" altLang="ko-KR" sz="1050" i="1">
+                              <a:rPr lang="en-US" altLang="ko-KR" sz="1100" i="1">
                                 <a:solidFill>
                                   <a:srgbClr val="000000"/>
                                 </a:solidFill>
@@ -11742,7 +11752,7 @@
                       </m:sup>
                     </m:sSup>
                     <m:r>
-                      <a:rPr lang="en-US" altLang="ko-KR" sz="1050" i="1">
+                      <a:rPr lang="en-US" altLang="ko-KR" sz="1100" i="1">
                         <a:solidFill>
                           <a:srgbClr val="000000"/>
                         </a:solidFill>
@@ -11755,7 +11765,7 @@
                   </m:oMath>
                 </a14:m>
                 <a:r>
-                  <a:rPr lang="ko-KR" altLang="en-US" sz="1050" b="0" i="0" dirty="0">
+                  <a:rPr lang="ko-KR" altLang="en-US" sz="1100" b="0" i="0" dirty="0">
                     <a:solidFill>
                       <a:srgbClr val="000000"/>
                     </a:solidFill>
@@ -11766,7 +11776,7 @@
                   <a:t>로 재구성된다</a:t>
                 </a:r>
                 <a:r>
-                  <a:rPr lang="en-US" altLang="ko-KR" sz="1050" b="0" i="0" dirty="0">
+                  <a:rPr lang="en-US" altLang="ko-KR" sz="1100" b="0" i="0" dirty="0">
                     <a:solidFill>
                       <a:srgbClr val="000000"/>
                     </a:solidFill>
@@ -11777,7 +11787,7 @@
                   <a:t>.</a:t>
                 </a:r>
                 <a:r>
-                  <a:rPr lang="ko-KR" altLang="en-US" sz="1050" dirty="0">
+                  <a:rPr lang="ko-KR" altLang="en-US" sz="1100" dirty="0">
                     <a:effectLst/>
                     <a:latin typeface="리디바탕" panose="020B0600000101010101" pitchFamily="34" charset="-127"/>
                     <a:ea typeface="리디바탕" panose="020B0600000101010101" pitchFamily="34" charset="-127"/>
@@ -11785,7 +11795,7 @@
                   <a:t> </a:t>
                 </a:r>
                 <a:r>
-                  <a:rPr lang="ko-KR" altLang="en-US" sz="1200" b="0" i="0" dirty="0">
+                  <a:rPr lang="ko-KR" altLang="en-US" sz="1300" b="0" i="0" dirty="0">
                     <a:solidFill>
                       <a:srgbClr val="052E6B"/>
                     </a:solidFill>
@@ -11796,7 +11806,7 @@
                   <a:t>예측된 </a:t>
                 </a:r>
                 <a:r>
-                  <a:rPr lang="en-US" altLang="ko-KR" sz="1200" b="0" i="0" dirty="0">
+                  <a:rPr lang="en-US" altLang="ko-KR" sz="1300" b="0" i="0" dirty="0">
                     <a:solidFill>
                       <a:srgbClr val="052E6B"/>
                     </a:solidFill>
@@ -11807,7 +11817,7 @@
                   <a:t>r </a:t>
                 </a:r>
                 <a:r>
-                  <a:rPr lang="ko-KR" altLang="en-US" sz="1200" b="0" i="0" dirty="0">
+                  <a:rPr lang="ko-KR" altLang="en-US" sz="1300" b="0" i="0" dirty="0">
                     <a:solidFill>
                       <a:srgbClr val="052E6B"/>
                     </a:solidFill>
@@ -11818,7 +11828,7 @@
                   <a:t>값에 할당한 물리적 의미에 따라 </a:t>
                 </a:r>
                 <a:r>
-                  <a:rPr lang="ko-KR" altLang="en-US" sz="1050" b="0" i="0" dirty="0">
+                  <a:rPr lang="ko-KR" altLang="en-US" sz="1100" b="0" i="0" dirty="0">
                     <a:solidFill>
                       <a:srgbClr val="000000"/>
                     </a:solidFill>
@@ -11833,7 +11843,7 @@
                     <m:sSup>
                       <m:sSupPr>
                         <m:ctrlPr>
-                          <a:rPr lang="en-US" altLang="ko-KR" sz="1050" b="0" i="1" smtClean="0">
+                          <a:rPr lang="en-US" altLang="ko-KR" sz="1100" b="0" i="1" smtClean="0">
                             <a:solidFill>
                               <a:srgbClr val="000000"/>
                             </a:solidFill>
@@ -11845,7 +11855,7 @@
                       </m:sSupPr>
                       <m:e>
                         <m:r>
-                          <a:rPr lang="en-US" altLang="ko-KR" sz="1050" b="0" i="1" smtClean="0">
+                          <a:rPr lang="en-US" altLang="ko-KR" sz="1100" b="0" i="1" smtClean="0">
                             <a:solidFill>
                               <a:srgbClr val="000000"/>
                             </a:solidFill>
@@ -11858,7 +11868,7 @@
                       </m:e>
                       <m:sup>
                         <m:r>
-                          <a:rPr lang="en-US" altLang="ko-KR" sz="1050" b="0" i="1" smtClean="0">
+                          <a:rPr lang="en-US" altLang="ko-KR" sz="1100" b="0" i="1" smtClean="0">
                             <a:solidFill>
                               <a:srgbClr val="000000"/>
                             </a:solidFill>
@@ -11873,7 +11883,7 @@
                   </m:oMath>
                 </a14:m>
                 <a:r>
-                  <a:rPr lang="ko-KR" altLang="en-US" sz="1050" b="0" i="0" dirty="0">
+                  <a:rPr lang="ko-KR" altLang="en-US" sz="1100" b="0" i="0" dirty="0">
                     <a:solidFill>
                       <a:srgbClr val="000000"/>
                     </a:solidFill>
@@ -11888,7 +11898,7 @@
                     <m:sSup>
                       <m:sSupPr>
                         <m:ctrlPr>
-                          <a:rPr lang="en-US" altLang="ko-KR" sz="1050" b="0" i="1" smtClean="0">
+                          <a:rPr lang="en-US" altLang="ko-KR" sz="1100" b="0" i="1" smtClean="0">
                             <a:solidFill>
                               <a:srgbClr val="000000"/>
                             </a:solidFill>
@@ -11900,7 +11910,7 @@
                       </m:sSupPr>
                       <m:e>
                         <m:r>
-                          <a:rPr lang="en-US" altLang="ko-KR" sz="1050" b="0" i="1" smtClean="0">
+                          <a:rPr lang="en-US" altLang="ko-KR" sz="1100" b="0" i="1" smtClean="0">
                             <a:solidFill>
                               <a:srgbClr val="000000"/>
                             </a:solidFill>
@@ -11915,7 +11925,7 @@
                         <m:sSub>
                           <m:sSubPr>
                             <m:ctrlPr>
-                              <a:rPr lang="en-US" altLang="ko-KR" sz="1050" b="0" i="1" smtClean="0">
+                              <a:rPr lang="en-US" altLang="ko-KR" sz="1100" b="0" i="1" smtClean="0">
                                 <a:solidFill>
                                   <a:srgbClr val="000000"/>
                                 </a:solidFill>
@@ -11927,7 +11937,7 @@
                           </m:sSubPr>
                           <m:e>
                             <m:r>
-                              <a:rPr lang="en-US" altLang="ko-KR" sz="1050" b="0" i="1" smtClean="0">
+                              <a:rPr lang="en-US" altLang="ko-KR" sz="1100" b="0" i="1" smtClean="0">
                                 <a:solidFill>
                                   <a:srgbClr val="000000"/>
                                 </a:solidFill>
@@ -11940,7 +11950,7 @@
                           </m:e>
                           <m:sub>
                             <m:r>
-                              <a:rPr lang="en-US" altLang="ko-KR" sz="1050" b="0" i="1" smtClean="0">
+                              <a:rPr lang="en-US" altLang="ko-KR" sz="1100" b="0" i="1" smtClean="0">
                                 <a:solidFill>
                                   <a:srgbClr val="000000"/>
                                 </a:solidFill>
@@ -11957,7 +11967,7 @@
                   </m:oMath>
                 </a14:m>
                 <a:r>
-                  <a:rPr lang="ko-KR" altLang="en-US" sz="1050" b="0" i="0" dirty="0">
+                  <a:rPr lang="ko-KR" altLang="en-US" sz="1100" b="0" i="0" dirty="0">
                     <a:solidFill>
                       <a:srgbClr val="000000"/>
                     </a:solidFill>
@@ -11968,7 +11978,7 @@
                   <a:t>로 복구하기 위한 두 가지 다른 연산을 제시한다</a:t>
                 </a:r>
                 <a:r>
-                  <a:rPr lang="en-US" altLang="ko-KR" sz="1050" b="0" i="0" dirty="0">
+                  <a:rPr lang="en-US" altLang="ko-KR" sz="1100" b="0" i="0" dirty="0">
                     <a:solidFill>
                       <a:srgbClr val="000000"/>
                     </a:solidFill>
@@ -11978,7 +11988,7 @@
                   </a:rPr>
                   <a:t>.</a:t>
                 </a:r>
-                <a:endParaRPr lang="ko-KR" altLang="en-US" sz="1050" dirty="0">
+                <a:endParaRPr lang="ko-KR" altLang="en-US" sz="1100" dirty="0">
                   <a:effectLst/>
                   <a:latin typeface="리디바탕" panose="020B0600000101010101" pitchFamily="34" charset="-127"/>
                   <a:ea typeface="리디바탕" panose="020B0600000101010101" pitchFamily="34" charset="-127"/>
@@ -12004,8 +12014,8 @@
             </p:nvSpPr>
             <p:spPr>
               <a:xfrm>
-                <a:off x="74865" y="2471230"/>
-                <a:ext cx="7923137" cy="2296206"/>
+                <a:off x="0" y="2539520"/>
+                <a:ext cx="8069441" cy="2448427"/>
               </a:xfrm>
               <a:prstGeom prst="rect">
                 <a:avLst/>
@@ -12032,6 +12042,687 @@
           </p:sp>
         </mc:Fallback>
       </mc:AlternateContent>
+      <p:sp>
+        <p:nvSpPr>
+          <p:cNvPr id="29" name="TextBox 28">
+            <a:extLst>
+              <a:ext uri="{FF2B5EF4-FFF2-40B4-BE49-F238E27FC236}">
+                <a16:creationId xmlns:a16="http://schemas.microsoft.com/office/drawing/2014/main" id="{1EE8C215-591F-4F42-BEDE-2383CFDF3F67}"/>
+              </a:ext>
+            </a:extLst>
+          </p:cNvPr>
+          <p:cNvSpPr txBox="1"/>
+          <p:nvPr/>
+        </p:nvSpPr>
+        <p:spPr>
+          <a:xfrm>
+            <a:off x="5493003" y="5043184"/>
+            <a:ext cx="1936497" cy="316625"/>
+          </a:xfrm>
+          <a:prstGeom prst="rect">
+            <a:avLst/>
+          </a:prstGeom>
+          <a:noFill/>
+        </p:spPr>
+        <p:txBody>
+          <a:bodyPr wrap="square">
+            <a:spAutoFit/>
+          </a:bodyPr>
+          <a:lstStyle/>
+          <a:p>
+            <a:pPr>
+              <a:lnSpc>
+                <a:spcPct val="150000"/>
+              </a:lnSpc>
+            </a:pPr>
+            <a:r>
+              <a:rPr lang="ko-KR" altLang="en-US" sz="1100" b="1" dirty="0">
+                <a:solidFill>
+                  <a:srgbClr val="052E6B"/>
+                </a:solidFill>
+                <a:effectLst/>
+                <a:latin typeface="리디바탕" panose="020B0600000101010101" pitchFamily="34" charset="-127"/>
+                <a:ea typeface="리디바탕" panose="020B0600000101010101" pitchFamily="34" charset="-127"/>
+              </a:rPr>
+              <a:t>① </a:t>
+            </a:r>
+            <a:r>
+              <a:rPr lang="ko-KR" altLang="en-US" sz="1100" b="1" dirty="0" err="1">
+                <a:solidFill>
+                  <a:srgbClr val="052E6B"/>
+                </a:solidFill>
+                <a:effectLst/>
+                <a:latin typeface="리디바탕" panose="020B0600000101010101" pitchFamily="34" charset="-127"/>
+                <a:ea typeface="리디바탕" panose="020B0600000101010101" pitchFamily="34" charset="-127"/>
+              </a:rPr>
+              <a:t>보간법</a:t>
+            </a:r>
+            <a:r>
+              <a:rPr lang="ko-KR" altLang="en-US" sz="1100" b="1" dirty="0">
+                <a:solidFill>
+                  <a:srgbClr val="052E6B"/>
+                </a:solidFill>
+                <a:effectLst/>
+                <a:latin typeface="리디바탕" panose="020B0600000101010101" pitchFamily="34" charset="-127"/>
+                <a:ea typeface="리디바탕" panose="020B0600000101010101" pitchFamily="34" charset="-127"/>
+              </a:rPr>
+              <a:t> </a:t>
+            </a:r>
+            <a:r>
+              <a:rPr lang="en-US" altLang="ko-KR" sz="1100" b="1" dirty="0">
+                <a:solidFill>
+                  <a:srgbClr val="052E6B"/>
+                </a:solidFill>
+                <a:effectLst/>
+                <a:latin typeface="리디바탕" panose="020B0600000101010101" pitchFamily="34" charset="-127"/>
+                <a:ea typeface="리디바탕" panose="020B0600000101010101" pitchFamily="34" charset="-127"/>
+              </a:rPr>
+              <a:t>(interpolation)</a:t>
+            </a:r>
+          </a:p>
+        </p:txBody>
+      </p:sp>
+      <p:sp>
+        <p:nvSpPr>
+          <p:cNvPr id="30" name="TextBox 29">
+            <a:extLst>
+              <a:ext uri="{FF2B5EF4-FFF2-40B4-BE49-F238E27FC236}">
+                <a16:creationId xmlns:a16="http://schemas.microsoft.com/office/drawing/2014/main" id="{F126C87C-02EE-4457-B24E-FC47ED88E559}"/>
+              </a:ext>
+            </a:extLst>
+          </p:cNvPr>
+          <p:cNvSpPr txBox="1"/>
+          <p:nvPr/>
+        </p:nvSpPr>
+        <p:spPr>
+          <a:xfrm>
+            <a:off x="3572006" y="5806259"/>
+            <a:ext cx="4649217" cy="316049"/>
+          </a:xfrm>
+          <a:prstGeom prst="rect">
+            <a:avLst/>
+          </a:prstGeom>
+          <a:noFill/>
+        </p:spPr>
+        <p:txBody>
+          <a:bodyPr wrap="square">
+            <a:spAutoFit/>
+          </a:bodyPr>
+          <a:lstStyle/>
+          <a:p>
+            <a:pPr>
+              <a:lnSpc>
+                <a:spcPct val="150000"/>
+              </a:lnSpc>
+            </a:pPr>
+            <a:r>
+              <a:rPr lang="ko-KR" altLang="en-US" sz="1100" b="1" dirty="0">
+                <a:solidFill>
+                  <a:srgbClr val="052E6B"/>
+                </a:solidFill>
+                <a:effectLst/>
+                <a:latin typeface="리디바탕" panose="020B0600000101010101" pitchFamily="34" charset="-127"/>
+                <a:ea typeface="리디바탕" panose="020B0600000101010101" pitchFamily="34" charset="-127"/>
+              </a:rPr>
+              <a:t>② </a:t>
+            </a:r>
+            <a:r>
+              <a:rPr lang="ko-KR" altLang="en-US" sz="1100" b="1" i="0" dirty="0">
+                <a:solidFill>
+                  <a:srgbClr val="052E6B"/>
+                </a:solidFill>
+                <a:effectLst/>
+                <a:latin typeface="리디바탕" panose="020B0600000101010101" pitchFamily="34" charset="-127"/>
+                <a:ea typeface="리디바탕" panose="020B0600000101010101" pitchFamily="34" charset="-127"/>
+              </a:rPr>
+              <a:t>역 이산 코사인 변환 </a:t>
+            </a:r>
+            <a:r>
+              <a:rPr lang="en-US" altLang="ko-KR" sz="1100" b="1" i="0" dirty="0">
+                <a:solidFill>
+                  <a:srgbClr val="052E6B"/>
+                </a:solidFill>
+                <a:effectLst/>
+                <a:latin typeface="리디바탕" panose="020B0600000101010101" pitchFamily="34" charset="-127"/>
+                <a:ea typeface="리디바탕" panose="020B0600000101010101" pitchFamily="34" charset="-127"/>
+              </a:rPr>
+              <a:t>(IDCT, Inverse Discrete Cosine Transform)</a:t>
+            </a:r>
+            <a:endParaRPr lang="ko-KR" altLang="en-US" sz="1050" dirty="0"/>
+          </a:p>
+        </p:txBody>
+      </p:sp>
+      <p:sp>
+        <p:nvSpPr>
+          <p:cNvPr id="7" name="사각형: 둥근 모서리 6">
+            <a:extLst>
+              <a:ext uri="{FF2B5EF4-FFF2-40B4-BE49-F238E27FC236}">
+                <a16:creationId xmlns:a16="http://schemas.microsoft.com/office/drawing/2014/main" id="{741702F0-D0DC-499A-9F2D-336F06F528B8}"/>
+              </a:ext>
+            </a:extLst>
+          </p:cNvPr>
+          <p:cNvSpPr/>
+          <p:nvPr/>
+        </p:nvSpPr>
+        <p:spPr>
+          <a:xfrm>
+            <a:off x="11182350" y="3124200"/>
+            <a:ext cx="390524" cy="1107818"/>
+          </a:xfrm>
+          <a:prstGeom prst="roundRect">
+            <a:avLst/>
+          </a:prstGeom>
+          <a:noFill/>
+          <a:ln w="28575">
+            <a:solidFill>
+              <a:srgbClr val="052E6B"/>
+            </a:solidFill>
+            <a:prstDash val="sysDash"/>
+          </a:ln>
+        </p:spPr>
+        <p:style>
+          <a:lnRef idx="2">
+            <a:schemeClr val="accent1">
+              <a:shade val="50000"/>
+            </a:schemeClr>
+          </a:lnRef>
+          <a:fillRef idx="1">
+            <a:schemeClr val="accent1"/>
+          </a:fillRef>
+          <a:effectRef idx="0">
+            <a:schemeClr val="accent1"/>
+          </a:effectRef>
+          <a:fontRef idx="minor">
+            <a:schemeClr val="lt1"/>
+          </a:fontRef>
+        </p:style>
+        <p:txBody>
+          <a:bodyPr rtlCol="0" anchor="ctr"/>
+          <a:lstStyle/>
+          <a:p>
+            <a:pPr algn="ctr"/>
+            <a:endParaRPr lang="ko-KR" altLang="en-US"/>
+          </a:p>
+        </p:txBody>
+      </p:sp>
+      <p:sp>
+        <p:nvSpPr>
+          <p:cNvPr id="31" name="사각형: 둥근 모서리 30">
+            <a:extLst>
+              <a:ext uri="{FF2B5EF4-FFF2-40B4-BE49-F238E27FC236}">
+                <a16:creationId xmlns:a16="http://schemas.microsoft.com/office/drawing/2014/main" id="{17846399-8561-473E-A0DB-553F7D706375}"/>
+              </a:ext>
+            </a:extLst>
+          </p:cNvPr>
+          <p:cNvSpPr/>
+          <p:nvPr/>
+        </p:nvSpPr>
+        <p:spPr>
+          <a:xfrm>
+            <a:off x="11644313" y="3124200"/>
+            <a:ext cx="390524" cy="1107818"/>
+          </a:xfrm>
+          <a:prstGeom prst="roundRect">
+            <a:avLst/>
+          </a:prstGeom>
+          <a:noFill/>
+          <a:ln w="28575">
+            <a:solidFill>
+              <a:srgbClr val="052E6B"/>
+            </a:solidFill>
+            <a:prstDash val="sysDash"/>
+          </a:ln>
+        </p:spPr>
+        <p:style>
+          <a:lnRef idx="2">
+            <a:schemeClr val="accent1">
+              <a:shade val="50000"/>
+            </a:schemeClr>
+          </a:lnRef>
+          <a:fillRef idx="1">
+            <a:schemeClr val="accent1"/>
+          </a:fillRef>
+          <a:effectRef idx="0">
+            <a:schemeClr val="accent1"/>
+          </a:effectRef>
+          <a:fontRef idx="minor">
+            <a:schemeClr val="lt1"/>
+          </a:fontRef>
+        </p:style>
+        <p:txBody>
+          <a:bodyPr rtlCol="0" anchor="ctr"/>
+          <a:lstStyle/>
+          <a:p>
+            <a:pPr algn="ctr"/>
+            <a:endParaRPr lang="ko-KR" altLang="en-US"/>
+          </a:p>
+        </p:txBody>
+      </p:sp>
+      <p:cxnSp>
+        <p:nvCxnSpPr>
+          <p:cNvPr id="32" name="연결선: 꺾임 31">
+            <a:extLst>
+              <a:ext uri="{FF2B5EF4-FFF2-40B4-BE49-F238E27FC236}">
+                <a16:creationId xmlns:a16="http://schemas.microsoft.com/office/drawing/2014/main" id="{2099B8BD-8127-4784-A6F1-602835D29EE7}"/>
+              </a:ext>
+            </a:extLst>
+          </p:cNvPr>
+          <p:cNvCxnSpPr>
+            <a:cxnSpLocks/>
+            <a:endCxn id="7" idx="2"/>
+          </p:cNvCxnSpPr>
+          <p:nvPr/>
+        </p:nvCxnSpPr>
+        <p:spPr>
+          <a:xfrm flipV="1">
+            <a:off x="7429500" y="4232018"/>
+            <a:ext cx="3948112" cy="1001313"/>
+          </a:xfrm>
+          <a:prstGeom prst="bentConnector2">
+            <a:avLst/>
+          </a:prstGeom>
+          <a:ln w="19050">
+            <a:solidFill>
+              <a:srgbClr val="052E6B"/>
+            </a:solidFill>
+            <a:tailEnd type="triangle"/>
+          </a:ln>
+        </p:spPr>
+        <p:style>
+          <a:lnRef idx="1">
+            <a:schemeClr val="accent1"/>
+          </a:lnRef>
+          <a:fillRef idx="0">
+            <a:schemeClr val="accent1"/>
+          </a:fillRef>
+          <a:effectRef idx="0">
+            <a:schemeClr val="accent1"/>
+          </a:effectRef>
+          <a:fontRef idx="minor">
+            <a:schemeClr val="tx1"/>
+          </a:fontRef>
+        </p:style>
+      </p:cxnSp>
+      <p:cxnSp>
+        <p:nvCxnSpPr>
+          <p:cNvPr id="33" name="연결선: 꺾임 32">
+            <a:extLst>
+              <a:ext uri="{FF2B5EF4-FFF2-40B4-BE49-F238E27FC236}">
+                <a16:creationId xmlns:a16="http://schemas.microsoft.com/office/drawing/2014/main" id="{63F809D1-03A8-4FF5-86F5-ABB7BB824FDB}"/>
+              </a:ext>
+            </a:extLst>
+          </p:cNvPr>
+          <p:cNvCxnSpPr>
+            <a:cxnSpLocks/>
+            <a:endCxn id="31" idx="2"/>
+          </p:cNvCxnSpPr>
+          <p:nvPr/>
+        </p:nvCxnSpPr>
+        <p:spPr>
+          <a:xfrm flipV="1">
+            <a:off x="8221223" y="4232018"/>
+            <a:ext cx="3618352" cy="1766201"/>
+          </a:xfrm>
+          <a:prstGeom prst="bentConnector2">
+            <a:avLst/>
+          </a:prstGeom>
+          <a:ln w="19050">
+            <a:solidFill>
+              <a:srgbClr val="052E6B"/>
+            </a:solidFill>
+            <a:tailEnd type="triangle"/>
+          </a:ln>
+        </p:spPr>
+        <p:style>
+          <a:lnRef idx="1">
+            <a:schemeClr val="accent1"/>
+          </a:lnRef>
+          <a:fillRef idx="0">
+            <a:schemeClr val="accent1"/>
+          </a:fillRef>
+          <a:effectRef idx="0">
+            <a:schemeClr val="accent1"/>
+          </a:effectRef>
+          <a:fontRef idx="minor">
+            <a:schemeClr val="tx1"/>
+          </a:fontRef>
+        </p:style>
+      </p:cxnSp>
+    </p:spTree>
+    <p:extLst>
+      <p:ext uri="{BB962C8B-B14F-4D97-AF65-F5344CB8AC3E}">
+        <p14:creationId xmlns:p14="http://schemas.microsoft.com/office/powerpoint/2010/main" val="1091479440"/>
+      </p:ext>
+    </p:extLst>
+  </p:cSld>
+  <p:clrMapOvr>
+    <a:masterClrMapping/>
+  </p:clrMapOvr>
+</p:sld>
+</file>
+
+<file path=ppt/slides/slide15.xml><?xml version="1.0" encoding="utf-8"?>
+<p:sld xmlns:a="http://schemas.openxmlformats.org/drawingml/2006/main" xmlns:r="http://schemas.openxmlformats.org/officeDocument/2006/relationships" xmlns:p="http://schemas.openxmlformats.org/presentationml/2006/main">
+  <p:cSld>
+    <p:spTree>
+      <p:nvGrpSpPr>
+        <p:cNvPr id="1" name=""/>
+        <p:cNvGrpSpPr/>
+        <p:nvPr/>
+      </p:nvGrpSpPr>
+      <p:grpSpPr>
+        <a:xfrm>
+          <a:off x="0" y="0"/>
+          <a:ext cx="0" cy="0"/>
+          <a:chOff x="0" y="0"/>
+          <a:chExt cx="0" cy="0"/>
+        </a:xfrm>
+      </p:grpSpPr>
+      <p:pic>
+        <p:nvPicPr>
+          <p:cNvPr id="3" name="그림 2">
+            <a:extLst>
+              <a:ext uri="{FF2B5EF4-FFF2-40B4-BE49-F238E27FC236}">
+                <a16:creationId xmlns:a16="http://schemas.microsoft.com/office/drawing/2014/main" id="{EDE938F7-54F3-47A2-9B99-065887AD8D59}"/>
+              </a:ext>
+            </a:extLst>
+          </p:cNvPr>
+          <p:cNvPicPr>
+            <a:picLocks noChangeAspect="1"/>
+          </p:cNvPicPr>
+          <p:nvPr/>
+        </p:nvPicPr>
+        <p:blipFill>
+          <a:blip r:embed="rId2"/>
+          <a:stretch>
+            <a:fillRect/>
+          </a:stretch>
+        </p:blipFill>
+        <p:spPr>
+          <a:xfrm>
+            <a:off x="8069442" y="799326"/>
+            <a:ext cx="4026535" cy="1718437"/>
+          </a:xfrm>
+          <a:prstGeom prst="rect">
+            <a:avLst/>
+          </a:prstGeom>
+        </p:spPr>
+      </p:pic>
+      <p:sp>
+        <p:nvSpPr>
+          <p:cNvPr id="10" name="직사각형 9"/>
+          <p:cNvSpPr/>
+          <p:nvPr/>
+        </p:nvSpPr>
+        <p:spPr>
+          <a:xfrm>
+            <a:off x="0" y="6590592"/>
+            <a:ext cx="12192000" cy="267408"/>
+          </a:xfrm>
+          <a:prstGeom prst="rect">
+            <a:avLst/>
+          </a:prstGeom>
+          <a:solidFill>
+            <a:schemeClr val="tx1">
+              <a:lumMod val="65000"/>
+              <a:lumOff val="35000"/>
+            </a:schemeClr>
+          </a:solidFill>
+          <a:ln>
+            <a:noFill/>
+          </a:ln>
+        </p:spPr>
+        <p:style>
+          <a:lnRef idx="2">
+            <a:schemeClr val="accent1">
+              <a:shade val="50000"/>
+            </a:schemeClr>
+          </a:lnRef>
+          <a:fillRef idx="1">
+            <a:schemeClr val="accent1"/>
+          </a:fillRef>
+          <a:effectRef idx="0">
+            <a:schemeClr val="accent1"/>
+          </a:effectRef>
+          <a:fontRef idx="minor">
+            <a:schemeClr val="lt1"/>
+          </a:fontRef>
+        </p:style>
+        <p:txBody>
+          <a:bodyPr rtlCol="0" anchor="ctr"/>
+          <a:lstStyle/>
+          <a:p>
+            <a:pPr algn="ctr"/>
+            <a:endParaRPr lang="ko-KR" altLang="en-US"/>
+          </a:p>
+        </p:txBody>
+      </p:sp>
+      <p:sp>
+        <p:nvSpPr>
+          <p:cNvPr id="11" name="TextBox 10"/>
+          <p:cNvSpPr txBox="1"/>
+          <p:nvPr/>
+        </p:nvSpPr>
+        <p:spPr>
+          <a:xfrm>
+            <a:off x="146304" y="0"/>
+            <a:ext cx="676656" cy="707886"/>
+          </a:xfrm>
+          <a:prstGeom prst="rect">
+            <a:avLst/>
+          </a:prstGeom>
+          <a:noFill/>
+        </p:spPr>
+        <p:txBody>
+          <a:bodyPr wrap="square" rtlCol="0">
+            <a:spAutoFit/>
+          </a:bodyPr>
+          <a:lstStyle/>
+          <a:p>
+            <a:pPr algn="ctr"/>
+            <a:r>
+              <a:rPr lang="en-US" altLang="ko-KR" sz="4000" dirty="0">
+                <a:solidFill>
+                  <a:srgbClr val="595959"/>
+                </a:solidFill>
+                <a:latin typeface="리디바탕" panose="020B0600000101010101" pitchFamily="34" charset="-127"/>
+                <a:ea typeface="리디바탕" panose="020B0600000101010101" pitchFamily="34" charset="-127"/>
+              </a:rPr>
+              <a:t>3</a:t>
+            </a:r>
+            <a:endParaRPr lang="ko-KR" altLang="en-US" sz="4000" dirty="0">
+              <a:solidFill>
+                <a:srgbClr val="595959"/>
+              </a:solidFill>
+              <a:latin typeface="리디바탕" panose="020B0600000101010101" pitchFamily="34" charset="-127"/>
+              <a:ea typeface="리디바탕" panose="020B0600000101010101" pitchFamily="34" charset="-127"/>
+            </a:endParaRPr>
+          </a:p>
+        </p:txBody>
+      </p:sp>
+      <p:sp>
+        <p:nvSpPr>
+          <p:cNvPr id="12" name="TextBox 11"/>
+          <p:cNvSpPr txBox="1"/>
+          <p:nvPr/>
+        </p:nvSpPr>
+        <p:spPr>
+          <a:xfrm>
+            <a:off x="960119" y="123110"/>
+            <a:ext cx="10879455" cy="461665"/>
+          </a:xfrm>
+          <a:prstGeom prst="rect">
+            <a:avLst/>
+          </a:prstGeom>
+          <a:noFill/>
+        </p:spPr>
+        <p:txBody>
+          <a:bodyPr wrap="square" rtlCol="0">
+            <a:spAutoFit/>
+          </a:bodyPr>
+          <a:lstStyle/>
+          <a:p>
+            <a:r>
+              <a:rPr lang="en-US" altLang="ko-KR" sz="2400" dirty="0" err="1">
+                <a:solidFill>
+                  <a:srgbClr val="595959"/>
+                </a:solidFill>
+                <a:latin typeface="리디바탕" panose="020B0600000101010101" pitchFamily="34" charset="-127"/>
+                <a:ea typeface="리디바탕" panose="020B0600000101010101" pitchFamily="34" charset="-127"/>
+              </a:rPr>
+              <a:t>HoHoNet</a:t>
+            </a:r>
+            <a:r>
+              <a:rPr lang="en-US" altLang="ko-KR" sz="2400" dirty="0">
+                <a:solidFill>
+                  <a:srgbClr val="595959"/>
+                </a:solidFill>
+                <a:latin typeface="리디바탕" panose="020B0600000101010101" pitchFamily="34" charset="-127"/>
+                <a:ea typeface="리디바탕" panose="020B0600000101010101" pitchFamily="34" charset="-127"/>
+              </a:rPr>
+              <a:t> </a:t>
+            </a:r>
+            <a:r>
+              <a:rPr lang="en-US" altLang="ko-KR" sz="1600" dirty="0">
+                <a:solidFill>
+                  <a:srgbClr val="595959"/>
+                </a:solidFill>
+                <a:latin typeface="리디바탕" panose="020B0600000101010101" pitchFamily="34" charset="-127"/>
+                <a:ea typeface="리디바탕" panose="020B0600000101010101" pitchFamily="34" charset="-127"/>
+              </a:rPr>
+              <a:t>- </a:t>
+            </a:r>
+            <a:r>
+              <a:rPr lang="ko-KR" altLang="en-US" sz="1600" dirty="0">
+                <a:solidFill>
+                  <a:srgbClr val="595959"/>
+                </a:solidFill>
+                <a:latin typeface="리디바탕" panose="020B0600000101010101" pitchFamily="34" charset="-127"/>
+                <a:ea typeface="리디바탕" panose="020B0600000101010101" pitchFamily="34" charset="-127"/>
+              </a:rPr>
+              <a:t>조밀한 깊이 추정을 위한 </a:t>
+            </a:r>
+            <a:r>
+              <a:rPr lang="en-US" altLang="ko-KR" sz="1600" dirty="0" err="1">
+                <a:solidFill>
+                  <a:srgbClr val="595959"/>
+                </a:solidFill>
+                <a:latin typeface="리디바탕" panose="020B0600000101010101" pitchFamily="34" charset="-127"/>
+                <a:ea typeface="리디바탕" panose="020B0600000101010101" pitchFamily="34" charset="-127"/>
+              </a:rPr>
+              <a:t>HoHoNet</a:t>
+            </a:r>
+            <a:r>
+              <a:rPr lang="en-US" altLang="ko-KR" sz="1600" dirty="0">
+                <a:solidFill>
+                  <a:srgbClr val="595959"/>
+                </a:solidFill>
+                <a:latin typeface="리디바탕" panose="020B0600000101010101" pitchFamily="34" charset="-127"/>
+                <a:ea typeface="리디바탕" panose="020B0600000101010101" pitchFamily="34" charset="-127"/>
+              </a:rPr>
+              <a:t> </a:t>
+            </a:r>
+            <a:r>
+              <a:rPr lang="ko-KR" altLang="en-US" sz="1600" dirty="0">
+                <a:solidFill>
+                  <a:srgbClr val="595959"/>
+                </a:solidFill>
+                <a:latin typeface="리디바탕" panose="020B0600000101010101" pitchFamily="34" charset="-127"/>
+                <a:ea typeface="리디바탕" panose="020B0600000101010101" pitchFamily="34" charset="-127"/>
+              </a:rPr>
+              <a:t>프레임워크 개요 </a:t>
+            </a:r>
+            <a:r>
+              <a:rPr lang="en-US" altLang="ko-KR" sz="1600" dirty="0">
+                <a:solidFill>
+                  <a:srgbClr val="052E6B"/>
+                </a:solidFill>
+                <a:latin typeface="리디바탕" panose="020B0600000101010101" pitchFamily="34" charset="-127"/>
+                <a:ea typeface="리디바탕" panose="020B0600000101010101" pitchFamily="34" charset="-127"/>
+                <a:sym typeface="Wingdings" panose="05000000000000000000" pitchFamily="2" charset="2"/>
+              </a:rPr>
+              <a:t>▶ </a:t>
+            </a:r>
+            <a:r>
+              <a:rPr lang="en-US" altLang="ko-KR" sz="1600" dirty="0">
+                <a:solidFill>
+                  <a:srgbClr val="052E6B"/>
+                </a:solidFill>
+                <a:latin typeface="서울한강체 M" panose="02020503020101020101" pitchFamily="18" charset="-127"/>
+                <a:ea typeface="서울한강체 M" panose="02020503020101020101" pitchFamily="18" charset="-127"/>
+                <a:sym typeface="Wingdings" panose="05000000000000000000" pitchFamily="2" charset="2"/>
+              </a:rPr>
+              <a:t>❸ </a:t>
+            </a:r>
+            <a:r>
+              <a:rPr lang="en-US" altLang="ko-KR" sz="1600" dirty="0">
+                <a:solidFill>
+                  <a:srgbClr val="052E6B"/>
+                </a:solidFill>
+                <a:latin typeface="리디바탕" panose="020B0600000101010101" pitchFamily="34" charset="-127"/>
+                <a:ea typeface="리디바탕" panose="020B0600000101010101" pitchFamily="34" charset="-127"/>
+                <a:sym typeface="Wingdings" panose="05000000000000000000" pitchFamily="2" charset="2"/>
+              </a:rPr>
+              <a:t>horizon-to-dense </a:t>
+            </a:r>
+            <a:r>
+              <a:rPr lang="ko-KR" altLang="en-US" sz="1600" dirty="0">
+                <a:solidFill>
+                  <a:srgbClr val="052E6B"/>
+                </a:solidFill>
+                <a:latin typeface="리디바탕" panose="020B0600000101010101" pitchFamily="34" charset="-127"/>
+                <a:ea typeface="리디바탕" panose="020B0600000101010101" pitchFamily="34" charset="-127"/>
+                <a:sym typeface="Wingdings" panose="05000000000000000000" pitchFamily="2" charset="2"/>
+              </a:rPr>
+              <a:t>모듈</a:t>
+            </a:r>
+            <a:r>
+              <a:rPr lang="en-US" altLang="ko-KR" sz="1600" dirty="0">
+                <a:solidFill>
+                  <a:srgbClr val="052E6B"/>
+                </a:solidFill>
+                <a:latin typeface="리디바탕" panose="020B0600000101010101" pitchFamily="34" charset="-127"/>
+                <a:ea typeface="리디바탕" panose="020B0600000101010101" pitchFamily="34" charset="-127"/>
+                <a:sym typeface="Wingdings" panose="05000000000000000000" pitchFamily="2" charset="2"/>
+              </a:rPr>
+              <a:t>, </a:t>
+            </a:r>
+            <a:r>
+              <a:rPr lang="ko-KR" altLang="en-US" sz="1600" dirty="0">
+                <a:solidFill>
+                  <a:srgbClr val="052E6B"/>
+                </a:solidFill>
+                <a:latin typeface="리디바탕" panose="020B0600000101010101" pitchFamily="34" charset="-127"/>
+                <a:ea typeface="리디바탕" panose="020B0600000101010101" pitchFamily="34" charset="-127"/>
+                <a:sym typeface="Wingdings" panose="05000000000000000000" pitchFamily="2" charset="2"/>
+              </a:rPr>
+              <a:t>픽셀당 </a:t>
+            </a:r>
+            <a:r>
+              <a:rPr lang="en-US" altLang="ko-KR" sz="1600" dirty="0">
+                <a:solidFill>
+                  <a:srgbClr val="052E6B"/>
+                </a:solidFill>
+                <a:latin typeface="리디바탕" panose="020B0600000101010101" pitchFamily="34" charset="-127"/>
+                <a:ea typeface="리디바탕" panose="020B0600000101010101" pitchFamily="34" charset="-127"/>
+                <a:sym typeface="Wingdings" panose="05000000000000000000" pitchFamily="2" charset="2"/>
+              </a:rPr>
+              <a:t>2D </a:t>
+            </a:r>
+            <a:r>
+              <a:rPr lang="ko-KR" altLang="en-US" sz="1600" dirty="0">
+                <a:solidFill>
+                  <a:srgbClr val="052E6B"/>
+                </a:solidFill>
+                <a:latin typeface="리디바탕" panose="020B0600000101010101" pitchFamily="34" charset="-127"/>
+                <a:ea typeface="리디바탕" panose="020B0600000101010101" pitchFamily="34" charset="-127"/>
+                <a:sym typeface="Wingdings" panose="05000000000000000000" pitchFamily="2" charset="2"/>
+              </a:rPr>
+              <a:t>양식 예측</a:t>
+            </a:r>
+          </a:p>
+        </p:txBody>
+      </p:sp>
       <mc:AlternateContent xmlns:mc="http://schemas.openxmlformats.org/markup-compatibility/2006">
         <mc:Choice xmlns:a14="http://schemas.microsoft.com/office/drawing/2010/main" Requires="a14">
           <p:sp>
@@ -12048,8 +12739,8 @@
             </p:nvSpPr>
             <p:spPr>
               <a:xfrm>
-                <a:off x="146303" y="4851143"/>
-                <a:ext cx="7461175" cy="596958"/>
+                <a:off x="146304" y="2996701"/>
+                <a:ext cx="7461175" cy="608756"/>
               </a:xfrm>
               <a:prstGeom prst="rect">
                 <a:avLst/>
@@ -12068,7 +12759,7 @@
                   </a:lnSpc>
                 </a:pPr>
                 <a:r>
-                  <a:rPr lang="ko-KR" altLang="en-US" sz="1100" b="1" dirty="0">
+                  <a:rPr lang="ko-KR" altLang="en-US" sz="1200" b="1" dirty="0">
                     <a:solidFill>
                       <a:srgbClr val="052E6B"/>
                     </a:solidFill>
@@ -12079,7 +12770,7 @@
                   <a:t>① </a:t>
                 </a:r>
                 <a:r>
-                  <a:rPr lang="ko-KR" altLang="en-US" sz="1100" b="1" dirty="0" err="1">
+                  <a:rPr lang="ko-KR" altLang="en-US" sz="1200" b="1" dirty="0" err="1">
                     <a:solidFill>
                       <a:srgbClr val="052E6B"/>
                     </a:solidFill>
@@ -12090,7 +12781,7 @@
                   <a:t>보간법</a:t>
                 </a:r>
                 <a:r>
-                  <a:rPr lang="ko-KR" altLang="en-US" sz="1100" b="1" dirty="0">
+                  <a:rPr lang="ko-KR" altLang="en-US" sz="1200" b="1" dirty="0">
                     <a:solidFill>
                       <a:srgbClr val="052E6B"/>
                     </a:solidFill>
@@ -12101,7 +12792,7 @@
                   <a:t> </a:t>
                 </a:r>
                 <a:r>
-                  <a:rPr lang="en-US" altLang="ko-KR" sz="1100" b="1" dirty="0">
+                  <a:rPr lang="en-US" altLang="ko-KR" sz="1200" b="1" dirty="0">
                     <a:solidFill>
                       <a:srgbClr val="052E6B"/>
                     </a:solidFill>
@@ -12442,16 +13133,16 @@
             </p:nvSpPr>
             <p:spPr>
               <a:xfrm>
-                <a:off x="146303" y="4851143"/>
-                <a:ext cx="7461175" cy="596958"/>
+                <a:off x="146304" y="2996701"/>
+                <a:ext cx="7461175" cy="608756"/>
               </a:xfrm>
               <a:prstGeom prst="rect">
                 <a:avLst/>
               </a:prstGeom>
               <a:blipFill>
-                <a:blip r:embed="rId5"/>
+                <a:blip r:embed="rId3"/>
                 <a:stretch>
-                  <a:fillRect b="-1020"/>
+                  <a:fillRect b="-4040"/>
                 </a:stretch>
               </a:blipFill>
             </p:spPr>
@@ -12484,8 +13175,8 @@
         </p:nvSpPr>
         <p:spPr>
           <a:xfrm>
-            <a:off x="146303" y="5597148"/>
-            <a:ext cx="9369172" cy="802143"/>
+            <a:off x="146304" y="3699376"/>
+            <a:ext cx="9369172" cy="825226"/>
           </a:xfrm>
           <a:prstGeom prst="rect">
             <a:avLst/>
@@ -12504,7 +13195,7 @@
               </a:lnSpc>
             </a:pPr>
             <a:r>
-              <a:rPr lang="ko-KR" altLang="en-US" sz="1100" b="1" dirty="0">
+              <a:rPr lang="ko-KR" altLang="en-US" sz="1200" b="1" dirty="0">
                 <a:solidFill>
                   <a:srgbClr val="052E6B"/>
                 </a:solidFill>
@@ -12515,7 +13206,7 @@
               <a:t>② </a:t>
             </a:r>
             <a:r>
-              <a:rPr lang="ko-KR" altLang="en-US" sz="1100" b="1" i="0" dirty="0">
+              <a:rPr lang="ko-KR" altLang="en-US" sz="1200" b="1" i="0" dirty="0">
                 <a:solidFill>
                   <a:srgbClr val="052E6B"/>
                 </a:solidFill>
@@ -12526,7 +13217,7 @@
               <a:t>역 이산 코사인 변환 </a:t>
             </a:r>
             <a:r>
-              <a:rPr lang="en-US" altLang="ko-KR" sz="1100" b="1" i="0" dirty="0">
+              <a:rPr lang="en-US" altLang="ko-KR" sz="1200" b="1" i="0" dirty="0">
                 <a:solidFill>
                   <a:srgbClr val="052E6B"/>
                 </a:solidFill>
@@ -12722,7 +13413,7 @@
         </p:nvSpPr>
         <p:spPr>
           <a:xfrm>
-            <a:off x="11182350" y="3124200"/>
+            <a:off x="11182351" y="1297592"/>
             <a:ext cx="390524" cy="1107818"/>
           </a:xfrm>
           <a:prstGeom prst="roundRect">
@@ -12775,7 +13466,7 @@
         </p:nvSpPr>
         <p:spPr>
           <a:xfrm>
-            <a:off x="11644313" y="3124200"/>
+            <a:off x="11644314" y="1297592"/>
             <a:ext cx="390524" cy="1107818"/>
           </a:xfrm>
           <a:prstGeom prst="roundRect">
@@ -12831,7 +13522,7 @@
         </p:nvCxnSpPr>
         <p:spPr>
           <a:xfrm flipV="1">
-            <a:off x="7429500" y="4232018"/>
+            <a:off x="7429501" y="2405410"/>
             <a:ext cx="3948112" cy="1001313"/>
           </a:xfrm>
           <a:prstGeom prst="bentConnector2">
@@ -12876,1214 +13567,7 @@
         </p:nvCxnSpPr>
         <p:spPr>
           <a:xfrm flipV="1">
-            <a:off x="8221223" y="4232018"/>
-            <a:ext cx="3618352" cy="1766201"/>
-          </a:xfrm>
-          <a:prstGeom prst="bentConnector2">
-            <a:avLst/>
-          </a:prstGeom>
-          <a:ln w="19050">
-            <a:solidFill>
-              <a:srgbClr val="052E6B"/>
-            </a:solidFill>
-            <a:tailEnd type="triangle"/>
-          </a:ln>
-        </p:spPr>
-        <p:style>
-          <a:lnRef idx="1">
-            <a:schemeClr val="accent1"/>
-          </a:lnRef>
-          <a:fillRef idx="0">
-            <a:schemeClr val="accent1"/>
-          </a:fillRef>
-          <a:effectRef idx="0">
-            <a:schemeClr val="accent1"/>
-          </a:effectRef>
-          <a:fontRef idx="minor">
-            <a:schemeClr val="tx1"/>
-          </a:fontRef>
-        </p:style>
-      </p:cxnSp>
-    </p:spTree>
-    <p:extLst>
-      <p:ext uri="{BB962C8B-B14F-4D97-AF65-F5344CB8AC3E}">
-        <p14:creationId xmlns:p14="http://schemas.microsoft.com/office/powerpoint/2010/main" val="1091479440"/>
-      </p:ext>
-    </p:extLst>
-  </p:cSld>
-  <p:clrMapOvr>
-    <a:masterClrMapping/>
-  </p:clrMapOvr>
-</p:sld>
-</file>
-
-<file path=ppt/slides/slide15.xml><?xml version="1.0" encoding="utf-8"?>
-<p:sld xmlns:a="http://schemas.openxmlformats.org/drawingml/2006/main" xmlns:r="http://schemas.openxmlformats.org/officeDocument/2006/relationships" xmlns:p="http://schemas.openxmlformats.org/presentationml/2006/main">
-  <p:cSld>
-    <p:spTree>
-      <p:nvGrpSpPr>
-        <p:cNvPr id="1" name=""/>
-        <p:cNvGrpSpPr/>
-        <p:nvPr/>
-      </p:nvGrpSpPr>
-      <p:grpSpPr>
-        <a:xfrm>
-          <a:off x="0" y="0"/>
-          <a:ext cx="0" cy="0"/>
-          <a:chOff x="0" y="0"/>
-          <a:chExt cx="0" cy="0"/>
-        </a:xfrm>
-      </p:grpSpPr>
-      <p:pic>
-        <p:nvPicPr>
-          <p:cNvPr id="3" name="그림 2">
-            <a:extLst>
-              <a:ext uri="{FF2B5EF4-FFF2-40B4-BE49-F238E27FC236}">
-                <a16:creationId xmlns:a16="http://schemas.microsoft.com/office/drawing/2014/main" id="{EDE938F7-54F3-47A2-9B99-065887AD8D59}"/>
-              </a:ext>
-            </a:extLst>
-          </p:cNvPr>
-          <p:cNvPicPr>
-            <a:picLocks noChangeAspect="1"/>
-          </p:cNvPicPr>
-          <p:nvPr/>
-        </p:nvPicPr>
-        <p:blipFill>
-          <a:blip r:embed="rId2"/>
-          <a:stretch>
-            <a:fillRect/>
-          </a:stretch>
-        </p:blipFill>
-        <p:spPr>
-          <a:xfrm>
-            <a:off x="8069442" y="707886"/>
-            <a:ext cx="4026535" cy="1718437"/>
-          </a:xfrm>
-          <a:prstGeom prst="rect">
-            <a:avLst/>
-          </a:prstGeom>
-        </p:spPr>
-      </p:pic>
-      <p:sp>
-        <p:nvSpPr>
-          <p:cNvPr id="10" name="직사각형 9"/>
-          <p:cNvSpPr/>
-          <p:nvPr/>
-        </p:nvSpPr>
-        <p:spPr>
-          <a:xfrm>
-            <a:off x="0" y="6590592"/>
-            <a:ext cx="12192000" cy="267408"/>
-          </a:xfrm>
-          <a:prstGeom prst="rect">
-            <a:avLst/>
-          </a:prstGeom>
-          <a:solidFill>
-            <a:schemeClr val="tx1">
-              <a:lumMod val="65000"/>
-              <a:lumOff val="35000"/>
-            </a:schemeClr>
-          </a:solidFill>
-          <a:ln>
-            <a:noFill/>
-          </a:ln>
-        </p:spPr>
-        <p:style>
-          <a:lnRef idx="2">
-            <a:schemeClr val="accent1">
-              <a:shade val="50000"/>
-            </a:schemeClr>
-          </a:lnRef>
-          <a:fillRef idx="1">
-            <a:schemeClr val="accent1"/>
-          </a:fillRef>
-          <a:effectRef idx="0">
-            <a:schemeClr val="accent1"/>
-          </a:effectRef>
-          <a:fontRef idx="minor">
-            <a:schemeClr val="lt1"/>
-          </a:fontRef>
-        </p:style>
-        <p:txBody>
-          <a:bodyPr rtlCol="0" anchor="ctr"/>
-          <a:lstStyle/>
-          <a:p>
-            <a:pPr algn="ctr"/>
-            <a:endParaRPr lang="ko-KR" altLang="en-US"/>
-          </a:p>
-        </p:txBody>
-      </p:sp>
-      <p:sp>
-        <p:nvSpPr>
-          <p:cNvPr id="11" name="TextBox 10"/>
-          <p:cNvSpPr txBox="1"/>
-          <p:nvPr/>
-        </p:nvSpPr>
-        <p:spPr>
-          <a:xfrm>
-            <a:off x="146304" y="0"/>
-            <a:ext cx="676656" cy="707886"/>
-          </a:xfrm>
-          <a:prstGeom prst="rect">
-            <a:avLst/>
-          </a:prstGeom>
-          <a:noFill/>
-        </p:spPr>
-        <p:txBody>
-          <a:bodyPr wrap="square" rtlCol="0">
-            <a:spAutoFit/>
-          </a:bodyPr>
-          <a:lstStyle/>
-          <a:p>
-            <a:pPr algn="ctr"/>
-            <a:r>
-              <a:rPr lang="en-US" altLang="ko-KR" sz="4000" dirty="0">
-                <a:solidFill>
-                  <a:srgbClr val="595959"/>
-                </a:solidFill>
-                <a:latin typeface="리디바탕" panose="020B0600000101010101" pitchFamily="34" charset="-127"/>
-                <a:ea typeface="리디바탕" panose="020B0600000101010101" pitchFamily="34" charset="-127"/>
-              </a:rPr>
-              <a:t>3</a:t>
-            </a:r>
-            <a:endParaRPr lang="ko-KR" altLang="en-US" sz="4000" dirty="0">
-              <a:solidFill>
-                <a:srgbClr val="595959"/>
-              </a:solidFill>
-              <a:latin typeface="리디바탕" panose="020B0600000101010101" pitchFamily="34" charset="-127"/>
-              <a:ea typeface="리디바탕" panose="020B0600000101010101" pitchFamily="34" charset="-127"/>
-            </a:endParaRPr>
-          </a:p>
-        </p:txBody>
-      </p:sp>
-      <p:sp>
-        <p:nvSpPr>
-          <p:cNvPr id="12" name="TextBox 11"/>
-          <p:cNvSpPr txBox="1"/>
-          <p:nvPr/>
-        </p:nvSpPr>
-        <p:spPr>
-          <a:xfrm>
-            <a:off x="960119" y="123110"/>
-            <a:ext cx="10879455" cy="461665"/>
-          </a:xfrm>
-          <a:prstGeom prst="rect">
-            <a:avLst/>
-          </a:prstGeom>
-          <a:noFill/>
-        </p:spPr>
-        <p:txBody>
-          <a:bodyPr wrap="square" rtlCol="0">
-            <a:spAutoFit/>
-          </a:bodyPr>
-          <a:lstStyle/>
-          <a:p>
-            <a:r>
-              <a:rPr lang="en-US" altLang="ko-KR" sz="2400" dirty="0" err="1">
-                <a:solidFill>
-                  <a:srgbClr val="595959"/>
-                </a:solidFill>
-                <a:latin typeface="리디바탕" panose="020B0600000101010101" pitchFamily="34" charset="-127"/>
-                <a:ea typeface="리디바탕" panose="020B0600000101010101" pitchFamily="34" charset="-127"/>
-              </a:rPr>
-              <a:t>HoHoNet</a:t>
-            </a:r>
-            <a:r>
-              <a:rPr lang="en-US" altLang="ko-KR" sz="2400" dirty="0">
-                <a:solidFill>
-                  <a:srgbClr val="595959"/>
-                </a:solidFill>
-                <a:latin typeface="리디바탕" panose="020B0600000101010101" pitchFamily="34" charset="-127"/>
-                <a:ea typeface="리디바탕" panose="020B0600000101010101" pitchFamily="34" charset="-127"/>
-              </a:rPr>
-              <a:t> </a:t>
-            </a:r>
-            <a:r>
-              <a:rPr lang="en-US" altLang="ko-KR" sz="1600" dirty="0">
-                <a:solidFill>
-                  <a:srgbClr val="595959"/>
-                </a:solidFill>
-                <a:latin typeface="리디바탕" panose="020B0600000101010101" pitchFamily="34" charset="-127"/>
-                <a:ea typeface="리디바탕" panose="020B0600000101010101" pitchFamily="34" charset="-127"/>
-              </a:rPr>
-              <a:t>- </a:t>
-            </a:r>
-            <a:r>
-              <a:rPr lang="ko-KR" altLang="en-US" sz="1600" dirty="0">
-                <a:solidFill>
-                  <a:srgbClr val="595959"/>
-                </a:solidFill>
-                <a:latin typeface="리디바탕" panose="020B0600000101010101" pitchFamily="34" charset="-127"/>
-                <a:ea typeface="리디바탕" panose="020B0600000101010101" pitchFamily="34" charset="-127"/>
-              </a:rPr>
-              <a:t>조밀한 깊이 추정을 위한 </a:t>
-            </a:r>
-            <a:r>
-              <a:rPr lang="en-US" altLang="ko-KR" sz="1600" dirty="0" err="1">
-                <a:solidFill>
-                  <a:srgbClr val="595959"/>
-                </a:solidFill>
-                <a:latin typeface="리디바탕" panose="020B0600000101010101" pitchFamily="34" charset="-127"/>
-                <a:ea typeface="리디바탕" panose="020B0600000101010101" pitchFamily="34" charset="-127"/>
-              </a:rPr>
-              <a:t>HoHoNet</a:t>
-            </a:r>
-            <a:r>
-              <a:rPr lang="en-US" altLang="ko-KR" sz="1600" dirty="0">
-                <a:solidFill>
-                  <a:srgbClr val="595959"/>
-                </a:solidFill>
-                <a:latin typeface="리디바탕" panose="020B0600000101010101" pitchFamily="34" charset="-127"/>
-                <a:ea typeface="리디바탕" panose="020B0600000101010101" pitchFamily="34" charset="-127"/>
-              </a:rPr>
-              <a:t> </a:t>
-            </a:r>
-            <a:r>
-              <a:rPr lang="ko-KR" altLang="en-US" sz="1600" dirty="0">
-                <a:solidFill>
-                  <a:srgbClr val="595959"/>
-                </a:solidFill>
-                <a:latin typeface="리디바탕" panose="020B0600000101010101" pitchFamily="34" charset="-127"/>
-                <a:ea typeface="리디바탕" panose="020B0600000101010101" pitchFamily="34" charset="-127"/>
-              </a:rPr>
-              <a:t>프레임워크 개요 </a:t>
-            </a:r>
-            <a:r>
-              <a:rPr lang="en-US" altLang="ko-KR" sz="1600" dirty="0">
-                <a:solidFill>
-                  <a:srgbClr val="052E6B"/>
-                </a:solidFill>
-                <a:latin typeface="리디바탕" panose="020B0600000101010101" pitchFamily="34" charset="-127"/>
-                <a:ea typeface="리디바탕" panose="020B0600000101010101" pitchFamily="34" charset="-127"/>
-                <a:sym typeface="Wingdings" panose="05000000000000000000" pitchFamily="2" charset="2"/>
-              </a:rPr>
-              <a:t>▶ </a:t>
-            </a:r>
-            <a:r>
-              <a:rPr lang="en-US" altLang="ko-KR" sz="1600" dirty="0">
-                <a:solidFill>
-                  <a:srgbClr val="052E6B"/>
-                </a:solidFill>
-                <a:latin typeface="서울한강체 M" panose="02020503020101020101" pitchFamily="18" charset="-127"/>
-                <a:ea typeface="서울한강체 M" panose="02020503020101020101" pitchFamily="18" charset="-127"/>
-                <a:sym typeface="Wingdings" panose="05000000000000000000" pitchFamily="2" charset="2"/>
-              </a:rPr>
-              <a:t>❸ </a:t>
-            </a:r>
-            <a:r>
-              <a:rPr lang="en-US" altLang="ko-KR" sz="1600" dirty="0">
-                <a:solidFill>
-                  <a:srgbClr val="052E6B"/>
-                </a:solidFill>
-                <a:latin typeface="리디바탕" panose="020B0600000101010101" pitchFamily="34" charset="-127"/>
-                <a:ea typeface="리디바탕" panose="020B0600000101010101" pitchFamily="34" charset="-127"/>
-                <a:sym typeface="Wingdings" panose="05000000000000000000" pitchFamily="2" charset="2"/>
-              </a:rPr>
-              <a:t>horizon-to-dense </a:t>
-            </a:r>
-            <a:r>
-              <a:rPr lang="ko-KR" altLang="en-US" sz="1600" dirty="0">
-                <a:solidFill>
-                  <a:srgbClr val="052E6B"/>
-                </a:solidFill>
-                <a:latin typeface="리디바탕" panose="020B0600000101010101" pitchFamily="34" charset="-127"/>
-                <a:ea typeface="리디바탕" panose="020B0600000101010101" pitchFamily="34" charset="-127"/>
-                <a:sym typeface="Wingdings" panose="05000000000000000000" pitchFamily="2" charset="2"/>
-              </a:rPr>
-              <a:t>모듈</a:t>
-            </a:r>
-            <a:r>
-              <a:rPr lang="en-US" altLang="ko-KR" sz="1600" dirty="0">
-                <a:solidFill>
-                  <a:srgbClr val="052E6B"/>
-                </a:solidFill>
-                <a:latin typeface="리디바탕" panose="020B0600000101010101" pitchFamily="34" charset="-127"/>
-                <a:ea typeface="리디바탕" panose="020B0600000101010101" pitchFamily="34" charset="-127"/>
-                <a:sym typeface="Wingdings" panose="05000000000000000000" pitchFamily="2" charset="2"/>
-              </a:rPr>
-              <a:t>, </a:t>
-            </a:r>
-            <a:r>
-              <a:rPr lang="ko-KR" altLang="en-US" sz="1600" dirty="0">
-                <a:solidFill>
-                  <a:srgbClr val="052E6B"/>
-                </a:solidFill>
-                <a:latin typeface="리디바탕" panose="020B0600000101010101" pitchFamily="34" charset="-127"/>
-                <a:ea typeface="리디바탕" panose="020B0600000101010101" pitchFamily="34" charset="-127"/>
-                <a:sym typeface="Wingdings" panose="05000000000000000000" pitchFamily="2" charset="2"/>
-              </a:rPr>
-              <a:t>픽셀당 </a:t>
-            </a:r>
-            <a:r>
-              <a:rPr lang="en-US" altLang="ko-KR" sz="1600" dirty="0">
-                <a:solidFill>
-                  <a:srgbClr val="052E6B"/>
-                </a:solidFill>
-                <a:latin typeface="리디바탕" panose="020B0600000101010101" pitchFamily="34" charset="-127"/>
-                <a:ea typeface="리디바탕" panose="020B0600000101010101" pitchFamily="34" charset="-127"/>
-                <a:sym typeface="Wingdings" panose="05000000000000000000" pitchFamily="2" charset="2"/>
-              </a:rPr>
-              <a:t>2D </a:t>
-            </a:r>
-            <a:r>
-              <a:rPr lang="ko-KR" altLang="en-US" sz="1600" dirty="0">
-                <a:solidFill>
-                  <a:srgbClr val="052E6B"/>
-                </a:solidFill>
-                <a:latin typeface="리디바탕" panose="020B0600000101010101" pitchFamily="34" charset="-127"/>
-                <a:ea typeface="리디바탕" panose="020B0600000101010101" pitchFamily="34" charset="-127"/>
-                <a:sym typeface="Wingdings" panose="05000000000000000000" pitchFamily="2" charset="2"/>
-              </a:rPr>
-              <a:t>양식 예측</a:t>
-            </a:r>
-          </a:p>
-        </p:txBody>
-      </p:sp>
-      <mc:AlternateContent xmlns:mc="http://schemas.openxmlformats.org/markup-compatibility/2006">
-        <mc:Choice xmlns:a14="http://schemas.microsoft.com/office/drawing/2010/main" Requires="a14">
-          <p:sp>
-            <p:nvSpPr>
-              <p:cNvPr id="29" name="TextBox 28">
-                <a:extLst>
-                  <a:ext uri="{FF2B5EF4-FFF2-40B4-BE49-F238E27FC236}">
-                    <a16:creationId xmlns:a16="http://schemas.microsoft.com/office/drawing/2014/main" id="{1EE8C215-591F-4F42-BEDE-2383CFDF3F67}"/>
-                  </a:ext>
-                </a:extLst>
-              </p:cNvPr>
-              <p:cNvSpPr txBox="1"/>
-              <p:nvPr/>
-            </p:nvSpPr>
-            <p:spPr>
-              <a:xfrm>
-                <a:off x="146304" y="2933095"/>
-                <a:ext cx="7461175" cy="596958"/>
-              </a:xfrm>
-              <a:prstGeom prst="rect">
-                <a:avLst/>
-              </a:prstGeom>
-              <a:noFill/>
-            </p:spPr>
-            <p:txBody>
-              <a:bodyPr wrap="square">
-                <a:spAutoFit/>
-              </a:bodyPr>
-              <a:lstStyle/>
-              <a:p>
-                <a:pPr>
-                  <a:lnSpc>
-                    <a:spcPct val="150000"/>
-                  </a:lnSpc>
-                </a:pPr>
-                <a:r>
-                  <a:rPr lang="ko-KR" altLang="en-US" sz="1100" b="1" dirty="0">
-                    <a:solidFill>
-                      <a:srgbClr val="052E6B"/>
-                    </a:solidFill>
-                    <a:effectLst/>
-                    <a:latin typeface="리디바탕" panose="020B0600000101010101" pitchFamily="34" charset="-127"/>
-                    <a:ea typeface="리디바탕" panose="020B0600000101010101" pitchFamily="34" charset="-127"/>
-                  </a:rPr>
-                  <a:t>① </a:t>
-                </a:r>
-                <a:r>
-                  <a:rPr lang="ko-KR" altLang="en-US" sz="1100" b="1" dirty="0" err="1">
-                    <a:solidFill>
-                      <a:srgbClr val="052E6B"/>
-                    </a:solidFill>
-                    <a:effectLst/>
-                    <a:latin typeface="리디바탕" panose="020B0600000101010101" pitchFamily="34" charset="-127"/>
-                    <a:ea typeface="리디바탕" panose="020B0600000101010101" pitchFamily="34" charset="-127"/>
-                  </a:rPr>
-                  <a:t>보간법</a:t>
-                </a:r>
-                <a:r>
-                  <a:rPr lang="ko-KR" altLang="en-US" sz="1100" b="1" dirty="0">
-                    <a:solidFill>
-                      <a:srgbClr val="052E6B"/>
-                    </a:solidFill>
-                    <a:effectLst/>
-                    <a:latin typeface="리디바탕" panose="020B0600000101010101" pitchFamily="34" charset="-127"/>
-                    <a:ea typeface="리디바탕" panose="020B0600000101010101" pitchFamily="34" charset="-127"/>
-                  </a:rPr>
-                  <a:t> </a:t>
-                </a:r>
-                <a:r>
-                  <a:rPr lang="en-US" altLang="ko-KR" sz="1100" b="1" dirty="0">
-                    <a:solidFill>
-                      <a:srgbClr val="052E6B"/>
-                    </a:solidFill>
-                    <a:effectLst/>
-                    <a:latin typeface="리디바탕" panose="020B0600000101010101" pitchFamily="34" charset="-127"/>
-                    <a:ea typeface="리디바탕" panose="020B0600000101010101" pitchFamily="34" charset="-127"/>
-                  </a:rPr>
-                  <a:t>(interpolation)</a:t>
-                </a:r>
-              </a:p>
-              <a:p>
-                <a:pPr>
-                  <a:lnSpc>
-                    <a:spcPct val="150000"/>
-                  </a:lnSpc>
-                </a:pPr>
-                <a:r>
-                  <a:rPr lang="ko-KR" altLang="en-US" sz="1050" b="0" i="0" dirty="0">
-                    <a:solidFill>
-                      <a:srgbClr val="000000"/>
-                    </a:solidFill>
-                    <a:effectLst/>
-                    <a:latin typeface="리디바탕" panose="020B0600000101010101" pitchFamily="34" charset="-127"/>
-                    <a:ea typeface="리디바탕" panose="020B0600000101010101" pitchFamily="34" charset="-127"/>
-                  </a:rPr>
-                  <a:t>가장 간단한 방법은 잠재 치수 </a:t>
-                </a:r>
-                <a14:m>
-                  <m:oMath xmlns:m="http://schemas.openxmlformats.org/officeDocument/2006/math">
-                    <m:r>
-                      <a:rPr lang="en-US" altLang="ko-KR" sz="1050" b="0" i="1" dirty="0" smtClean="0">
-                        <a:solidFill>
-                          <a:srgbClr val="000000"/>
-                        </a:solidFill>
-                        <a:effectLst/>
-                        <a:latin typeface="Cambria Math" panose="02040503050406030204" pitchFamily="18" charset="0"/>
-                        <a:ea typeface="문화재돌봄체 Regular" panose="020B0000000000000000" pitchFamily="50" charset="-127"/>
-                      </a:rPr>
-                      <m:t>𝑟</m:t>
-                    </m:r>
-                  </m:oMath>
-                </a14:m>
-                <a:r>
-                  <a:rPr lang="ko-KR" altLang="en-US" sz="1050" b="0" i="0" dirty="0">
-                    <a:solidFill>
-                      <a:srgbClr val="000000"/>
-                    </a:solidFill>
-                    <a:effectLst/>
-                    <a:latin typeface="리디바탕" panose="020B0600000101010101" pitchFamily="34" charset="-127"/>
-                    <a:ea typeface="리디바탕" panose="020B0600000101010101" pitchFamily="34" charset="-127"/>
-                  </a:rPr>
-                  <a:t>을 출력 높이로 보고 선형 </a:t>
-                </a:r>
-                <a:r>
-                  <a:rPr lang="ko-KR" altLang="en-US" sz="1050" b="0" i="0" dirty="0" err="1">
-                    <a:solidFill>
-                      <a:srgbClr val="000000"/>
-                    </a:solidFill>
-                    <a:effectLst/>
-                    <a:latin typeface="리디바탕" panose="020B0600000101010101" pitchFamily="34" charset="-127"/>
-                    <a:ea typeface="리디바탕" panose="020B0600000101010101" pitchFamily="34" charset="-127"/>
-                  </a:rPr>
-                  <a:t>보간법을</a:t>
-                </a:r>
-                <a:r>
-                  <a:rPr lang="ko-KR" altLang="en-US" sz="1050" b="0" i="0" dirty="0">
-                    <a:solidFill>
-                      <a:srgbClr val="000000"/>
-                    </a:solidFill>
-                    <a:effectLst/>
-                    <a:latin typeface="리디바탕" panose="020B0600000101010101" pitchFamily="34" charset="-127"/>
-                    <a:ea typeface="리디바탕" panose="020B0600000101010101" pitchFamily="34" charset="-127"/>
-                  </a:rPr>
-                  <a:t> 적용하여 </a:t>
-                </a:r>
-                <a14:m>
-                  <m:oMath xmlns:m="http://schemas.openxmlformats.org/officeDocument/2006/math">
-                    <m:r>
-                      <a:rPr lang="en-US" altLang="ko-KR" sz="1050" b="0" i="1" dirty="0" smtClean="0">
-                        <a:solidFill>
-                          <a:srgbClr val="000000"/>
-                        </a:solidFill>
-                        <a:effectLst/>
-                        <a:latin typeface="Cambria Math" panose="02040503050406030204" pitchFamily="18" charset="0"/>
-                        <a:ea typeface="문화재돌봄체 Regular" panose="020B0000000000000000" pitchFamily="50" charset="-127"/>
-                      </a:rPr>
-                      <m:t>𝑟</m:t>
-                    </m:r>
-                  </m:oMath>
-                </a14:m>
-                <a:r>
-                  <a:rPr lang="en-US" altLang="ko-KR" sz="1050" b="0" i="0" dirty="0">
-                    <a:solidFill>
-                      <a:srgbClr val="000000"/>
-                    </a:solidFill>
-                    <a:effectLst/>
-                    <a:latin typeface="리디바탕" panose="020B0600000101010101" pitchFamily="34" charset="-127"/>
-                    <a:ea typeface="리디바탕" panose="020B0600000101010101" pitchFamily="34" charset="-127"/>
-                  </a:rPr>
-                  <a:t> </a:t>
-                </a:r>
-                <a14:m>
-                  <m:oMath xmlns:m="http://schemas.openxmlformats.org/officeDocument/2006/math">
-                    <m:r>
-                      <a:rPr lang="en-US" altLang="ko-KR" sz="1050" b="0" i="1" dirty="0" smtClean="0">
-                        <a:solidFill>
-                          <a:srgbClr val="000000"/>
-                        </a:solidFill>
-                        <a:effectLst/>
-                        <a:latin typeface="Cambria Math" panose="02040503050406030204" pitchFamily="18" charset="0"/>
-                        <a:ea typeface="문화재돌봄체 Regular" panose="020B0000000000000000" pitchFamily="50" charset="-127"/>
-                      </a:rPr>
-                      <m:t>&lt;</m:t>
-                    </m:r>
-                  </m:oMath>
-                </a14:m>
-                <a:r>
-                  <a:rPr lang="en-US" altLang="ko-KR" sz="1050" b="0" i="0" dirty="0">
-                    <a:solidFill>
-                      <a:srgbClr val="000000"/>
-                    </a:solidFill>
-                    <a:effectLst/>
-                    <a:latin typeface="리디바탕" panose="020B0600000101010101" pitchFamily="34" charset="-127"/>
-                    <a:ea typeface="리디바탕" panose="020B0600000101010101" pitchFamily="34" charset="-127"/>
-                  </a:rPr>
-                  <a:t> </a:t>
-                </a:r>
-                <a14:m>
-                  <m:oMath xmlns:m="http://schemas.openxmlformats.org/officeDocument/2006/math">
-                    <m:sSub>
-                      <m:sSubPr>
-                        <m:ctrlPr>
-                          <a:rPr lang="en-US" altLang="ko-KR" sz="1050" b="0" i="1" smtClean="0">
-                            <a:solidFill>
-                              <a:srgbClr val="000000"/>
-                            </a:solidFill>
-                            <a:effectLst/>
-                            <a:latin typeface="Cambria Math" panose="02040503050406030204" pitchFamily="18" charset="0"/>
-                            <a:ea typeface="문화재돌봄체 Regular" panose="020B0000000000000000" pitchFamily="50" charset="-127"/>
-                          </a:rPr>
-                        </m:ctrlPr>
-                      </m:sSubPr>
-                      <m:e>
-                        <m:r>
-                          <a:rPr lang="en-US" altLang="ko-KR" sz="1050" b="0" i="1" smtClean="0">
-                            <a:solidFill>
-                              <a:srgbClr val="000000"/>
-                            </a:solidFill>
-                            <a:effectLst/>
-                            <a:latin typeface="Cambria Math" panose="02040503050406030204" pitchFamily="18" charset="0"/>
-                            <a:ea typeface="문화재돌봄체 Regular" panose="020B0000000000000000" pitchFamily="50" charset="-127"/>
-                          </a:rPr>
-                          <m:t>𝐻</m:t>
-                        </m:r>
-                      </m:e>
-                      <m:sub>
-                        <m:r>
-                          <a:rPr lang="en-US" altLang="ko-KR" sz="1050" b="0" i="1" smtClean="0">
-                            <a:solidFill>
-                              <a:srgbClr val="000000"/>
-                            </a:solidFill>
-                            <a:effectLst/>
-                            <a:latin typeface="Cambria Math" panose="02040503050406030204" pitchFamily="18" charset="0"/>
-                            <a:ea typeface="문화재돌봄체 Regular" panose="020B0000000000000000" pitchFamily="50" charset="-127"/>
-                          </a:rPr>
-                          <m:t>𝑖𝑛𝑝</m:t>
-                        </m:r>
-                      </m:sub>
-                    </m:sSub>
-                  </m:oMath>
-                </a14:m>
-                <a:r>
-                  <a:rPr lang="ko-KR" altLang="en-US" sz="1050" b="0" i="0" dirty="0">
-                    <a:solidFill>
-                      <a:srgbClr val="000000"/>
-                    </a:solidFill>
-                    <a:effectLst/>
-                    <a:latin typeface="리디바탕" panose="020B0600000101010101" pitchFamily="34" charset="-127"/>
-                    <a:ea typeface="리디바탕" panose="020B0600000101010101" pitchFamily="34" charset="-127"/>
-                  </a:rPr>
-                  <a:t>일 경우</a:t>
-                </a:r>
-                <a:r>
-                  <a:rPr lang="en-US" altLang="ko-KR" sz="1050" dirty="0">
-                    <a:solidFill>
-                      <a:srgbClr val="000000"/>
-                    </a:solidFill>
-                    <a:effectLst/>
-                    <a:latin typeface="리디바탕" panose="020B0600000101010101" pitchFamily="34" charset="-127"/>
-                    <a:ea typeface="리디바탕" panose="020B0600000101010101" pitchFamily="34" charset="-127"/>
-                  </a:rPr>
-                  <a:t>,</a:t>
-                </a:r>
-                <a:r>
-                  <a:rPr lang="ko-KR" altLang="en-US" sz="1050" b="0" i="0" dirty="0">
-                    <a:solidFill>
-                      <a:srgbClr val="000000"/>
-                    </a:solidFill>
-                    <a:effectLst/>
-                    <a:latin typeface="리디바탕" panose="020B0600000101010101" pitchFamily="34" charset="-127"/>
-                    <a:ea typeface="리디바탕" panose="020B0600000101010101" pitchFamily="34" charset="-127"/>
-                  </a:rPr>
-                  <a:t> </a:t>
-                </a:r>
-                <a14:m>
-                  <m:oMath xmlns:m="http://schemas.openxmlformats.org/officeDocument/2006/math">
-                    <m:sSub>
-                      <m:sSubPr>
-                        <m:ctrlPr>
-                          <a:rPr lang="en-US" altLang="ko-KR" sz="1050" i="1">
-                            <a:solidFill>
-                              <a:srgbClr val="000000"/>
-                            </a:solidFill>
-                            <a:effectLst/>
-                            <a:latin typeface="Cambria Math" panose="02040503050406030204" pitchFamily="18" charset="0"/>
-                            <a:ea typeface="문화재돌봄체 Regular" panose="020B0000000000000000" pitchFamily="50" charset="-127"/>
-                          </a:rPr>
-                        </m:ctrlPr>
-                      </m:sSubPr>
-                      <m:e>
-                        <m:r>
-                          <a:rPr lang="en-US" altLang="ko-KR" sz="1050" i="1">
-                            <a:solidFill>
-                              <a:srgbClr val="000000"/>
-                            </a:solidFill>
-                            <a:effectLst/>
-                            <a:latin typeface="Cambria Math" panose="02040503050406030204" pitchFamily="18" charset="0"/>
-                            <a:ea typeface="문화재돌봄체 Regular" panose="020B0000000000000000" pitchFamily="50" charset="-127"/>
-                          </a:rPr>
-                          <m:t>𝐻</m:t>
-                        </m:r>
-                      </m:e>
-                      <m:sub>
-                        <m:r>
-                          <a:rPr lang="en-US" altLang="ko-KR" sz="1050" i="1">
-                            <a:solidFill>
-                              <a:srgbClr val="000000"/>
-                            </a:solidFill>
-                            <a:effectLst/>
-                            <a:latin typeface="Cambria Math" panose="02040503050406030204" pitchFamily="18" charset="0"/>
-                            <a:ea typeface="문화재돌봄체 Regular" panose="020B0000000000000000" pitchFamily="50" charset="-127"/>
-                          </a:rPr>
-                          <m:t>𝑖𝑛𝑝</m:t>
-                        </m:r>
-                      </m:sub>
-                    </m:sSub>
-                  </m:oMath>
-                </a14:m>
-                <a:r>
-                  <a:rPr lang="ko-KR" altLang="en-US" sz="1050" b="0" i="0" dirty="0">
-                    <a:solidFill>
-                      <a:srgbClr val="000000"/>
-                    </a:solidFill>
-                    <a:effectLst/>
-                    <a:latin typeface="리디바탕" panose="020B0600000101010101" pitchFamily="34" charset="-127"/>
-                    <a:ea typeface="리디바탕" panose="020B0600000101010101" pitchFamily="34" charset="-127"/>
-                  </a:rPr>
-                  <a:t>의</a:t>
-                </a:r>
-                <a:r>
-                  <a:rPr lang="en-US" altLang="ko-KR" sz="1050" dirty="0">
-                    <a:solidFill>
-                      <a:srgbClr val="000000"/>
-                    </a:solidFill>
-                    <a:effectLst/>
-                    <a:latin typeface="리디바탕" panose="020B0600000101010101" pitchFamily="34" charset="-127"/>
-                    <a:ea typeface="리디바탕" panose="020B0600000101010101" pitchFamily="34" charset="-127"/>
-                  </a:rPr>
-                  <a:t> </a:t>
-                </a:r>
-                <a14:m>
-                  <m:oMath xmlns:m="http://schemas.openxmlformats.org/officeDocument/2006/math">
-                    <m:r>
-                      <a:rPr lang="en-US" altLang="ko-KR" sz="1050" i="1" dirty="0" smtClean="0">
-                        <a:solidFill>
-                          <a:srgbClr val="000000"/>
-                        </a:solidFill>
-                        <a:effectLst/>
-                        <a:latin typeface="Cambria Math" panose="02040503050406030204" pitchFamily="18" charset="0"/>
-                        <a:ea typeface="문화재돌봄체 Regular" panose="020B0000000000000000" pitchFamily="50" charset="-127"/>
-                      </a:rPr>
-                      <m:t>𝑟</m:t>
-                    </m:r>
-                    <m:r>
-                      <a:rPr lang="ko-KR" altLang="en-US" sz="1050" b="0" i="1" dirty="0" smtClean="0">
-                        <a:solidFill>
-                          <a:srgbClr val="000000"/>
-                        </a:solidFill>
-                        <a:effectLst/>
-                        <a:latin typeface="Cambria Math" panose="02040503050406030204" pitchFamily="18" charset="0"/>
-                        <a:ea typeface="문화재돌봄체 Regular" panose="020B0000000000000000" pitchFamily="50" charset="-127"/>
-                      </a:rPr>
-                      <m:t> </m:t>
-                    </m:r>
-                  </m:oMath>
-                </a14:m>
-                <a:r>
-                  <a:rPr lang="ko-KR" altLang="en-US" sz="1050" b="0" i="0" dirty="0">
-                    <a:solidFill>
-                      <a:srgbClr val="000000"/>
-                    </a:solidFill>
-                    <a:effectLst/>
-                    <a:latin typeface="리디바탕" panose="020B0600000101010101" pitchFamily="34" charset="-127"/>
-                    <a:ea typeface="리디바탕" panose="020B0600000101010101" pitchFamily="34" charset="-127"/>
-                  </a:rPr>
-                  <a:t>크기를 조정하는 것이다</a:t>
-                </a:r>
-                <a:r>
-                  <a:rPr lang="en-US" altLang="ko-KR" sz="1050" b="0" i="0" dirty="0">
-                    <a:solidFill>
-                      <a:srgbClr val="000000"/>
-                    </a:solidFill>
-                    <a:effectLst/>
-                    <a:latin typeface="리디바탕" panose="020B0600000101010101" pitchFamily="34" charset="-127"/>
-                    <a:ea typeface="리디바탕" panose="020B0600000101010101" pitchFamily="34" charset="-127"/>
-                  </a:rPr>
-                  <a:t>.</a:t>
-                </a:r>
-                <a:endParaRPr lang="ko-KR" altLang="en-US" sz="1050" dirty="0"/>
-              </a:p>
-            </p:txBody>
-          </p:sp>
-        </mc:Choice>
-        <mc:Fallback>
-          <p:sp>
-            <p:nvSpPr>
-              <p:cNvPr id="29" name="TextBox 28">
-                <a:extLst>
-                  <a:ext uri="{FF2B5EF4-FFF2-40B4-BE49-F238E27FC236}">
-                    <a16:creationId xmlns:a16="http://schemas.microsoft.com/office/drawing/2014/main" id="{1EE8C215-591F-4F42-BEDE-2383CFDF3F67}"/>
-                  </a:ext>
-                </a:extLst>
-              </p:cNvPr>
-              <p:cNvSpPr txBox="1">
-                <a:spLocks noRot="1" noChangeAspect="1" noMove="1" noResize="1" noEditPoints="1" noAdjustHandles="1" noChangeArrowheads="1" noChangeShapeType="1" noTextEdit="1"/>
-              </p:cNvSpPr>
-              <p:nvPr/>
-            </p:nvSpPr>
-            <p:spPr>
-              <a:xfrm>
-                <a:off x="146304" y="2933095"/>
-                <a:ext cx="7461175" cy="596958"/>
-              </a:xfrm>
-              <a:prstGeom prst="rect">
-                <a:avLst/>
-              </a:prstGeom>
-              <a:blipFill>
-                <a:blip r:embed="rId3"/>
-                <a:stretch>
-                  <a:fillRect b="-1020"/>
-                </a:stretch>
-              </a:blipFill>
-            </p:spPr>
-            <p:txBody>
-              <a:bodyPr/>
-              <a:lstStyle/>
-              <a:p>
-                <a:r>
-                  <a:rPr lang="ko-KR" altLang="en-US">
-                    <a:noFill/>
-                  </a:rPr>
-                  <a:t> </a:t>
-                </a:r>
-              </a:p>
-            </p:txBody>
-          </p:sp>
-        </mc:Fallback>
-      </mc:AlternateContent>
-      <p:sp>
-        <p:nvSpPr>
-          <p:cNvPr id="30" name="TextBox 29">
-            <a:extLst>
-              <a:ext uri="{FF2B5EF4-FFF2-40B4-BE49-F238E27FC236}">
-                <a16:creationId xmlns:a16="http://schemas.microsoft.com/office/drawing/2014/main" id="{F126C87C-02EE-4457-B24E-FC47ED88E559}"/>
-              </a:ext>
-            </a:extLst>
-          </p:cNvPr>
-          <p:cNvSpPr txBox="1"/>
-          <p:nvPr/>
-        </p:nvSpPr>
-        <p:spPr>
-          <a:xfrm>
-            <a:off x="146304" y="3679100"/>
-            <a:ext cx="9369172" cy="802143"/>
-          </a:xfrm>
-          <a:prstGeom prst="rect">
-            <a:avLst/>
-          </a:prstGeom>
-          <a:noFill/>
-        </p:spPr>
-        <p:txBody>
-          <a:bodyPr wrap="square">
-            <a:spAutoFit/>
-          </a:bodyPr>
-          <a:lstStyle/>
-          <a:p>
-            <a:pPr>
-              <a:lnSpc>
-                <a:spcPct val="150000"/>
-              </a:lnSpc>
-            </a:pPr>
-            <a:r>
-              <a:rPr lang="ko-KR" altLang="en-US" sz="1100" b="1" dirty="0">
-                <a:solidFill>
-                  <a:srgbClr val="052E6B"/>
-                </a:solidFill>
-                <a:effectLst/>
-                <a:latin typeface="리디바탕" panose="020B0600000101010101" pitchFamily="34" charset="-127"/>
-                <a:ea typeface="리디바탕" panose="020B0600000101010101" pitchFamily="34" charset="-127"/>
-              </a:rPr>
-              <a:t>② </a:t>
-            </a:r>
-            <a:r>
-              <a:rPr lang="ko-KR" altLang="en-US" sz="1100" b="1" i="0" dirty="0">
-                <a:solidFill>
-                  <a:srgbClr val="052E6B"/>
-                </a:solidFill>
-                <a:effectLst/>
-                <a:latin typeface="리디바탕" panose="020B0600000101010101" pitchFamily="34" charset="-127"/>
-                <a:ea typeface="리디바탕" panose="020B0600000101010101" pitchFamily="34" charset="-127"/>
-              </a:rPr>
-              <a:t>역 이산 코사인 변환 </a:t>
-            </a:r>
-            <a:r>
-              <a:rPr lang="en-US" altLang="ko-KR" sz="1100" b="1" i="0" dirty="0">
-                <a:solidFill>
-                  <a:srgbClr val="052E6B"/>
-                </a:solidFill>
-                <a:effectLst/>
-                <a:latin typeface="리디바탕" panose="020B0600000101010101" pitchFamily="34" charset="-127"/>
-                <a:ea typeface="리디바탕" panose="020B0600000101010101" pitchFamily="34" charset="-127"/>
-              </a:rPr>
-              <a:t>(IDCT, Inverse Discrete Cosine Transform)</a:t>
-            </a:r>
-            <a:br>
-              <a:rPr lang="ko-KR" altLang="en-US" sz="1050" dirty="0">
-                <a:effectLst/>
-                <a:latin typeface="리디바탕" panose="020B0600000101010101" pitchFamily="34" charset="-127"/>
-                <a:ea typeface="리디바탕" panose="020B0600000101010101" pitchFamily="34" charset="-127"/>
-              </a:rPr>
-            </a:br>
-            <a:r>
-              <a:rPr lang="ko-KR" altLang="en-US" sz="1050" b="0" i="0" dirty="0">
-                <a:solidFill>
-                  <a:srgbClr val="000000"/>
-                </a:solidFill>
-                <a:effectLst/>
-                <a:latin typeface="리디바탕" panose="020B0600000101010101" pitchFamily="34" charset="-127"/>
-                <a:ea typeface="리디바탕" panose="020B0600000101010101" pitchFamily="34" charset="-127"/>
-              </a:rPr>
-              <a:t>에너지 압축 특성에 대한 이미지 압축에서 </a:t>
-            </a:r>
-            <a:r>
-              <a:rPr lang="en-US" altLang="ko-KR" sz="1050" b="0" i="0" dirty="0">
-                <a:solidFill>
-                  <a:srgbClr val="000000"/>
-                </a:solidFill>
-                <a:effectLst/>
-                <a:latin typeface="리디바탕" panose="020B0600000101010101" pitchFamily="34" charset="-127"/>
-                <a:ea typeface="리디바탕" panose="020B0600000101010101" pitchFamily="34" charset="-127"/>
-              </a:rPr>
-              <a:t>DCT</a:t>
-            </a:r>
-            <a:r>
-              <a:rPr lang="ko-KR" altLang="en-US" sz="1050" b="0" i="0" dirty="0">
-                <a:solidFill>
-                  <a:srgbClr val="000000"/>
-                </a:solidFill>
-                <a:effectLst/>
-                <a:latin typeface="리디바탕" panose="020B0600000101010101" pitchFamily="34" charset="-127"/>
-                <a:ea typeface="리디바탕" panose="020B0600000101010101" pitchFamily="34" charset="-127"/>
-              </a:rPr>
-              <a:t>의 적용에 영감을 받아</a:t>
-            </a:r>
-            <a:r>
-              <a:rPr lang="en-US" altLang="ko-KR" sz="1050" b="0" i="0" dirty="0">
-                <a:solidFill>
-                  <a:srgbClr val="000000"/>
-                </a:solidFill>
-                <a:effectLst/>
-                <a:latin typeface="리디바탕" panose="020B0600000101010101" pitchFamily="34" charset="-127"/>
-                <a:ea typeface="리디바탕" panose="020B0600000101010101" pitchFamily="34" charset="-127"/>
-              </a:rPr>
-              <a:t>, r </a:t>
-            </a:r>
-            <a:r>
-              <a:rPr lang="ko-KR" altLang="en-US" sz="1050" b="0" i="0" dirty="0">
-                <a:solidFill>
-                  <a:srgbClr val="000000"/>
-                </a:solidFill>
-                <a:effectLst/>
-                <a:latin typeface="리디바탕" panose="020B0600000101010101" pitchFamily="34" charset="-127"/>
-                <a:ea typeface="리디바탕" panose="020B0600000101010101" pitchFamily="34" charset="-127"/>
-              </a:rPr>
-              <a:t>예측 값을 높은 주파수가 잘리는 </a:t>
-            </a:r>
-            <a:r>
-              <a:rPr lang="en-US" altLang="ko-KR" sz="1050" b="0" i="0" dirty="0">
-                <a:solidFill>
-                  <a:srgbClr val="000000"/>
-                </a:solidFill>
-                <a:effectLst/>
-                <a:latin typeface="리디바탕" panose="020B0600000101010101" pitchFamily="34" charset="-127"/>
-                <a:ea typeface="리디바탕" panose="020B0600000101010101" pitchFamily="34" charset="-127"/>
-              </a:rPr>
-              <a:t>DCT </a:t>
-            </a:r>
-            <a:r>
-              <a:rPr lang="ko-KR" altLang="en-US" sz="1050" b="0" i="0" dirty="0">
-                <a:solidFill>
-                  <a:srgbClr val="000000"/>
-                </a:solidFill>
-                <a:effectLst/>
-                <a:latin typeface="리디바탕" panose="020B0600000101010101" pitchFamily="34" charset="-127"/>
-                <a:ea typeface="리디바탕" panose="020B0600000101010101" pitchFamily="34" charset="-127"/>
-              </a:rPr>
-              <a:t>주파수 영역에 있는 것처럼 본다</a:t>
-            </a:r>
-            <a:r>
-              <a:rPr lang="en-US" altLang="ko-KR" sz="1050" b="0" i="0" dirty="0">
-                <a:solidFill>
-                  <a:srgbClr val="000000"/>
-                </a:solidFill>
-                <a:effectLst/>
-                <a:latin typeface="리디바탕" panose="020B0600000101010101" pitchFamily="34" charset="-127"/>
-                <a:ea typeface="리디바탕" panose="020B0600000101010101" pitchFamily="34" charset="-127"/>
-              </a:rPr>
-              <a:t>.</a:t>
-            </a:r>
-          </a:p>
-          <a:p>
-            <a:pPr>
-              <a:lnSpc>
-                <a:spcPct val="150000"/>
-              </a:lnSpc>
-            </a:pPr>
-            <a:r>
-              <a:rPr lang="ko-KR" altLang="en-US" sz="1050" dirty="0">
-                <a:solidFill>
-                  <a:srgbClr val="000000"/>
-                </a:solidFill>
-                <a:effectLst/>
-                <a:latin typeface="리디바탕" panose="020B0600000101010101" pitchFamily="34" charset="-127"/>
-                <a:ea typeface="리디바탕" panose="020B0600000101010101" pitchFamily="34" charset="-127"/>
-              </a:rPr>
-              <a:t>이 경우 </a:t>
-            </a:r>
-            <a:r>
-              <a:rPr lang="en-US" altLang="ko-KR" sz="1050" dirty="0">
-                <a:solidFill>
-                  <a:srgbClr val="000000"/>
-                </a:solidFill>
-                <a:effectLst/>
-                <a:latin typeface="리디바탕" panose="020B0600000101010101" pitchFamily="34" charset="-127"/>
-                <a:ea typeface="리디바탕" panose="020B0600000101010101" pitchFamily="34" charset="-127"/>
-              </a:rPr>
-              <a:t>IDCT</a:t>
-            </a:r>
-            <a:r>
-              <a:rPr lang="ko-KR" altLang="en-US" sz="1050" dirty="0">
-                <a:solidFill>
-                  <a:srgbClr val="000000"/>
-                </a:solidFill>
-                <a:effectLst/>
-                <a:latin typeface="리디바탕" panose="020B0600000101010101" pitchFamily="34" charset="-127"/>
-                <a:ea typeface="리디바탕" panose="020B0600000101010101" pitchFamily="34" charset="-127"/>
-              </a:rPr>
-              <a:t>를 적용하여 </a:t>
-            </a:r>
-            <a:r>
-              <a:rPr lang="en-US" altLang="ko-KR" sz="1050" dirty="0">
-                <a:solidFill>
-                  <a:srgbClr val="000000"/>
-                </a:solidFill>
-                <a:effectLst/>
-                <a:latin typeface="리디바탕" panose="020B0600000101010101" pitchFamily="34" charset="-127"/>
-                <a:ea typeface="리디바탕" panose="020B0600000101010101" pitchFamily="34" charset="-127"/>
-              </a:rPr>
-              <a:t>low-pass</a:t>
-            </a:r>
-            <a:r>
-              <a:rPr lang="ko-KR" altLang="en-US" sz="1050" dirty="0">
-                <a:solidFill>
-                  <a:srgbClr val="000000"/>
-                </a:solidFill>
-                <a:effectLst/>
-                <a:latin typeface="리디바탕" panose="020B0600000101010101" pitchFamily="34" charset="-127"/>
-                <a:ea typeface="리디바탕" panose="020B0600000101010101" pitchFamily="34" charset="-127"/>
-              </a:rPr>
-              <a:t> 신호를 원래 신호로 복구할 수 있다</a:t>
-            </a:r>
-            <a:r>
-              <a:rPr lang="en-US" altLang="ko-KR" sz="1050" dirty="0">
-                <a:solidFill>
-                  <a:srgbClr val="000000"/>
-                </a:solidFill>
-                <a:effectLst/>
-                <a:latin typeface="리디바탕" panose="020B0600000101010101" pitchFamily="34" charset="-127"/>
-                <a:ea typeface="리디바탕" panose="020B0600000101010101" pitchFamily="34" charset="-127"/>
-              </a:rPr>
-              <a:t>.</a:t>
-            </a:r>
-            <a:endParaRPr lang="ko-KR" altLang="en-US" sz="1050" dirty="0"/>
-          </a:p>
-        </p:txBody>
-      </p:sp>
-      <p:sp>
-        <p:nvSpPr>
-          <p:cNvPr id="7" name="사각형: 둥근 모서리 6">
-            <a:extLst>
-              <a:ext uri="{FF2B5EF4-FFF2-40B4-BE49-F238E27FC236}">
-                <a16:creationId xmlns:a16="http://schemas.microsoft.com/office/drawing/2014/main" id="{741702F0-D0DC-499A-9F2D-336F06F528B8}"/>
-              </a:ext>
-            </a:extLst>
-          </p:cNvPr>
-          <p:cNvSpPr/>
-          <p:nvPr/>
-        </p:nvSpPr>
-        <p:spPr>
-          <a:xfrm>
-            <a:off x="11182351" y="1206152"/>
-            <a:ext cx="390524" cy="1107818"/>
-          </a:xfrm>
-          <a:prstGeom prst="roundRect">
-            <a:avLst/>
-          </a:prstGeom>
-          <a:noFill/>
-          <a:ln w="28575">
-            <a:solidFill>
-              <a:srgbClr val="052E6B"/>
-            </a:solidFill>
-            <a:prstDash val="sysDash"/>
-          </a:ln>
-        </p:spPr>
-        <p:style>
-          <a:lnRef idx="2">
-            <a:schemeClr val="accent1">
-              <a:shade val="50000"/>
-            </a:schemeClr>
-          </a:lnRef>
-          <a:fillRef idx="1">
-            <a:schemeClr val="accent1"/>
-          </a:fillRef>
-          <a:effectRef idx="0">
-            <a:schemeClr val="accent1"/>
-          </a:effectRef>
-          <a:fontRef idx="minor">
-            <a:schemeClr val="lt1"/>
-          </a:fontRef>
-        </p:style>
-        <p:txBody>
-          <a:bodyPr rtlCol="0" anchor="ctr"/>
-          <a:lstStyle/>
-          <a:p>
-            <a:pPr algn="ctr"/>
-            <a:endParaRPr lang="ko-KR" altLang="en-US"/>
-          </a:p>
-        </p:txBody>
-      </p:sp>
-      <p:sp>
-        <p:nvSpPr>
-          <p:cNvPr id="31" name="사각형: 둥근 모서리 30">
-            <a:extLst>
-              <a:ext uri="{FF2B5EF4-FFF2-40B4-BE49-F238E27FC236}">
-                <a16:creationId xmlns:a16="http://schemas.microsoft.com/office/drawing/2014/main" id="{17846399-8561-473E-A0DB-553F7D706375}"/>
-              </a:ext>
-            </a:extLst>
-          </p:cNvPr>
-          <p:cNvSpPr/>
-          <p:nvPr/>
-        </p:nvSpPr>
-        <p:spPr>
-          <a:xfrm>
-            <a:off x="11644314" y="1206152"/>
-            <a:ext cx="390524" cy="1107818"/>
-          </a:xfrm>
-          <a:prstGeom prst="roundRect">
-            <a:avLst/>
-          </a:prstGeom>
-          <a:noFill/>
-          <a:ln w="28575">
-            <a:solidFill>
-              <a:srgbClr val="052E6B"/>
-            </a:solidFill>
-            <a:prstDash val="sysDash"/>
-          </a:ln>
-        </p:spPr>
-        <p:style>
-          <a:lnRef idx="2">
-            <a:schemeClr val="accent1">
-              <a:shade val="50000"/>
-            </a:schemeClr>
-          </a:lnRef>
-          <a:fillRef idx="1">
-            <a:schemeClr val="accent1"/>
-          </a:fillRef>
-          <a:effectRef idx="0">
-            <a:schemeClr val="accent1"/>
-          </a:effectRef>
-          <a:fontRef idx="minor">
-            <a:schemeClr val="lt1"/>
-          </a:fontRef>
-        </p:style>
-        <p:txBody>
-          <a:bodyPr rtlCol="0" anchor="ctr"/>
-          <a:lstStyle/>
-          <a:p>
-            <a:pPr algn="ctr"/>
-            <a:endParaRPr lang="ko-KR" altLang="en-US"/>
-          </a:p>
-        </p:txBody>
-      </p:sp>
-      <p:cxnSp>
-        <p:nvCxnSpPr>
-          <p:cNvPr id="32" name="연결선: 꺾임 31">
-            <a:extLst>
-              <a:ext uri="{FF2B5EF4-FFF2-40B4-BE49-F238E27FC236}">
-                <a16:creationId xmlns:a16="http://schemas.microsoft.com/office/drawing/2014/main" id="{2099B8BD-8127-4784-A6F1-602835D29EE7}"/>
-              </a:ext>
-            </a:extLst>
-          </p:cNvPr>
-          <p:cNvCxnSpPr>
-            <a:cxnSpLocks/>
-            <a:endCxn id="7" idx="2"/>
-          </p:cNvCxnSpPr>
-          <p:nvPr/>
-        </p:nvCxnSpPr>
-        <p:spPr>
-          <a:xfrm flipV="1">
-            <a:off x="7429501" y="2313970"/>
-            <a:ext cx="3948112" cy="1001313"/>
-          </a:xfrm>
-          <a:prstGeom prst="bentConnector2">
-            <a:avLst/>
-          </a:prstGeom>
-          <a:ln w="19050">
-            <a:solidFill>
-              <a:srgbClr val="052E6B"/>
-            </a:solidFill>
-            <a:tailEnd type="triangle"/>
-          </a:ln>
-        </p:spPr>
-        <p:style>
-          <a:lnRef idx="1">
-            <a:schemeClr val="accent1"/>
-          </a:lnRef>
-          <a:fillRef idx="0">
-            <a:schemeClr val="accent1"/>
-          </a:fillRef>
-          <a:effectRef idx="0">
-            <a:schemeClr val="accent1"/>
-          </a:effectRef>
-          <a:fontRef idx="minor">
-            <a:schemeClr val="tx1"/>
-          </a:fontRef>
-        </p:style>
-      </p:cxnSp>
-      <p:cxnSp>
-        <p:nvCxnSpPr>
-          <p:cNvPr id="33" name="연결선: 꺾임 32">
-            <a:extLst>
-              <a:ext uri="{FF2B5EF4-FFF2-40B4-BE49-F238E27FC236}">
-                <a16:creationId xmlns:a16="http://schemas.microsoft.com/office/drawing/2014/main" id="{63F809D1-03A8-4FF5-86F5-ABB7BB824FDB}"/>
-              </a:ext>
-            </a:extLst>
-          </p:cNvPr>
-          <p:cNvCxnSpPr>
-            <a:cxnSpLocks/>
-            <a:endCxn id="31" idx="2"/>
-          </p:cNvCxnSpPr>
-          <p:nvPr/>
-        </p:nvCxnSpPr>
-        <p:spPr>
-          <a:xfrm flipV="1">
-            <a:off x="8221224" y="2313970"/>
+            <a:off x="8221224" y="2405410"/>
             <a:ext cx="3618352" cy="1766201"/>
           </a:xfrm>
           <a:prstGeom prst="bentConnector2">
@@ -14125,7 +13609,7 @@
         </p:nvSpPr>
         <p:spPr>
           <a:xfrm>
-            <a:off x="5871859" y="2625057"/>
+            <a:off x="5871859" y="2716497"/>
             <a:ext cx="5701016" cy="307777"/>
           </a:xfrm>
           <a:prstGeom prst="rect">
@@ -14196,7 +13680,7 @@
         </p:nvSpPr>
         <p:spPr>
           <a:xfrm>
-            <a:off x="8012292" y="3781554"/>
+            <a:off x="8012292" y="3872994"/>
             <a:ext cx="3858243" cy="276999"/>
           </a:xfrm>
           <a:prstGeom prst="rect">
@@ -14295,7 +13779,7 @@
         </p:nvSpPr>
         <p:spPr>
           <a:xfrm>
-            <a:off x="6612601" y="2961409"/>
+            <a:off x="6612601" y="3052849"/>
             <a:ext cx="4936463" cy="276999"/>
           </a:xfrm>
           <a:prstGeom prst="rect">
@@ -14689,7 +14173,7 @@
         </p:nvSpPr>
         <p:spPr>
           <a:xfrm>
-            <a:off x="167605" y="1009068"/>
+            <a:off x="238878" y="1084454"/>
             <a:ext cx="6995195" cy="1168012"/>
           </a:xfrm>
           <a:prstGeom prst="rect">
@@ -15184,7 +14668,7 @@
                 <a:latin typeface="리디바탕" panose="020B0600000101010101" pitchFamily="34" charset="-127"/>
                 <a:ea typeface="리디바탕" panose="020B0600000101010101" pitchFamily="34" charset="-127"/>
               </a:rPr>
-              <a:t>정리</a:t>
+              <a:t>비교 정리</a:t>
             </a:r>
           </a:p>
         </p:txBody>
@@ -32193,6 +31677,159 @@
           </a:p>
         </p:txBody>
       </p:sp>
+      <p:sp>
+        <p:nvSpPr>
+          <p:cNvPr id="2" name="타원 1">
+            <a:extLst>
+              <a:ext uri="{FF2B5EF4-FFF2-40B4-BE49-F238E27FC236}">
+                <a16:creationId xmlns:a16="http://schemas.microsoft.com/office/drawing/2014/main" id="{D20C708B-36FD-4A9D-ACB2-B30D31EDF1F8}"/>
+              </a:ext>
+            </a:extLst>
+          </p:cNvPr>
+          <p:cNvSpPr/>
+          <p:nvPr/>
+        </p:nvSpPr>
+        <p:spPr>
+          <a:xfrm>
+            <a:off x="484632" y="4300420"/>
+            <a:ext cx="452098" cy="453600"/>
+          </a:xfrm>
+          <a:prstGeom prst="ellipse">
+            <a:avLst/>
+          </a:prstGeom>
+          <a:solidFill>
+            <a:srgbClr val="595959"/>
+          </a:solidFill>
+        </p:spPr>
+        <p:style>
+          <a:lnRef idx="2">
+            <a:schemeClr val="accent1">
+              <a:shade val="50000"/>
+            </a:schemeClr>
+          </a:lnRef>
+          <a:fillRef idx="1">
+            <a:schemeClr val="accent1"/>
+          </a:fillRef>
+          <a:effectRef idx="0">
+            <a:schemeClr val="accent1"/>
+          </a:effectRef>
+          <a:fontRef idx="minor">
+            <a:schemeClr val="lt1"/>
+          </a:fontRef>
+        </p:style>
+        <p:txBody>
+          <a:bodyPr rtlCol="0" anchor="ctr"/>
+          <a:lstStyle/>
+          <a:p>
+            <a:pPr algn="ctr"/>
+            <a:r>
+              <a:rPr lang="en-US" altLang="ko-KR" sz="2800" b="1" dirty="0">
+                <a:latin typeface="Berlin Sans FB Demi" panose="020E0802020502020306" pitchFamily="34" charset="0"/>
+              </a:rPr>
+              <a:t>?</a:t>
+            </a:r>
+            <a:endParaRPr lang="ko-KR" altLang="en-US" sz="2800" b="1" dirty="0">
+              <a:latin typeface="Berlin Sans FB Demi" panose="020E0802020502020306" pitchFamily="34" charset="0"/>
+            </a:endParaRPr>
+          </a:p>
+        </p:txBody>
+      </p:sp>
+      <p:sp>
+        <p:nvSpPr>
+          <p:cNvPr id="3" name="TextBox 2">
+            <a:extLst>
+              <a:ext uri="{FF2B5EF4-FFF2-40B4-BE49-F238E27FC236}">
+                <a16:creationId xmlns:a16="http://schemas.microsoft.com/office/drawing/2014/main" id="{D71CFCDE-FDE3-49C1-BF85-C871721433EA}"/>
+              </a:ext>
+            </a:extLst>
+          </p:cNvPr>
+          <p:cNvSpPr txBox="1"/>
+          <p:nvPr/>
+        </p:nvSpPr>
+        <p:spPr>
+          <a:xfrm>
+            <a:off x="889022" y="4754020"/>
+            <a:ext cx="8551920" cy="276999"/>
+          </a:xfrm>
+          <a:prstGeom prst="rect">
+            <a:avLst/>
+          </a:prstGeom>
+          <a:noFill/>
+        </p:spPr>
+        <p:txBody>
+          <a:bodyPr wrap="square" rtlCol="0">
+            <a:spAutoFit/>
+          </a:bodyPr>
+          <a:lstStyle/>
+          <a:p>
+            <a:r>
+              <a:rPr lang="ko-KR" altLang="en-US" sz="1200" dirty="0" err="1">
+                <a:latin typeface="리디바탕" panose="020B0600000101010101" pitchFamily="34" charset="-127"/>
+                <a:ea typeface="리디바탕" panose="020B0600000101010101" pitchFamily="34" charset="-127"/>
+              </a:rPr>
+              <a:t>열당</a:t>
+            </a:r>
+            <a:r>
+              <a:rPr lang="ko-KR" altLang="en-US" sz="1200" dirty="0">
+                <a:latin typeface="리디바탕" panose="020B0600000101010101" pitchFamily="34" charset="-127"/>
+                <a:ea typeface="리디바탕" panose="020B0600000101010101" pitchFamily="34" charset="-127"/>
+              </a:rPr>
+              <a:t> 예측과 픽셀당 예측의 차이</a:t>
+            </a:r>
+            <a:r>
+              <a:rPr lang="en-US" altLang="ko-KR" sz="1200" dirty="0">
+                <a:latin typeface="리디바탕" panose="020B0600000101010101" pitchFamily="34" charset="-127"/>
+                <a:ea typeface="리디바탕" panose="020B0600000101010101" pitchFamily="34" charset="-127"/>
+              </a:rPr>
+              <a:t>?</a:t>
+            </a:r>
+            <a:endParaRPr lang="ko-KR" altLang="en-US" sz="1200" dirty="0">
+              <a:latin typeface="리디바탕" panose="020B0600000101010101" pitchFamily="34" charset="-127"/>
+              <a:ea typeface="리디바탕" panose="020B0600000101010101" pitchFamily="34" charset="-127"/>
+            </a:endParaRPr>
+          </a:p>
+        </p:txBody>
+      </p:sp>
+      <p:sp>
+        <p:nvSpPr>
+          <p:cNvPr id="20" name="TextBox 19">
+            <a:extLst>
+              <a:ext uri="{FF2B5EF4-FFF2-40B4-BE49-F238E27FC236}">
+                <a16:creationId xmlns:a16="http://schemas.microsoft.com/office/drawing/2014/main" id="{BD222831-3840-45A0-B77E-2F0175161E53}"/>
+              </a:ext>
+            </a:extLst>
+          </p:cNvPr>
+          <p:cNvSpPr txBox="1"/>
+          <p:nvPr/>
+        </p:nvSpPr>
+        <p:spPr>
+          <a:xfrm>
+            <a:off x="1042763" y="4365637"/>
+            <a:ext cx="4776450" cy="323165"/>
+          </a:xfrm>
+          <a:prstGeom prst="rect">
+            <a:avLst/>
+          </a:prstGeom>
+          <a:noFill/>
+        </p:spPr>
+        <p:txBody>
+          <a:bodyPr wrap="square">
+            <a:spAutoFit/>
+          </a:bodyPr>
+          <a:lstStyle/>
+          <a:p>
+            <a:r>
+              <a:rPr lang="ko-KR" altLang="en-US" sz="1500" b="1" dirty="0"/>
+              <a:t>궁금한 점</a:t>
+            </a:r>
+            <a:r>
+              <a:rPr lang="en-US" altLang="ko-KR" sz="1500" b="1" dirty="0"/>
+              <a:t>.</a:t>
+            </a:r>
+            <a:endParaRPr lang="ko-KR" altLang="en-US" sz="1500" b="1" dirty="0"/>
+          </a:p>
+        </p:txBody>
+      </p:sp>
     </p:spTree>
     <p:extLst>
       <p:ext uri="{BB962C8B-B14F-4D97-AF65-F5344CB8AC3E}">
@@ -32693,8 +32330,8 @@
         </p:nvSpPr>
         <p:spPr>
           <a:xfrm>
-            <a:off x="4989767" y="5508327"/>
-            <a:ext cx="6707586" cy="276999"/>
+            <a:off x="4989766" y="5508327"/>
+            <a:ext cx="6994669" cy="307777"/>
           </a:xfrm>
           <a:prstGeom prst="rect">
             <a:avLst/>
@@ -32707,6 +32344,20 @@
           </a:bodyPr>
           <a:lstStyle/>
           <a:p>
+            <a:r>
+              <a:rPr lang="en-US" altLang="ko-KR" sz="1400" dirty="0">
+                <a:latin typeface="서울한강체 M" panose="02020503020101020101" pitchFamily="18" charset="-127"/>
+                <a:ea typeface="서울한강체 M" panose="02020503020101020101" pitchFamily="18" charset="-127"/>
+              </a:rPr>
+              <a:t>➞</a:t>
+            </a:r>
+            <a:r>
+              <a:rPr lang="en-US" altLang="ko-KR" sz="1200" dirty="0">
+                <a:latin typeface="서울한강체 M" panose="02020503020101020101" pitchFamily="18" charset="-127"/>
+                <a:ea typeface="서울한강체 M" panose="02020503020101020101" pitchFamily="18" charset="-127"/>
+              </a:rPr>
+              <a:t> </a:t>
+            </a:r>
             <a:r>
               <a:rPr lang="en-US" altLang="ko-KR" sz="1200" dirty="0">
                 <a:latin typeface="리디바탕" panose="020B0600000101010101" pitchFamily="34" charset="-127"/>
@@ -34464,7 +34115,7 @@
         <p:spPr>
           <a:xfrm>
             <a:off x="146304" y="3089018"/>
-            <a:ext cx="11883771" cy="2991588"/>
+            <a:ext cx="11883771" cy="3299365"/>
           </a:xfrm>
           <a:prstGeom prst="rect">
             <a:avLst/>
@@ -34496,9 +34147,9 @@
               <a:t>고해상도 파노라마는 먼저 </a:t>
             </a:r>
             <a:r>
-              <a:rPr lang="en-US" altLang="ko-KR" sz="1200" dirty="0">
-                <a:solidFill>
-                  <a:srgbClr val="000000"/>
+              <a:rPr lang="en-US" altLang="ko-KR" sz="1400" dirty="0">
+                <a:solidFill>
+                  <a:srgbClr val="052E6B"/>
                 </a:solidFill>
                 <a:latin typeface="리디바탕" panose="020B0600000101010101" pitchFamily="34" charset="-127"/>
                 <a:ea typeface="리디바탕" panose="020B0600000101010101" pitchFamily="34" charset="-127"/>
@@ -34506,9 +34157,9 @@
               <a:t>backbone</a:t>
             </a:r>
             <a:r>
-              <a:rPr lang="en-US" altLang="ko-KR" sz="1200" b="0" i="0" dirty="0">
-                <a:solidFill>
-                  <a:srgbClr val="000000"/>
+              <a:rPr lang="en-US" altLang="ko-KR" sz="1400" b="0" i="0" dirty="0">
+                <a:solidFill>
+                  <a:srgbClr val="052E6B"/>
                 </a:solidFill>
                 <a:effectLst/>
                 <a:latin typeface="리디바탕" panose="020B0600000101010101" pitchFamily="34" charset="-127"/>
@@ -34517,9 +34168,9 @@
               <a:t>(</a:t>
             </a:r>
             <a:r>
-              <a:rPr lang="ko-KR" altLang="en-US" sz="1200" b="0" i="0" dirty="0">
-                <a:solidFill>
-                  <a:srgbClr val="000000"/>
+              <a:rPr lang="ko-KR" altLang="en-US" sz="1400" b="0" i="0" dirty="0">
+                <a:solidFill>
+                  <a:srgbClr val="052E6B"/>
                 </a:solidFill>
                 <a:effectLst/>
                 <a:latin typeface="리디바탕" panose="020B0600000101010101" pitchFamily="34" charset="-127"/>
@@ -34528,9 +34179,9 @@
               <a:t>예</a:t>
             </a:r>
             <a:r>
-              <a:rPr lang="en-US" altLang="ko-KR" sz="1200" b="0" i="0" dirty="0">
-                <a:solidFill>
-                  <a:srgbClr val="000000"/>
+              <a:rPr lang="en-US" altLang="ko-KR" sz="1400" b="0" i="0" dirty="0">
+                <a:solidFill>
+                  <a:srgbClr val="052E6B"/>
                 </a:solidFill>
                 <a:effectLst/>
                 <a:latin typeface="리디바탕" panose="020B0600000101010101" pitchFamily="34" charset="-127"/>
@@ -34539,9 +34190,9 @@
               <a:t>: </a:t>
             </a:r>
             <a:r>
-              <a:rPr lang="en-US" altLang="ko-KR" sz="1200" b="0" i="0" dirty="0" err="1">
-                <a:solidFill>
-                  <a:srgbClr val="000000"/>
+              <a:rPr lang="en-US" altLang="ko-KR" sz="1400" b="0" i="0" dirty="0" err="1">
+                <a:solidFill>
+                  <a:srgbClr val="052E6B"/>
                 </a:solidFill>
                 <a:effectLst/>
                 <a:latin typeface="리디바탕" panose="020B0600000101010101" pitchFamily="34" charset="-127"/>
@@ -34550,9 +34201,9 @@
               <a:t>ResNet</a:t>
             </a:r>
             <a:r>
-              <a:rPr lang="en-US" altLang="ko-KR" sz="1200" b="0" i="0" dirty="0">
-                <a:solidFill>
-                  <a:srgbClr val="000000"/>
+              <a:rPr lang="en-US" altLang="ko-KR" sz="1400" b="0" i="0" dirty="0">
+                <a:solidFill>
+                  <a:srgbClr val="052E6B"/>
                 </a:solidFill>
                 <a:effectLst/>
                 <a:latin typeface="리디바탕" panose="020B0600000101010101" pitchFamily="34" charset="-127"/>
@@ -34641,7 +34292,29 @@
               <a:t>형상 피라미드는 제안된 </a:t>
             </a:r>
             <a:r>
-              <a:rPr lang="en-US" altLang="ko-KR" sz="1200" b="0" i="0" dirty="0">
+              <a:rPr lang="en-US" altLang="ko-KR" sz="1400" b="0" i="0" dirty="0">
+                <a:solidFill>
+                  <a:srgbClr val="052E6B"/>
+                </a:solidFill>
+                <a:effectLst/>
+                <a:latin typeface="리디바탕" panose="020B0600000101010101" pitchFamily="34" charset="-127"/>
+                <a:ea typeface="리디바탕" panose="020B0600000101010101" pitchFamily="34" charset="-127"/>
+              </a:rPr>
+              <a:t>EHC(Efficient Height Compression) </a:t>
+            </a:r>
+            <a:r>
+              <a:rPr lang="ko-KR" altLang="en-US" sz="1400" b="0" i="0" dirty="0">
+                <a:solidFill>
+                  <a:srgbClr val="052E6B"/>
+                </a:solidFill>
+                <a:effectLst/>
+                <a:latin typeface="리디바탕" panose="020B0600000101010101" pitchFamily="34" charset="-127"/>
+                <a:ea typeface="리디바탕" panose="020B0600000101010101" pitchFamily="34" charset="-127"/>
+              </a:rPr>
+              <a:t>모듈</a:t>
+            </a:r>
+            <a:r>
+              <a:rPr lang="ko-KR" altLang="en-US" sz="1200" b="0" i="0" dirty="0">
                 <a:solidFill>
                   <a:srgbClr val="000000"/>
                 </a:solidFill>
@@ -34649,7 +34322,40 @@
                 <a:latin typeface="리디바탕" panose="020B0600000101010101" pitchFamily="34" charset="-127"/>
                 <a:ea typeface="리디바탕" panose="020B0600000101010101" pitchFamily="34" charset="-127"/>
               </a:rPr>
-              <a:t>EHC(Efficient Height Compression) </a:t>
+              <a:t>과 정교화를 위한 </a:t>
+            </a:r>
+            <a:r>
+              <a:rPr lang="ko-KR" altLang="en-US" sz="1400" b="0" i="0" dirty="0">
+                <a:solidFill>
+                  <a:srgbClr val="052E6B"/>
+                </a:solidFill>
+                <a:effectLst/>
+                <a:latin typeface="리디바탕" panose="020B0600000101010101" pitchFamily="34" charset="-127"/>
+                <a:ea typeface="리디바탕" panose="020B0600000101010101" pitchFamily="34" charset="-127"/>
+              </a:rPr>
+              <a:t>다중 헤드 자기 주의</a:t>
+            </a:r>
+            <a:r>
+              <a:rPr lang="en-US" altLang="ko-KR" sz="1400" b="0" i="0" dirty="0">
+                <a:solidFill>
+                  <a:srgbClr val="052E6B"/>
+                </a:solidFill>
+                <a:effectLst/>
+                <a:latin typeface="리디바탕" panose="020B0600000101010101" pitchFamily="34" charset="-127"/>
+                <a:ea typeface="리디바탕" panose="020B0600000101010101" pitchFamily="34" charset="-127"/>
+              </a:rPr>
+              <a:t>(MHSA) </a:t>
+            </a:r>
+            <a:r>
+              <a:rPr lang="ko-KR" altLang="en-US" sz="1400" b="0" i="0" dirty="0">
+                <a:solidFill>
+                  <a:srgbClr val="052E6B"/>
+                </a:solidFill>
+                <a:effectLst/>
+                <a:latin typeface="리디바탕" panose="020B0600000101010101" pitchFamily="34" charset="-127"/>
+                <a:ea typeface="리디바탕" panose="020B0600000101010101" pitchFamily="34" charset="-127"/>
+              </a:rPr>
+              <a:t>모듈</a:t>
             </a:r>
             <a:r>
               <a:rPr lang="ko-KR" altLang="en-US" sz="1200" b="0" i="0" dirty="0">
@@ -34660,29 +34366,7 @@
                 <a:latin typeface="리디바탕" panose="020B0600000101010101" pitchFamily="34" charset="-127"/>
                 <a:ea typeface="리디바탕" panose="020B0600000101010101" pitchFamily="34" charset="-127"/>
               </a:rPr>
-              <a:t>모듈과 정교화를 위한 다중 헤드 자기 주의</a:t>
-            </a:r>
-            <a:r>
-              <a:rPr lang="en-US" altLang="ko-KR" sz="1200" b="0" i="0" dirty="0">
-                <a:solidFill>
-                  <a:srgbClr val="000000"/>
-                </a:solidFill>
-                <a:effectLst/>
-                <a:latin typeface="리디바탕" panose="020B0600000101010101" pitchFamily="34" charset="-127"/>
-                <a:ea typeface="리디바탕" panose="020B0600000101010101" pitchFamily="34" charset="-127"/>
-              </a:rPr>
-              <a:t>(MHSA) </a:t>
-            </a:r>
-            <a:r>
-              <a:rPr lang="ko-KR" altLang="en-US" sz="1200" b="0" i="0" dirty="0">
-                <a:solidFill>
-                  <a:srgbClr val="000000"/>
-                </a:solidFill>
-                <a:effectLst/>
-                <a:latin typeface="리디바탕" panose="020B0600000101010101" pitchFamily="34" charset="-127"/>
-                <a:ea typeface="리디바탕" panose="020B0600000101010101" pitchFamily="34" charset="-127"/>
-              </a:rPr>
-              <a:t>모듈에 의해 압착 및 융합된다</a:t>
+              <a:t>에 의해 압착 및 융합된다</a:t>
             </a:r>
             <a:r>
               <a:rPr lang="en-US" altLang="ko-KR" sz="1200" b="0" i="0" dirty="0">
@@ -34746,15 +34430,25 @@
               <a:t>은 </a:t>
             </a:r>
             <a:r>
-              <a:rPr lang="ko-KR" altLang="en-US" sz="1200" b="0" i="0" dirty="0" err="1">
+              <a:rPr lang="en-US" altLang="ko-KR" sz="1200" dirty="0">
                 <a:solidFill>
                   <a:srgbClr val="000000"/>
                 </a:solidFill>
+                <a:latin typeface="리디바탕" panose="020B0600000101010101" pitchFamily="34" charset="-127"/>
+                <a:ea typeface="리디바탕" panose="020B0600000101010101" pitchFamily="34" charset="-127"/>
+              </a:rPr>
+              <a:t>compact</a:t>
+            </a:r>
+            <a:r>
+              <a:rPr lang="ko-KR" altLang="en-US" sz="1200" b="0" i="0" dirty="0">
+                <a:solidFill>
+                  <a:srgbClr val="000000"/>
+                </a:solidFill>
                 <a:effectLst/>
                 <a:latin typeface="리디바탕" panose="020B0600000101010101" pitchFamily="34" charset="-127"/>
                 <a:ea typeface="리디바탕" panose="020B0600000101010101" pitchFamily="34" charset="-127"/>
               </a:rPr>
-              <a:t>콤팩트하며</a:t>
+              <a:t>며</a:t>
             </a:r>
             <a:r>
               <a:rPr lang="en-US" altLang="ko-KR" sz="1200" b="0" i="0" dirty="0">
@@ -34944,6 +34638,50 @@
               <a:t>최종 예측을 산출하기 위해 </a:t>
             </a:r>
             <a:r>
+              <a:rPr lang="en-US" altLang="ko-KR" sz="1400" b="0" i="0" dirty="0">
+                <a:solidFill>
+                  <a:srgbClr val="052E6B"/>
+                </a:solidFill>
+                <a:effectLst/>
+                <a:latin typeface="리디바탕" panose="020B0600000101010101" pitchFamily="34" charset="-127"/>
+                <a:ea typeface="리디바탕" panose="020B0600000101010101" pitchFamily="34" charset="-127"/>
+              </a:rPr>
+              <a:t>1D </a:t>
+            </a:r>
+            <a:r>
+              <a:rPr lang="ko-KR" altLang="en-US" sz="1400" b="0" i="0" dirty="0" err="1">
+                <a:solidFill>
+                  <a:srgbClr val="052E6B"/>
+                </a:solidFill>
+                <a:effectLst/>
+                <a:latin typeface="리디바탕" panose="020B0600000101010101" pitchFamily="34" charset="-127"/>
+                <a:ea typeface="리디바탕" panose="020B0600000101010101" pitchFamily="34" charset="-127"/>
+              </a:rPr>
+              <a:t>컨볼루션</a:t>
+            </a:r>
+            <a:r>
+              <a:rPr lang="ko-KR" altLang="en-US" sz="1400" b="0" i="0" dirty="0">
+                <a:solidFill>
+                  <a:srgbClr val="052E6B"/>
+                </a:solidFill>
+                <a:effectLst/>
+                <a:latin typeface="리디바탕" panose="020B0600000101010101" pitchFamily="34" charset="-127"/>
+                <a:ea typeface="리디바탕" panose="020B0600000101010101" pitchFamily="34" charset="-127"/>
+              </a:rPr>
+              <a:t> 레이어를 사용</a:t>
+            </a:r>
+            <a:r>
+              <a:rPr lang="ko-KR" altLang="en-US" sz="1200" b="0" i="0" dirty="0">
+                <a:solidFill>
+                  <a:srgbClr val="000000"/>
+                </a:solidFill>
+                <a:effectLst/>
+                <a:latin typeface="리디바탕" panose="020B0600000101010101" pitchFamily="34" charset="-127"/>
+                <a:ea typeface="리디바탕" panose="020B0600000101010101" pitchFamily="34" charset="-127"/>
+              </a:rPr>
+              <a:t>한다</a:t>
+            </a:r>
+            <a:r>
               <a:rPr lang="en-US" altLang="ko-KR" sz="1200" b="0" i="0" dirty="0">
                 <a:solidFill>
                   <a:srgbClr val="000000"/>
@@ -34952,10 +34690,10 @@
                 <a:latin typeface="리디바탕" panose="020B0600000101010101" pitchFamily="34" charset="-127"/>
                 <a:ea typeface="리디바탕" panose="020B0600000101010101" pitchFamily="34" charset="-127"/>
               </a:rPr>
-              <a:t>1D </a:t>
-            </a:r>
-            <a:r>
-              <a:rPr lang="ko-KR" altLang="en-US" sz="1200" b="0" i="0" dirty="0" err="1">
+              <a:t>.</a:t>
+            </a:r>
+            <a:r>
+              <a:rPr lang="ko-KR" altLang="en-US" sz="1200" b="0" i="0" dirty="0">
                 <a:solidFill>
                   <a:srgbClr val="000000"/>
                 </a:solidFill>
@@ -34963,7 +34701,18 @@
                 <a:latin typeface="리디바탕" panose="020B0600000101010101" pitchFamily="34" charset="-127"/>
                 <a:ea typeface="리디바탕" panose="020B0600000101010101" pitchFamily="34" charset="-127"/>
               </a:rPr>
-              <a:t>컨볼루션</a:t>
+              <a:t> 우리는 </a:t>
+            </a:r>
+            <a:r>
+              <a:rPr lang="en-US" altLang="ko-KR" sz="1200" b="0" i="0" dirty="0">
+                <a:solidFill>
+                  <a:srgbClr val="000000"/>
+                </a:solidFill>
+                <a:effectLst/>
+                <a:latin typeface="리디바탕" panose="020B0600000101010101" pitchFamily="34" charset="-127"/>
+                <a:ea typeface="리디바탕" panose="020B0600000101010101" pitchFamily="34" charset="-127"/>
+              </a:rPr>
+              <a:t>DCT </a:t>
             </a:r>
             <a:r>
               <a:rPr lang="ko-KR" altLang="en-US" sz="1200" b="0" i="0" dirty="0">
@@ -34974,56 +34723,23 @@
                 <a:latin typeface="리디바탕" panose="020B0600000101010101" pitchFamily="34" charset="-127"/>
                 <a:ea typeface="리디바탕" panose="020B0600000101010101" pitchFamily="34" charset="-127"/>
               </a:rPr>
-              <a:t> 레이어를 사용한다</a:t>
+              <a:t>주파수 영역에서 예측이 우수한 결과를 가져온다는 것을 발견하여 </a:t>
+            </a:r>
+            <a:r>
+              <a:rPr lang="ko-KR" altLang="en-US" sz="1200" b="0" i="0" dirty="0">
+                <a:solidFill>
+                  <a:srgbClr val="052E6B"/>
+                </a:solidFill>
+                <a:effectLst/>
+                <a:latin typeface="리디바탕" panose="020B0600000101010101" pitchFamily="34" charset="-127"/>
+                <a:ea typeface="리디바탕" panose="020B0600000101010101" pitchFamily="34" charset="-127"/>
+              </a:rPr>
+              <a:t>각 열의 예측에 </a:t>
             </a:r>
             <a:r>
               <a:rPr lang="en-US" altLang="ko-KR" sz="1200" b="0" i="0" dirty="0">
                 <a:solidFill>
-                  <a:srgbClr val="000000"/>
-                </a:solidFill>
-                <a:effectLst/>
-                <a:latin typeface="리디바탕" panose="020B0600000101010101" pitchFamily="34" charset="-127"/>
-                <a:ea typeface="리디바탕" panose="020B0600000101010101" pitchFamily="34" charset="-127"/>
-              </a:rPr>
-              <a:t>.</a:t>
-            </a:r>
-            <a:r>
-              <a:rPr lang="ko-KR" altLang="en-US" sz="1200" b="0" i="0" dirty="0">
-                <a:solidFill>
-                  <a:srgbClr val="000000"/>
-                </a:solidFill>
-                <a:effectLst/>
-                <a:latin typeface="리디바탕" panose="020B0600000101010101" pitchFamily="34" charset="-127"/>
-                <a:ea typeface="리디바탕" panose="020B0600000101010101" pitchFamily="34" charset="-127"/>
-              </a:rPr>
-              <a:t> 우리는 </a:t>
-            </a:r>
-            <a:r>
-              <a:rPr lang="en-US" altLang="ko-KR" sz="1200" b="0" i="0" dirty="0">
-                <a:solidFill>
-                  <a:srgbClr val="000000"/>
-                </a:solidFill>
-                <a:effectLst/>
-                <a:latin typeface="리디바탕" panose="020B0600000101010101" pitchFamily="34" charset="-127"/>
-                <a:ea typeface="리디바탕" panose="020B0600000101010101" pitchFamily="34" charset="-127"/>
-              </a:rPr>
-              <a:t>DCT </a:t>
-            </a:r>
-            <a:r>
-              <a:rPr lang="ko-KR" altLang="en-US" sz="1200" b="0" i="0" dirty="0">
-                <a:solidFill>
-                  <a:srgbClr val="000000"/>
-                </a:solidFill>
-                <a:effectLst/>
-                <a:latin typeface="리디바탕" panose="020B0600000101010101" pitchFamily="34" charset="-127"/>
-                <a:ea typeface="리디바탕" panose="020B0600000101010101" pitchFamily="34" charset="-127"/>
-              </a:rPr>
-              <a:t>주파수 영역에서 예측이 우수한 결과를 가져온다는 것을 발견하여 각 열의 예측에 </a:t>
-            </a:r>
-            <a:r>
-              <a:rPr lang="en-US" altLang="ko-KR" sz="1200" b="0" i="0" dirty="0">
-                <a:solidFill>
-                  <a:srgbClr val="000000"/>
+                  <a:srgbClr val="052E6B"/>
                 </a:solidFill>
                 <a:effectLst/>
                 <a:latin typeface="리디바탕" panose="020B0600000101010101" pitchFamily="34" charset="-127"/>

--- a/LayoutNet-HorizonNet-HoHoNet 정리.pptx
+++ b/LayoutNet-HorizonNet-HoHoNet 정리.pptx
@@ -264,7 +264,7 @@
           <a:p>
             <a:fld id="{2450EB55-8E1C-4E44-84CF-35741F3EB080}" type="datetimeFigureOut">
               <a:rPr lang="ko-KR" altLang="en-US" smtClean="0"/>
-              <a:t>2021-09-26</a:t>
+              <a:t>2021-09-27</a:t>
             </a:fld>
             <a:endParaRPr lang="ko-KR" altLang="en-US"/>
           </a:p>
@@ -432,7 +432,7 @@
           <a:p>
             <a:fld id="{2450EB55-8E1C-4E44-84CF-35741F3EB080}" type="datetimeFigureOut">
               <a:rPr lang="ko-KR" altLang="en-US" smtClean="0"/>
-              <a:t>2021-09-26</a:t>
+              <a:t>2021-09-27</a:t>
             </a:fld>
             <a:endParaRPr lang="ko-KR" altLang="en-US"/>
           </a:p>
@@ -610,7 +610,7 @@
           <a:p>
             <a:fld id="{2450EB55-8E1C-4E44-84CF-35741F3EB080}" type="datetimeFigureOut">
               <a:rPr lang="ko-KR" altLang="en-US" smtClean="0"/>
-              <a:t>2021-09-26</a:t>
+              <a:t>2021-09-27</a:t>
             </a:fld>
             <a:endParaRPr lang="ko-KR" altLang="en-US"/>
           </a:p>
@@ -778,7 +778,7 @@
           <a:p>
             <a:fld id="{2450EB55-8E1C-4E44-84CF-35741F3EB080}" type="datetimeFigureOut">
               <a:rPr lang="ko-KR" altLang="en-US" smtClean="0"/>
-              <a:t>2021-09-26</a:t>
+              <a:t>2021-09-27</a:t>
             </a:fld>
             <a:endParaRPr lang="ko-KR" altLang="en-US"/>
           </a:p>
@@ -1023,7 +1023,7 @@
           <a:p>
             <a:fld id="{2450EB55-8E1C-4E44-84CF-35741F3EB080}" type="datetimeFigureOut">
               <a:rPr lang="ko-KR" altLang="en-US" smtClean="0"/>
-              <a:t>2021-09-26</a:t>
+              <a:t>2021-09-27</a:t>
             </a:fld>
             <a:endParaRPr lang="ko-KR" altLang="en-US"/>
           </a:p>
@@ -1252,7 +1252,7 @@
           <a:p>
             <a:fld id="{2450EB55-8E1C-4E44-84CF-35741F3EB080}" type="datetimeFigureOut">
               <a:rPr lang="ko-KR" altLang="en-US" smtClean="0"/>
-              <a:t>2021-09-26</a:t>
+              <a:t>2021-09-27</a:t>
             </a:fld>
             <a:endParaRPr lang="ko-KR" altLang="en-US"/>
           </a:p>
@@ -1616,7 +1616,7 @@
           <a:p>
             <a:fld id="{2450EB55-8E1C-4E44-84CF-35741F3EB080}" type="datetimeFigureOut">
               <a:rPr lang="ko-KR" altLang="en-US" smtClean="0"/>
-              <a:t>2021-09-26</a:t>
+              <a:t>2021-09-27</a:t>
             </a:fld>
             <a:endParaRPr lang="ko-KR" altLang="en-US"/>
           </a:p>
@@ -1733,7 +1733,7 @@
           <a:p>
             <a:fld id="{2450EB55-8E1C-4E44-84CF-35741F3EB080}" type="datetimeFigureOut">
               <a:rPr lang="ko-KR" altLang="en-US" smtClean="0"/>
-              <a:t>2021-09-26</a:t>
+              <a:t>2021-09-27</a:t>
             </a:fld>
             <a:endParaRPr lang="ko-KR" altLang="en-US"/>
           </a:p>
@@ -1828,7 +1828,7 @@
           <a:p>
             <a:fld id="{2450EB55-8E1C-4E44-84CF-35741F3EB080}" type="datetimeFigureOut">
               <a:rPr lang="ko-KR" altLang="en-US" smtClean="0"/>
-              <a:t>2021-09-26</a:t>
+              <a:t>2021-09-27</a:t>
             </a:fld>
             <a:endParaRPr lang="ko-KR" altLang="en-US"/>
           </a:p>
@@ -2103,7 +2103,7 @@
           <a:p>
             <a:fld id="{2450EB55-8E1C-4E44-84CF-35741F3EB080}" type="datetimeFigureOut">
               <a:rPr lang="ko-KR" altLang="en-US" smtClean="0"/>
-              <a:t>2021-09-26</a:t>
+              <a:t>2021-09-27</a:t>
             </a:fld>
             <a:endParaRPr lang="ko-KR" altLang="en-US"/>
           </a:p>
@@ -2355,7 +2355,7 @@
           <a:p>
             <a:fld id="{2450EB55-8E1C-4E44-84CF-35741F3EB080}" type="datetimeFigureOut">
               <a:rPr lang="ko-KR" altLang="en-US" smtClean="0"/>
-              <a:t>2021-09-26</a:t>
+              <a:t>2021-09-27</a:t>
             </a:fld>
             <a:endParaRPr lang="ko-KR" altLang="en-US"/>
           </a:p>
@@ -2566,7 +2566,7 @@
           <a:p>
             <a:fld id="{2450EB55-8E1C-4E44-84CF-35741F3EB080}" type="datetimeFigureOut">
               <a:rPr lang="ko-KR" altLang="en-US" smtClean="0"/>
-              <a:t>2021-09-26</a:t>
+              <a:t>2021-09-27</a:t>
             </a:fld>
             <a:endParaRPr lang="ko-KR" altLang="en-US"/>
           </a:p>
@@ -10572,7 +10572,7 @@
             </p:nvSpPr>
             <p:spPr>
               <a:xfrm>
-                <a:off x="614299" y="1591200"/>
+                <a:off x="605910" y="1865767"/>
                 <a:ext cx="10348976" cy="790794"/>
               </a:xfrm>
               <a:prstGeom prst="rect">
@@ -11129,7 +11129,7 @@
             </p:nvSpPr>
             <p:spPr>
               <a:xfrm>
-                <a:off x="614299" y="1591200"/>
+                <a:off x="605910" y="1865767"/>
                 <a:ext cx="10348976" cy="790794"/>
               </a:xfrm>
               <a:prstGeom prst="rect">
@@ -11138,7 +11138,7 @@
               <a:blipFill>
                 <a:blip r:embed="rId2"/>
                 <a:stretch>
-                  <a:fillRect l="-59" b="-6154"/>
+                  <a:fillRect b="-6154"/>
                 </a:stretch>
               </a:blipFill>
             </p:spPr>
@@ -11295,6 +11295,36 @@
           </a:p>
         </p:txBody>
       </p:sp>
+      <p:pic>
+        <p:nvPicPr>
+          <p:cNvPr id="3" name="그림 2">
+            <a:extLst>
+              <a:ext uri="{FF2B5EF4-FFF2-40B4-BE49-F238E27FC236}">
+                <a16:creationId xmlns:a16="http://schemas.microsoft.com/office/drawing/2014/main" id="{D326DB03-11B4-40F3-A66C-27281A88252F}"/>
+              </a:ext>
+            </a:extLst>
+          </p:cNvPr>
+          <p:cNvPicPr>
+            <a:picLocks noChangeAspect="1"/>
+          </p:cNvPicPr>
+          <p:nvPr/>
+        </p:nvPicPr>
+        <p:blipFill>
+          <a:blip r:embed="rId4"/>
+          <a:stretch>
+            <a:fillRect/>
+          </a:stretch>
+        </p:blipFill>
+        <p:spPr>
+          <a:xfrm>
+            <a:off x="9948125" y="618827"/>
+            <a:ext cx="1778629" cy="1246940"/>
+          </a:xfrm>
+          <a:prstGeom prst="rect">
+            <a:avLst/>
+          </a:prstGeom>
+        </p:spPr>
+      </p:pic>
     </p:spTree>
     <p:extLst>
       <p:ext uri="{BB962C8B-B14F-4D97-AF65-F5344CB8AC3E}">
@@ -11768,8 +11798,8 @@
           </a:p>
         </p:txBody>
       </p:sp>
-      <mc:AlternateContent xmlns:mc="http://schemas.openxmlformats.org/markup-compatibility/2006">
-        <mc:Choice xmlns:a14="http://schemas.microsoft.com/office/drawing/2010/main" Requires="a14">
+      <mc:AlternateContent xmlns:mc="http://schemas.openxmlformats.org/markup-compatibility/2006" xmlns:a14="http://schemas.microsoft.com/office/drawing/2010/main">
+        <mc:Choice Requires="a14">
           <p:sp>
             <p:nvSpPr>
               <p:cNvPr id="25" name="TextBox 24">
@@ -13048,7 +13078,7 @@
             </p:txBody>
           </p:sp>
         </mc:Choice>
-        <mc:Fallback>
+        <mc:Fallback xmlns="">
           <p:sp>
             <p:nvSpPr>
               <p:cNvPr id="25" name="TextBox 24">
@@ -13439,6 +13469,36 @@
           </a:fontRef>
         </p:style>
       </p:cxnSp>
+      <p:pic>
+        <p:nvPicPr>
+          <p:cNvPr id="4" name="그림 3">
+            <a:extLst>
+              <a:ext uri="{FF2B5EF4-FFF2-40B4-BE49-F238E27FC236}">
+                <a16:creationId xmlns:a16="http://schemas.microsoft.com/office/drawing/2014/main" id="{8D51E262-7D4D-4BC7-B280-89E1EAE8CB5A}"/>
+              </a:ext>
+            </a:extLst>
+          </p:cNvPr>
+          <p:cNvPicPr>
+            <a:picLocks noChangeAspect="1"/>
+          </p:cNvPicPr>
+          <p:nvPr/>
+        </p:nvPicPr>
+        <p:blipFill>
+          <a:blip r:embed="rId5"/>
+          <a:stretch>
+            <a:fillRect/>
+          </a:stretch>
+        </p:blipFill>
+        <p:spPr>
+          <a:xfrm>
+            <a:off x="146304" y="800375"/>
+            <a:ext cx="2974401" cy="1038431"/>
+          </a:xfrm>
+          <a:prstGeom prst="rect">
+            <a:avLst/>
+          </a:prstGeom>
+        </p:spPr>
+      </p:pic>
     </p:spTree>
     <p:extLst>
       <p:ext uri="{BB962C8B-B14F-4D97-AF65-F5344CB8AC3E}">
@@ -32804,7 +32864,7 @@
         <p:spPr>
           <a:xfrm>
             <a:off x="837638" y="4482655"/>
-            <a:ext cx="11110522" cy="1513876"/>
+            <a:ext cx="11110522" cy="1883593"/>
           </a:xfrm>
           <a:prstGeom prst="rect">
             <a:avLst/>
@@ -32847,6 +32907,127 @@
             </a:r>
           </a:p>
           <a:p>
+            <a:pPr>
+              <a:lnSpc>
+                <a:spcPct val="200000"/>
+              </a:lnSpc>
+            </a:pPr>
+            <a:r>
+              <a:rPr lang="ko-KR" altLang="en-US" sz="1200" dirty="0">
+                <a:solidFill>
+                  <a:srgbClr val="052E6B"/>
+                </a:solidFill>
+                <a:latin typeface="리디바탕" panose="020B0600000101010101" pitchFamily="34" charset="-127"/>
+                <a:ea typeface="리디바탕" panose="020B0600000101010101" pitchFamily="34" charset="-127"/>
+                <a:sym typeface="Wingdings" panose="05000000000000000000" pitchFamily="2" charset="2"/>
+              </a:rPr>
+              <a:t>⇒ 열 당 예측으로</a:t>
+            </a:r>
+            <a:r>
+              <a:rPr lang="en-US" altLang="ko-KR" sz="1200" dirty="0">
+                <a:solidFill>
+                  <a:srgbClr val="052E6B"/>
+                </a:solidFill>
+                <a:latin typeface="리디바탕" panose="020B0600000101010101" pitchFamily="34" charset="-127"/>
+                <a:ea typeface="리디바탕" panose="020B0600000101010101" pitchFamily="34" charset="-127"/>
+                <a:sym typeface="Wingdings" panose="05000000000000000000" pitchFamily="2" charset="2"/>
+              </a:rPr>
+              <a:t> layout</a:t>
+            </a:r>
+            <a:r>
+              <a:rPr lang="ko-KR" altLang="en-US" sz="1200" dirty="0">
+                <a:solidFill>
+                  <a:srgbClr val="052E6B"/>
+                </a:solidFill>
+                <a:latin typeface="리디바탕" panose="020B0600000101010101" pitchFamily="34" charset="-127"/>
+                <a:ea typeface="리디바탕" panose="020B0600000101010101" pitchFamily="34" charset="-127"/>
+                <a:sym typeface="Wingdings" panose="05000000000000000000" pitchFamily="2" charset="2"/>
+              </a:rPr>
+              <a:t> 을</a:t>
+            </a:r>
+            <a:r>
+              <a:rPr lang="en-US" altLang="ko-KR" sz="1200" dirty="0">
+                <a:solidFill>
+                  <a:srgbClr val="052E6B"/>
+                </a:solidFill>
+                <a:latin typeface="리디바탕" panose="020B0600000101010101" pitchFamily="34" charset="-127"/>
+                <a:ea typeface="리디바탕" panose="020B0600000101010101" pitchFamily="34" charset="-127"/>
+                <a:sym typeface="Wingdings" panose="05000000000000000000" pitchFamily="2" charset="2"/>
+              </a:rPr>
+              <a:t>, </a:t>
+            </a:r>
+            <a:r>
+              <a:rPr lang="ko-KR" altLang="en-US" sz="1200" dirty="0">
+                <a:solidFill>
+                  <a:srgbClr val="052E6B"/>
+                </a:solidFill>
+                <a:latin typeface="리디바탕" panose="020B0600000101010101" pitchFamily="34" charset="-127"/>
+                <a:ea typeface="리디바탕" panose="020B0600000101010101" pitchFamily="34" charset="-127"/>
+                <a:sym typeface="Wingdings" panose="05000000000000000000" pitchFamily="2" charset="2"/>
+              </a:rPr>
+              <a:t>픽셀당 예측으로 </a:t>
+            </a:r>
+            <a:r>
+              <a:rPr lang="en-US" altLang="ko-KR" sz="1200" dirty="0">
+                <a:solidFill>
+                  <a:srgbClr val="052E6B"/>
+                </a:solidFill>
+                <a:latin typeface="리디바탕" panose="020B0600000101010101" pitchFamily="34" charset="-127"/>
+                <a:ea typeface="리디바탕" panose="020B0600000101010101" pitchFamily="34" charset="-127"/>
+                <a:sym typeface="Wingdings" panose="05000000000000000000" pitchFamily="2" charset="2"/>
+              </a:rPr>
+              <a:t>depth</a:t>
+            </a:r>
+            <a:r>
+              <a:rPr lang="ko-KR" altLang="en-US" sz="1200" dirty="0">
+                <a:solidFill>
+                  <a:srgbClr val="052E6B"/>
+                </a:solidFill>
+                <a:latin typeface="리디바탕" panose="020B0600000101010101" pitchFamily="34" charset="-127"/>
+                <a:ea typeface="리디바탕" panose="020B0600000101010101" pitchFamily="34" charset="-127"/>
+                <a:sym typeface="Wingdings" panose="05000000000000000000" pitchFamily="2" charset="2"/>
+              </a:rPr>
+              <a:t>와 </a:t>
+            </a:r>
+            <a:r>
+              <a:rPr lang="en-US" altLang="ko-KR" sz="1200" dirty="0">
+                <a:solidFill>
+                  <a:srgbClr val="052E6B"/>
+                </a:solidFill>
+                <a:latin typeface="리디바탕" panose="020B0600000101010101" pitchFamily="34" charset="-127"/>
+                <a:ea typeface="리디바탕" panose="020B0600000101010101" pitchFamily="34" charset="-127"/>
+                <a:sym typeface="Wingdings" panose="05000000000000000000" pitchFamily="2" charset="2"/>
+              </a:rPr>
+              <a:t>semantic</a:t>
+            </a:r>
+            <a:r>
+              <a:rPr lang="ko-KR" altLang="en-US" sz="1200" dirty="0">
+                <a:solidFill>
+                  <a:srgbClr val="052E6B"/>
+                </a:solidFill>
+                <a:latin typeface="리디바탕" panose="020B0600000101010101" pitchFamily="34" charset="-127"/>
+                <a:ea typeface="리디바탕" panose="020B0600000101010101" pitchFamily="34" charset="-127"/>
+                <a:sym typeface="Wingdings" panose="05000000000000000000" pitchFamily="2" charset="2"/>
+              </a:rPr>
+              <a:t>을 나오게 하는 것 같다</a:t>
+            </a:r>
+            <a:r>
+              <a:rPr lang="en-US" altLang="ko-KR" sz="1200" dirty="0">
+                <a:solidFill>
+                  <a:srgbClr val="052E6B"/>
+                </a:solidFill>
+                <a:latin typeface="리디바탕" panose="020B0600000101010101" pitchFamily="34" charset="-127"/>
+                <a:ea typeface="리디바탕" panose="020B0600000101010101" pitchFamily="34" charset="-127"/>
+                <a:sym typeface="Wingdings" panose="05000000000000000000" pitchFamily="2" charset="2"/>
+              </a:rPr>
+              <a:t>.</a:t>
+            </a:r>
+            <a:endParaRPr lang="en-US" altLang="ko-KR" sz="1200" dirty="0">
+              <a:latin typeface="리디바탕" panose="020B0600000101010101" pitchFamily="34" charset="-127"/>
+              <a:ea typeface="리디바탕" panose="020B0600000101010101" pitchFamily="34" charset="-127"/>
+            </a:endParaRPr>
+          </a:p>
+          <a:p>
             <a:pPr marL="228600" indent="-228600">
               <a:lnSpc>
                 <a:spcPct val="200000"/>
@@ -32855,123 +33036,198 @@
               <a:buAutoNum type="circleNumDbPlain"/>
             </a:pPr>
             <a:r>
+              <a:rPr lang="en-US" altLang="ko-KR" sz="1200" b="0" i="0" dirty="0" err="1">
+                <a:solidFill>
+                  <a:srgbClr val="000000"/>
+                </a:solidFill>
+                <a:latin typeface="리디바탕" panose="020B0600000101010101" pitchFamily="34" charset="-127"/>
+                <a:ea typeface="리디바탕" panose="020B0600000101010101" pitchFamily="34" charset="-127"/>
+              </a:rPr>
+              <a:t>Hohonet</a:t>
+            </a:r>
+            <a:r>
+              <a:rPr lang="ko-KR" altLang="en-US" sz="1200" b="0" i="0" dirty="0">
+                <a:solidFill>
+                  <a:srgbClr val="000000"/>
+                </a:solidFill>
+                <a:latin typeface="리디바탕" panose="020B0600000101010101" pitchFamily="34" charset="-127"/>
+                <a:ea typeface="리디바탕" panose="020B0600000101010101" pitchFamily="34" charset="-127"/>
+              </a:rPr>
+              <a:t>은 </a:t>
+            </a:r>
+            <a:r>
+              <a:rPr lang="en-US" altLang="ko-KR" sz="1200" dirty="0">
+                <a:latin typeface="리디바탕" panose="020B0600000101010101" pitchFamily="34" charset="-127"/>
+                <a:ea typeface="리디바탕" panose="020B0600000101010101" pitchFamily="34" charset="-127"/>
+              </a:rPr>
+              <a:t>Depth </a:t>
+            </a:r>
+            <a:r>
               <a:rPr lang="en-US" altLang="ko-KR" sz="1200" dirty="0" err="1">
                 <a:latin typeface="리디바탕" panose="020B0600000101010101" pitchFamily="34" charset="-127"/>
                 <a:ea typeface="리디바탕" panose="020B0600000101010101" pitchFamily="34" charset="-127"/>
               </a:rPr>
+              <a:t>estimatio</a:t>
+            </a:r>
+            <a:r>
+              <a:rPr lang="ko-KR" altLang="en-US" sz="1200" dirty="0">
+                <a:latin typeface="리디바탕" panose="020B0600000101010101" pitchFamily="34" charset="-127"/>
+                <a:ea typeface="리디바탕" panose="020B0600000101010101" pitchFamily="34" charset="-127"/>
+              </a:rPr>
+              <a:t>와 </a:t>
+            </a:r>
+            <a:r>
+              <a:rPr lang="en-US" altLang="ko-KR" sz="1200" dirty="0">
+                <a:latin typeface="리디바탕" panose="020B0600000101010101" pitchFamily="34" charset="-127"/>
+                <a:ea typeface="리디바탕" panose="020B0600000101010101" pitchFamily="34" charset="-127"/>
+              </a:rPr>
+              <a:t>semantic </a:t>
+            </a:r>
+            <a:r>
+              <a:rPr lang="en-US" altLang="ko-KR" sz="1200" dirty="0" err="1">
+                <a:latin typeface="리디바탕" panose="020B0600000101010101" pitchFamily="34" charset="-127"/>
+                <a:ea typeface="리디바탕" panose="020B0600000101010101" pitchFamily="34" charset="-127"/>
+              </a:rPr>
+              <a:t>sementation</a:t>
+            </a:r>
+            <a:r>
+              <a:rPr lang="ko-KR" altLang="en-US" sz="1200" dirty="0">
+                <a:latin typeface="리디바탕" panose="020B0600000101010101" pitchFamily="34" charset="-127"/>
+                <a:ea typeface="리디바탕" panose="020B0600000101010101" pitchFamily="34" charset="-127"/>
+              </a:rPr>
+              <a:t>이 나오고 그걸 </a:t>
+            </a:r>
+            <a:r>
+              <a:rPr lang="en-US" altLang="ko-KR" sz="1200" dirty="0" err="1">
+                <a:latin typeface="리디바탕" panose="020B0600000101010101" pitchFamily="34" charset="-127"/>
+                <a:ea typeface="리디바탕" panose="020B0600000101010101" pitchFamily="34" charset="-127"/>
+              </a:rPr>
+              <a:t>horizonnet</a:t>
+            </a:r>
+            <a:r>
+              <a:rPr lang="ko-KR" altLang="en-US" sz="1200" dirty="0">
+                <a:latin typeface="리디바탕" panose="020B0600000101010101" pitchFamily="34" charset="-127"/>
+                <a:ea typeface="리디바탕" panose="020B0600000101010101" pitchFamily="34" charset="-127"/>
+              </a:rPr>
+              <a:t>처럼 </a:t>
+            </a:r>
+            <a:r>
+              <a:rPr lang="en-US" altLang="ko-KR" sz="1200" dirty="0">
+                <a:latin typeface="리디바탕" panose="020B0600000101010101" pitchFamily="34" charset="-127"/>
+                <a:ea typeface="리디바탕" panose="020B0600000101010101" pitchFamily="34" charset="-127"/>
+              </a:rPr>
+              <a:t>3d room reconstruction</a:t>
+            </a:r>
+            <a:r>
+              <a:rPr lang="ko-KR" altLang="en-US" sz="1200" dirty="0">
+                <a:latin typeface="리디바탕" panose="020B0600000101010101" pitchFamily="34" charset="-127"/>
+                <a:ea typeface="리디바탕" panose="020B0600000101010101" pitchFamily="34" charset="-127"/>
+              </a:rPr>
+              <a:t>을 하는 듯</a:t>
+            </a:r>
+            <a:r>
+              <a:rPr lang="en-US" altLang="ko-KR" sz="1200" dirty="0">
+                <a:latin typeface="리디바탕" panose="020B0600000101010101" pitchFamily="34" charset="-127"/>
+                <a:ea typeface="리디바탕" panose="020B0600000101010101" pitchFamily="34" charset="-127"/>
+              </a:rPr>
+              <a:t>..? </a:t>
+            </a:r>
+            <a:r>
+              <a:rPr lang="en-US" altLang="ko-KR" sz="1200" dirty="0">
+                <a:latin typeface="리디바탕" panose="020B0600000101010101" pitchFamily="34" charset="-127"/>
+                <a:ea typeface="리디바탕" panose="020B0600000101010101" pitchFamily="34" charset="-127"/>
+                <a:sym typeface="Wingdings" panose="05000000000000000000" pitchFamily="2" charset="2"/>
+              </a:rPr>
+              <a:t> </a:t>
+            </a:r>
+            <a:r>
+              <a:rPr lang="ko-KR" altLang="en-US" sz="1200" dirty="0">
+                <a:latin typeface="리디바탕" panose="020B0600000101010101" pitchFamily="34" charset="-127"/>
+                <a:ea typeface="리디바탕" panose="020B0600000101010101" pitchFamily="34" charset="-127"/>
+                <a:sym typeface="Wingdings" panose="05000000000000000000" pitchFamily="2" charset="2"/>
+              </a:rPr>
+              <a:t>이걸 코드에서 알 수 있을까</a:t>
+            </a:r>
+            <a:r>
+              <a:rPr lang="en-US" altLang="ko-KR" sz="1200" dirty="0">
+                <a:latin typeface="리디바탕" panose="020B0600000101010101" pitchFamily="34" charset="-127"/>
+                <a:ea typeface="리디바탕" panose="020B0600000101010101" pitchFamily="34" charset="-127"/>
+                <a:sym typeface="Wingdings" panose="05000000000000000000" pitchFamily="2" charset="2"/>
+              </a:rPr>
+              <a:t>?</a:t>
+            </a:r>
+          </a:p>
+          <a:p>
+            <a:pPr lvl="1">
+              <a:lnSpc>
+                <a:spcPct val="200000"/>
+              </a:lnSpc>
+            </a:pPr>
+            <a:r>
+              <a:rPr lang="ko-KR" altLang="en-US" sz="1200" dirty="0">
+                <a:solidFill>
+                  <a:srgbClr val="052E6B"/>
+                </a:solidFill>
+                <a:latin typeface="리디바탕" panose="020B0600000101010101" pitchFamily="34" charset="-127"/>
+                <a:ea typeface="리디바탕" panose="020B0600000101010101" pitchFamily="34" charset="-127"/>
+                <a:sym typeface="Wingdings" panose="05000000000000000000" pitchFamily="2" charset="2"/>
+              </a:rPr>
+              <a:t>⇒ 알 수 있다</a:t>
+            </a:r>
+            <a:r>
+              <a:rPr lang="en-US" altLang="ko-KR" sz="1200" dirty="0">
+                <a:solidFill>
+                  <a:srgbClr val="052E6B"/>
+                </a:solidFill>
+                <a:latin typeface="리디바탕" panose="020B0600000101010101" pitchFamily="34" charset="-127"/>
+                <a:ea typeface="리디바탕" panose="020B0600000101010101" pitchFamily="34" charset="-127"/>
+                <a:sym typeface="Wingdings" panose="05000000000000000000" pitchFamily="2" charset="2"/>
+              </a:rPr>
+              <a:t>!! </a:t>
+            </a:r>
+            <a:r>
+              <a:rPr lang="en-US" altLang="ko-KR" sz="1200" dirty="0" err="1">
+                <a:solidFill>
+                  <a:srgbClr val="052E6B"/>
+                </a:solidFill>
+                <a:latin typeface="리디바탕" panose="020B0600000101010101" pitchFamily="34" charset="-127"/>
+                <a:ea typeface="리디바탕" panose="020B0600000101010101" pitchFamily="34" charset="-127"/>
+                <a:sym typeface="Wingdings" panose="05000000000000000000" pitchFamily="2" charset="2"/>
+              </a:rPr>
               <a:t>HoHoNet</a:t>
             </a:r>
             <a:r>
+              <a:rPr lang="en-US" altLang="ko-KR" sz="1200" dirty="0">
+                <a:solidFill>
+                  <a:srgbClr val="052E6B"/>
+                </a:solidFill>
+                <a:latin typeface="리디바탕" panose="020B0600000101010101" pitchFamily="34" charset="-127"/>
+                <a:ea typeface="리디바탕" panose="020B0600000101010101" pitchFamily="34" charset="-127"/>
+                <a:sym typeface="Wingdings" panose="05000000000000000000" pitchFamily="2" charset="2"/>
+              </a:rPr>
+              <a:t>/lib/model/modality/</a:t>
+            </a:r>
+            <a:r>
               <a:rPr lang="ko-KR" altLang="en-US" sz="1200" dirty="0">
-                <a:latin typeface="리디바탕" panose="020B0600000101010101" pitchFamily="34" charset="-127"/>
-                <a:ea typeface="리디바탕" panose="020B0600000101010101" pitchFamily="34" charset="-127"/>
-              </a:rPr>
-              <a:t> 실행 시</a:t>
+                <a:solidFill>
+                  <a:srgbClr val="052E6B"/>
+                </a:solidFill>
+                <a:latin typeface="리디바탕" panose="020B0600000101010101" pitchFamily="34" charset="-127"/>
+                <a:ea typeface="리디바탕" panose="020B0600000101010101" pitchFamily="34" charset="-127"/>
+                <a:sym typeface="Wingdings" panose="05000000000000000000" pitchFamily="2" charset="2"/>
+              </a:rPr>
+              <a:t>에 각 코드가 나와 있음</a:t>
             </a:r>
             <a:r>
               <a:rPr lang="en-US" altLang="ko-KR" sz="1200" dirty="0">
-                <a:latin typeface="리디바탕" panose="020B0600000101010101" pitchFamily="34" charset="-127"/>
-                <a:ea typeface="리디바탕" panose="020B0600000101010101" pitchFamily="34" charset="-127"/>
-              </a:rPr>
-              <a:t>,</a:t>
-            </a:r>
-            <a:r>
-              <a:rPr lang="ko-KR" altLang="en-US" sz="1200" dirty="0">
-                <a:latin typeface="리디바탕" panose="020B0600000101010101" pitchFamily="34" charset="-127"/>
-                <a:ea typeface="리디바탕" panose="020B0600000101010101" pitchFamily="34" charset="-127"/>
-              </a:rPr>
-              <a:t> </a:t>
-            </a:r>
-            <a:r>
-              <a:rPr lang="en-US" altLang="ko-KR" sz="1200" dirty="0">
-                <a:latin typeface="리디바탕" panose="020B0600000101010101" pitchFamily="34" charset="-127"/>
-                <a:ea typeface="리디바탕" panose="020B0600000101010101" pitchFamily="34" charset="-127"/>
-              </a:rPr>
-              <a:t>Depth </a:t>
-            </a:r>
-            <a:r>
-              <a:rPr lang="en-US" altLang="ko-KR" sz="1200" dirty="0" err="1">
-                <a:latin typeface="리디바탕" panose="020B0600000101010101" pitchFamily="34" charset="-127"/>
-                <a:ea typeface="리디바탕" panose="020B0600000101010101" pitchFamily="34" charset="-127"/>
-              </a:rPr>
-              <a:t>estimatio</a:t>
-            </a:r>
-            <a:r>
-              <a:rPr lang="ko-KR" altLang="en-US" sz="1200" dirty="0">
-                <a:latin typeface="리디바탕" panose="020B0600000101010101" pitchFamily="34" charset="-127"/>
-                <a:ea typeface="리디바탕" panose="020B0600000101010101" pitchFamily="34" charset="-127"/>
-              </a:rPr>
-              <a:t>와 </a:t>
-            </a:r>
-            <a:r>
-              <a:rPr lang="en-US" altLang="ko-KR" sz="1200" dirty="0">
-                <a:latin typeface="리디바탕" panose="020B0600000101010101" pitchFamily="34" charset="-127"/>
-                <a:ea typeface="리디바탕" panose="020B0600000101010101" pitchFamily="34" charset="-127"/>
-              </a:rPr>
-              <a:t>semantic </a:t>
-            </a:r>
-            <a:r>
-              <a:rPr lang="en-US" altLang="ko-KR" sz="1200" dirty="0" err="1">
-                <a:latin typeface="리디바탕" panose="020B0600000101010101" pitchFamily="34" charset="-127"/>
-                <a:ea typeface="리디바탕" panose="020B0600000101010101" pitchFamily="34" charset="-127"/>
-              </a:rPr>
-              <a:t>sementation</a:t>
-            </a:r>
-            <a:r>
-              <a:rPr lang="ko-KR" altLang="en-US" sz="1200" dirty="0">
-                <a:latin typeface="리디바탕" panose="020B0600000101010101" pitchFamily="34" charset="-127"/>
-                <a:ea typeface="리디바탕" panose="020B0600000101010101" pitchFamily="34" charset="-127"/>
-              </a:rPr>
-              <a:t>의 결과가 도출되고 이 두가지 결과로 </a:t>
-            </a:r>
-            <a:r>
-              <a:rPr lang="en-US" altLang="ko-KR" sz="1200" dirty="0">
-                <a:latin typeface="리디바탕" panose="020B0600000101010101" pitchFamily="34" charset="-127"/>
-                <a:ea typeface="리디바탕" panose="020B0600000101010101" pitchFamily="34" charset="-127"/>
-              </a:rPr>
-              <a:t>3d room reconstruction</a:t>
-            </a:r>
-            <a:r>
-              <a:rPr lang="ko-KR" altLang="en-US" sz="1200" dirty="0">
-                <a:latin typeface="리디바탕" panose="020B0600000101010101" pitchFamily="34" charset="-127"/>
-                <a:ea typeface="리디바탕" panose="020B0600000101010101" pitchFamily="34" charset="-127"/>
-              </a:rPr>
-              <a:t> 하는 것 같다</a:t>
-            </a:r>
-            <a:r>
-              <a:rPr lang="en-US" altLang="ko-KR" sz="1200" dirty="0">
-                <a:latin typeface="리디바탕" panose="020B0600000101010101" pitchFamily="34" charset="-127"/>
-                <a:ea typeface="리디바탕" panose="020B0600000101010101" pitchFamily="34" charset="-127"/>
-              </a:rPr>
-              <a:t>. </a:t>
-            </a:r>
-            <a:r>
-              <a:rPr lang="ko-KR" altLang="en-US" sz="1200" dirty="0">
-                <a:latin typeface="리디바탕" panose="020B0600000101010101" pitchFamily="34" charset="-127"/>
-                <a:ea typeface="리디바탕" panose="020B0600000101010101" pitchFamily="34" charset="-127"/>
-              </a:rPr>
-              <a:t>그렇다면</a:t>
-            </a:r>
-            <a:r>
-              <a:rPr lang="en-US" altLang="ko-KR" sz="1200" dirty="0">
-                <a:latin typeface="리디바탕" panose="020B0600000101010101" pitchFamily="34" charset="-127"/>
-                <a:ea typeface="리디바탕" panose="020B0600000101010101" pitchFamily="34" charset="-127"/>
-              </a:rPr>
-              <a:t>, </a:t>
-            </a:r>
-            <a:r>
-              <a:rPr lang="ko-KR" altLang="en-US" sz="1200" dirty="0">
-                <a:latin typeface="리디바탕" panose="020B0600000101010101" pitchFamily="34" charset="-127"/>
-                <a:ea typeface="리디바탕" panose="020B0600000101010101" pitchFamily="34" charset="-127"/>
-              </a:rPr>
-              <a:t>논문의 원리 설명에서 이 두가지의 실행 구간은 어디인가</a:t>
-            </a:r>
-            <a:r>
-              <a:rPr lang="en-US" altLang="ko-KR" sz="1200" dirty="0">
-                <a:latin typeface="리디바탕" panose="020B0600000101010101" pitchFamily="34" charset="-127"/>
-                <a:ea typeface="리디바탕" panose="020B0600000101010101" pitchFamily="34" charset="-127"/>
-              </a:rPr>
-              <a:t>..?</a:t>
+                <a:solidFill>
+                  <a:srgbClr val="052E6B"/>
+                </a:solidFill>
+                <a:latin typeface="리디바탕" panose="020B0600000101010101" pitchFamily="34" charset="-127"/>
+                <a:ea typeface="리디바탕" panose="020B0600000101010101" pitchFamily="34" charset="-127"/>
+                <a:sym typeface="Wingdings" panose="05000000000000000000" pitchFamily="2" charset="2"/>
+              </a:rPr>
+              <a:t>.</a:t>
             </a:r>
           </a:p>
           <a:p>
@@ -32983,44 +33239,73 @@
               <a:buAutoNum type="circleNumDbPlain"/>
             </a:pPr>
             <a:r>
-              <a:rPr lang="en-US" altLang="ko-KR" sz="1200" b="0" i="0" dirty="0" err="1">
-                <a:solidFill>
-                  <a:srgbClr val="000000"/>
-                </a:solidFill>
-                <a:latin typeface="리디바탕" panose="020B0600000101010101" pitchFamily="34" charset="-127"/>
-                <a:ea typeface="리디바탕" panose="020B0600000101010101" pitchFamily="34" charset="-127"/>
-              </a:rPr>
-              <a:t>Hohonet</a:t>
-            </a:r>
-            <a:r>
-              <a:rPr lang="ko-KR" altLang="en-US" sz="1200" b="0" i="0" dirty="0">
-                <a:solidFill>
-                  <a:srgbClr val="000000"/>
-                </a:solidFill>
-                <a:latin typeface="리디바탕" panose="020B0600000101010101" pitchFamily="34" charset="-127"/>
-                <a:ea typeface="리디바탕" panose="020B0600000101010101" pitchFamily="34" charset="-127"/>
-              </a:rPr>
-              <a:t>은 </a:t>
+              <a:rPr lang="ko-KR" altLang="en-US" sz="1200" dirty="0" err="1">
+                <a:latin typeface="리디바탕" panose="020B0600000101010101" pitchFamily="34" charset="-127"/>
+                <a:ea typeface="리디바탕" panose="020B0600000101010101" pitchFamily="34" charset="-127"/>
+              </a:rPr>
+              <a:t>실행시</a:t>
+            </a:r>
+            <a:r>
+              <a:rPr lang="ko-KR" altLang="en-US" sz="1200" dirty="0">
+                <a:latin typeface="리디바탕" panose="020B0600000101010101" pitchFamily="34" charset="-127"/>
+                <a:ea typeface="리디바탕" panose="020B0600000101010101" pitchFamily="34" charset="-127"/>
+              </a:rPr>
+              <a:t>  </a:t>
             </a:r>
             <a:r>
               <a:rPr lang="en-US" altLang="ko-KR" sz="1200" dirty="0">
                 <a:latin typeface="리디바탕" panose="020B0600000101010101" pitchFamily="34" charset="-127"/>
                 <a:ea typeface="리디바탕" panose="020B0600000101010101" pitchFamily="34" charset="-127"/>
               </a:rPr>
-              <a:t>Depth </a:t>
-            </a:r>
-            <a:r>
-              <a:rPr lang="en-US" altLang="ko-KR" sz="1200" dirty="0" err="1">
-                <a:latin typeface="리디바탕" panose="020B0600000101010101" pitchFamily="34" charset="-127"/>
-                <a:ea typeface="리디바탕" panose="020B0600000101010101" pitchFamily="34" charset="-127"/>
-              </a:rPr>
-              <a:t>estimatio</a:t>
+              <a:t>room</a:t>
             </a:r>
             <a:r>
               <a:rPr lang="ko-KR" altLang="en-US" sz="1200" dirty="0">
                 <a:latin typeface="리디바탕" panose="020B0600000101010101" pitchFamily="34" charset="-127"/>
                 <a:ea typeface="리디바탕" panose="020B0600000101010101" pitchFamily="34" charset="-127"/>
               </a:rPr>
+              <a:t> </a:t>
+            </a:r>
+            <a:r>
+              <a:rPr lang="en-US" altLang="ko-KR" sz="1200" dirty="0">
+                <a:latin typeface="리디바탕" panose="020B0600000101010101" pitchFamily="34" charset="-127"/>
+                <a:ea typeface="리디바탕" panose="020B0600000101010101" pitchFamily="34" charset="-127"/>
+              </a:rPr>
+              <a:t>layout</a:t>
+            </a:r>
+            <a:r>
+              <a:rPr lang="ko-KR" altLang="en-US" sz="1200" dirty="0">
+                <a:latin typeface="리디바탕" panose="020B0600000101010101" pitchFamily="34" charset="-127"/>
+                <a:ea typeface="리디바탕" panose="020B0600000101010101" pitchFamily="34" charset="-127"/>
+              </a:rPr>
+              <a:t>이 만들어지지만</a:t>
+            </a:r>
+            <a:r>
+              <a:rPr lang="en-US" altLang="ko-KR" sz="1200" dirty="0">
+                <a:latin typeface="리디바탕" panose="020B0600000101010101" pitchFamily="34" charset="-127"/>
+                <a:ea typeface="리디바탕" panose="020B0600000101010101" pitchFamily="34" charset="-127"/>
+              </a:rPr>
+              <a:t>, </a:t>
+            </a:r>
+            <a:r>
+              <a:rPr lang="ko-KR" altLang="en-US" sz="1200" dirty="0">
+                <a:latin typeface="리디바탕" panose="020B0600000101010101" pitchFamily="34" charset="-127"/>
+                <a:ea typeface="리디바탕" panose="020B0600000101010101" pitchFamily="34" charset="-127"/>
+              </a:rPr>
+              <a:t>코드 상  </a:t>
+            </a:r>
+            <a:r>
+              <a:rPr lang="en-US" altLang="ko-KR" sz="1200" dirty="0">
+                <a:latin typeface="리디바탕" panose="020B0600000101010101" pitchFamily="34" charset="-127"/>
+                <a:ea typeface="리디바탕" panose="020B0600000101010101" pitchFamily="34" charset="-127"/>
+              </a:rPr>
+              <a:t>depth</a:t>
+            </a:r>
+            <a:r>
+              <a:rPr lang="ko-KR" altLang="en-US" sz="1200" dirty="0">
+                <a:latin typeface="리디바탕" panose="020B0600000101010101" pitchFamily="34" charset="-127"/>
+                <a:ea typeface="리디바탕" panose="020B0600000101010101" pitchFamily="34" charset="-127"/>
+              </a:rPr>
               <a:t>와 </a:t>
             </a:r>
             <a:r>
@@ -33031,77 +33316,39 @@
               <a:t>semantic </a:t>
             </a:r>
             <a:r>
-              <a:rPr lang="en-US" altLang="ko-KR" sz="1200" dirty="0" err="1">
-                <a:latin typeface="리디바탕" panose="020B0600000101010101" pitchFamily="34" charset="-127"/>
-                <a:ea typeface="리디바탕" panose="020B0600000101010101" pitchFamily="34" charset="-127"/>
-              </a:rPr>
-              <a:t>sementation</a:t>
-            </a:r>
-            <a:r>
               <a:rPr lang="ko-KR" altLang="en-US" sz="1200" dirty="0">
                 <a:latin typeface="리디바탕" panose="020B0600000101010101" pitchFamily="34" charset="-127"/>
                 <a:ea typeface="리디바탕" panose="020B0600000101010101" pitchFamily="34" charset="-127"/>
               </a:rPr>
-              <a:t>이 나오고 그걸 </a:t>
-            </a:r>
-            <a:r>
-              <a:rPr lang="en-US" altLang="ko-KR" sz="1200" dirty="0" err="1">
-                <a:latin typeface="리디바탕" panose="020B0600000101010101" pitchFamily="34" charset="-127"/>
-                <a:ea typeface="리디바탕" panose="020B0600000101010101" pitchFamily="34" charset="-127"/>
-              </a:rPr>
-              <a:t>horizonnet</a:t>
+              <a:t>을</a:t>
+            </a:r>
+            <a:r>
+              <a:rPr lang="en-US" altLang="ko-KR" sz="1200" dirty="0">
+                <a:latin typeface="리디바탕" panose="020B0600000101010101" pitchFamily="34" charset="-127"/>
+                <a:ea typeface="리디바탕" panose="020B0600000101010101" pitchFamily="34" charset="-127"/>
+              </a:rPr>
+              <a:t> </a:t>
             </a:r>
             <a:r>
               <a:rPr lang="ko-KR" altLang="en-US" sz="1200" dirty="0">
                 <a:latin typeface="리디바탕" panose="020B0600000101010101" pitchFamily="34" charset="-127"/>
                 <a:ea typeface="리디바탕" panose="020B0600000101010101" pitchFamily="34" charset="-127"/>
               </a:rPr>
-              <a:t>처럼 </a:t>
+              <a:t>사용한 부분</a:t>
             </a:r>
             <a:r>
               <a:rPr lang="en-US" altLang="ko-KR" sz="1200" dirty="0">
                 <a:latin typeface="리디바탕" panose="020B0600000101010101" pitchFamily="34" charset="-127"/>
                 <a:ea typeface="리디바탕" panose="020B0600000101010101" pitchFamily="34" charset="-127"/>
               </a:rPr>
-              <a:t>3d room reconstruction</a:t>
+              <a:t>,  </a:t>
             </a:r>
             <a:r>
               <a:rPr lang="ko-KR" altLang="en-US" sz="1200" dirty="0">
                 <a:latin typeface="리디바탕" panose="020B0600000101010101" pitchFamily="34" charset="-127"/>
                 <a:ea typeface="리디바탕" panose="020B0600000101010101" pitchFamily="34" charset="-127"/>
               </a:rPr>
-              <a:t>을 하는 듯</a:t>
-            </a:r>
-            <a:r>
-              <a:rPr lang="en-US" altLang="ko-KR" sz="1200" dirty="0">
-                <a:latin typeface="리디바탕" panose="020B0600000101010101" pitchFamily="34" charset="-127"/>
-                <a:ea typeface="리디바탕" panose="020B0600000101010101" pitchFamily="34" charset="-127"/>
-              </a:rPr>
-              <a:t>..? </a:t>
-            </a:r>
-            <a:r>
-              <a:rPr lang="en-US" altLang="ko-KR" sz="1200" dirty="0">
-                <a:latin typeface="리디바탕" panose="020B0600000101010101" pitchFamily="34" charset="-127"/>
-                <a:ea typeface="리디바탕" panose="020B0600000101010101" pitchFamily="34" charset="-127"/>
-                <a:sym typeface="Wingdings" panose="05000000000000000000" pitchFamily="2" charset="2"/>
-              </a:rPr>
-              <a:t> </a:t>
-            </a:r>
-            <a:r>
-              <a:rPr lang="ko-KR" altLang="en-US" sz="1200" dirty="0">
-                <a:latin typeface="리디바탕" panose="020B0600000101010101" pitchFamily="34" charset="-127"/>
-                <a:ea typeface="리디바탕" panose="020B0600000101010101" pitchFamily="34" charset="-127"/>
-                <a:sym typeface="Wingdings" panose="05000000000000000000" pitchFamily="2" charset="2"/>
-              </a:rPr>
-              <a:t>이걸 코드에서 알 수 있을까</a:t>
-            </a:r>
-            <a:r>
-              <a:rPr lang="en-US" altLang="ko-KR" sz="1200" dirty="0">
-                <a:latin typeface="리디바탕" panose="020B0600000101010101" pitchFamily="34" charset="-127"/>
-                <a:ea typeface="리디바탕" panose="020B0600000101010101" pitchFamily="34" charset="-127"/>
-                <a:sym typeface="Wingdings" panose="05000000000000000000" pitchFamily="2" charset="2"/>
-              </a:rPr>
-              <a:t>?</a:t>
+              <a:t>그리고 그게 결과로 나타난 부분이 있는지 알아봐야 할 거 같다</a:t>
             </a:r>
             <a:endParaRPr lang="en-US" altLang="ko-KR" sz="1200" dirty="0">
               <a:latin typeface="리디바탕" panose="020B0600000101010101" pitchFamily="34" charset="-127"/>
@@ -33470,7 +33717,7 @@
                 <a:latin typeface="리디바탕" panose="020B0600000101010101" pitchFamily="34" charset="-127"/>
                 <a:ea typeface="리디바탕" panose="020B0600000101010101" pitchFamily="34" charset="-127"/>
               </a:rPr>
-              <a:t>: depth estimation, sematic segmentation, room layout estimation</a:t>
+              <a:t>: layout, depth, semantic</a:t>
             </a:r>
           </a:p>
           <a:p>
@@ -33941,6 +34188,36 @@
           </a:p>
         </p:txBody>
       </p:sp>
+      <p:pic>
+        <p:nvPicPr>
+          <p:cNvPr id="8" name="그림 7">
+            <a:extLst>
+              <a:ext uri="{FF2B5EF4-FFF2-40B4-BE49-F238E27FC236}">
+                <a16:creationId xmlns:a16="http://schemas.microsoft.com/office/drawing/2014/main" id="{D6401D17-88E3-46DD-955B-6A23334A0470}"/>
+              </a:ext>
+            </a:extLst>
+          </p:cNvPr>
+          <p:cNvPicPr>
+            <a:picLocks noChangeAspect="1"/>
+          </p:cNvPicPr>
+          <p:nvPr/>
+        </p:nvPicPr>
+        <p:blipFill>
+          <a:blip r:embed="rId2"/>
+          <a:stretch>
+            <a:fillRect/>
+          </a:stretch>
+        </p:blipFill>
+        <p:spPr>
+          <a:xfrm>
+            <a:off x="6020502" y="910095"/>
+            <a:ext cx="5915899" cy="2725244"/>
+          </a:xfrm>
+          <a:prstGeom prst="rect">
+            <a:avLst/>
+          </a:prstGeom>
+        </p:spPr>
+      </p:pic>
     </p:spTree>
     <p:extLst>
       <p:ext uri="{BB962C8B-B14F-4D97-AF65-F5344CB8AC3E}">
@@ -34139,8 +34416,8 @@
         </p:nvSpPr>
         <p:spPr>
           <a:xfrm>
-            <a:off x="4989766" y="1627397"/>
-            <a:ext cx="6994669" cy="2136354"/>
+            <a:off x="222504" y="3992055"/>
+            <a:ext cx="8874713" cy="1235531"/>
           </a:xfrm>
           <a:prstGeom prst="rect">
             <a:avLst/>
@@ -34161,42 +34438,42 @@
               <a:buAutoNum type="circleNumDbPlain"/>
             </a:pPr>
             <a:r>
-              <a:rPr lang="ko-KR" altLang="en-US" sz="1100" dirty="0">
+              <a:rPr lang="ko-KR" altLang="en-US" sz="1050" dirty="0">
                 <a:latin typeface="리디바탕" panose="020B0600000101010101" pitchFamily="34" charset="-127"/>
                 <a:ea typeface="리디바탕" panose="020B0600000101010101" pitchFamily="34" charset="-127"/>
               </a:rPr>
               <a:t>입력 </a:t>
             </a:r>
             <a:r>
-              <a:rPr lang="en-US" altLang="ko-KR" sz="1100" dirty="0">
+              <a:rPr lang="en-US" altLang="ko-KR" sz="1050" dirty="0">
                 <a:latin typeface="리디바탕" panose="020B0600000101010101" pitchFamily="34" charset="-127"/>
                 <a:ea typeface="리디바탕" panose="020B0600000101010101" pitchFamily="34" charset="-127"/>
               </a:rPr>
               <a:t>ERP </a:t>
             </a:r>
             <a:r>
-              <a:rPr lang="ko-KR" altLang="en-US" sz="1100" dirty="0">
+              <a:rPr lang="ko-KR" altLang="en-US" sz="1050" dirty="0">
                 <a:latin typeface="리디바탕" panose="020B0600000101010101" pitchFamily="34" charset="-127"/>
                 <a:ea typeface="리디바탕" panose="020B0600000101010101" pitchFamily="34" charset="-127"/>
               </a:rPr>
               <a:t>이미지는 형상 피라미드 추출을 위해 먼저 </a:t>
             </a:r>
             <a:r>
-              <a:rPr lang="en-US" altLang="ko-KR" sz="1100" dirty="0">
+              <a:rPr lang="en-US" altLang="ko-KR" sz="1050" dirty="0">
                 <a:latin typeface="리디바탕" panose="020B0600000101010101" pitchFamily="34" charset="-127"/>
                 <a:ea typeface="리디바탕" panose="020B0600000101010101" pitchFamily="34" charset="-127"/>
               </a:rPr>
               <a:t>CNN backbone</a:t>
             </a:r>
             <a:r>
-              <a:rPr lang="ko-KR" altLang="en-US" sz="1100" dirty="0">
+              <a:rPr lang="ko-KR" altLang="en-US" sz="1050" dirty="0">
                 <a:latin typeface="리디바탕" panose="020B0600000101010101" pitchFamily="34" charset="-127"/>
                 <a:ea typeface="리디바탕" panose="020B0600000101010101" pitchFamily="34" charset="-127"/>
               </a:rPr>
               <a:t>을 통과한 다음</a:t>
             </a:r>
             <a:r>
-              <a:rPr lang="en-US" altLang="ko-KR" sz="1100" dirty="0">
+              <a:rPr lang="en-US" altLang="ko-KR" sz="1050" dirty="0">
                 <a:latin typeface="리디바탕" panose="020B0600000101010101" pitchFamily="34" charset="-127"/>
                 <a:ea typeface="리디바탕" panose="020B0600000101010101" pitchFamily="34" charset="-127"/>
               </a:rPr>
@@ -34212,42 +34489,42 @@
               <a:buAutoNum type="circleNumDbPlain"/>
             </a:pPr>
             <a:r>
-              <a:rPr lang="ko-KR" altLang="en-US" sz="1100" dirty="0">
+              <a:rPr lang="ko-KR" altLang="en-US" sz="1050" dirty="0">
                 <a:latin typeface="리디바탕" panose="020B0600000101010101" pitchFamily="34" charset="-127"/>
                 <a:ea typeface="리디바탕" panose="020B0600000101010101" pitchFamily="34" charset="-127"/>
               </a:rPr>
               <a:t>제안된 효율적인 높이 압축 모듈은 형상 피라미드를 높이 치수가 평평한 잠재 수평 형상 표현</a:t>
             </a:r>
             <a:r>
-              <a:rPr lang="en-US" altLang="ko-KR" sz="1100" dirty="0">
+              <a:rPr lang="en-US" altLang="ko-KR" sz="1050" dirty="0">
                 <a:latin typeface="리디바탕" panose="020B0600000101010101" pitchFamily="34" charset="-127"/>
                 <a:ea typeface="리디바탕" panose="020B0600000101010101" pitchFamily="34" charset="-127"/>
               </a:rPr>
               <a:t>(</a:t>
             </a:r>
             <a:r>
-              <a:rPr lang="en-US" altLang="ko-KR" sz="1100" dirty="0" err="1">
+              <a:rPr lang="en-US" altLang="ko-KR" sz="1050" dirty="0" err="1">
                 <a:latin typeface="리디바탕" panose="020B0600000101010101" pitchFamily="34" charset="-127"/>
                 <a:ea typeface="리디바탕" panose="020B0600000101010101" pitchFamily="34" charset="-127"/>
               </a:rPr>
               <a:t>LHFeat</a:t>
             </a:r>
             <a:r>
-              <a:rPr lang="en-US" altLang="ko-KR" sz="1100" dirty="0">
+              <a:rPr lang="en-US" altLang="ko-KR" sz="1050" dirty="0">
                 <a:latin typeface="리디바탕" panose="020B0600000101010101" pitchFamily="34" charset="-127"/>
                 <a:ea typeface="리디바탕" panose="020B0600000101010101" pitchFamily="34" charset="-127"/>
               </a:rPr>
               <a:t>)</a:t>
             </a:r>
             <a:r>
-              <a:rPr lang="ko-KR" altLang="en-US" sz="1100" dirty="0">
+              <a:rPr lang="ko-KR" altLang="en-US" sz="1050" dirty="0">
                 <a:latin typeface="리디바탕" panose="020B0600000101010101" pitchFamily="34" charset="-127"/>
                 <a:ea typeface="리디바탕" panose="020B0600000101010101" pitchFamily="34" charset="-127"/>
               </a:rPr>
               <a:t>으로 인코딩한다</a:t>
             </a:r>
             <a:r>
-              <a:rPr lang="en-US" altLang="ko-KR" sz="1100" dirty="0">
+              <a:rPr lang="en-US" altLang="ko-KR" sz="1050" dirty="0">
                 <a:latin typeface="리디바탕" panose="020B0600000101010101" pitchFamily="34" charset="-127"/>
                 <a:ea typeface="리디바탕" panose="020B0600000101010101" pitchFamily="34" charset="-127"/>
               </a:rPr>
@@ -34263,104 +34540,104 @@
               <a:buAutoNum type="circleNumDbPlain"/>
             </a:pPr>
             <a:r>
-              <a:rPr lang="ko-KR" altLang="en-US" sz="1100" dirty="0">
+              <a:rPr lang="ko-KR" altLang="en-US" sz="1050" dirty="0">
                 <a:latin typeface="리디바탕" panose="020B0600000101010101" pitchFamily="34" charset="-127"/>
                 <a:ea typeface="리디바탕" panose="020B0600000101010101" pitchFamily="34" charset="-127"/>
               </a:rPr>
               <a:t>마지막으로</a:t>
             </a:r>
             <a:r>
-              <a:rPr lang="en-US" altLang="ko-KR" sz="1100" dirty="0">
+              <a:rPr lang="en-US" altLang="ko-KR" sz="1050" dirty="0">
                 <a:latin typeface="리디바탕" panose="020B0600000101010101" pitchFamily="34" charset="-127"/>
                 <a:ea typeface="리디바탕" panose="020B0600000101010101" pitchFamily="34" charset="-127"/>
               </a:rPr>
               <a:t>, </a:t>
             </a:r>
             <a:r>
-              <a:rPr lang="en-US" altLang="ko-KR" sz="1100" dirty="0" err="1">
+              <a:rPr lang="en-US" altLang="ko-KR" sz="1050" dirty="0" err="1">
                 <a:latin typeface="리디바탕" panose="020B0600000101010101" pitchFamily="34" charset="-127"/>
                 <a:ea typeface="리디바탕" panose="020B0600000101010101" pitchFamily="34" charset="-127"/>
               </a:rPr>
               <a:t>LHFeat</a:t>
             </a:r>
             <a:r>
-              <a:rPr lang="ko-KR" altLang="en-US" sz="1100" dirty="0">
+              <a:rPr lang="ko-KR" altLang="en-US" sz="1050" dirty="0">
                 <a:latin typeface="리디바탕" panose="020B0600000101010101" pitchFamily="34" charset="-127"/>
                 <a:ea typeface="리디바탕" panose="020B0600000101010101" pitchFamily="34" charset="-127"/>
               </a:rPr>
               <a:t>에서 </a:t>
             </a:r>
             <a:r>
-              <a:rPr lang="en-US" altLang="ko-KR" sz="1100" dirty="0" err="1">
+              <a:rPr lang="en-US" altLang="ko-KR" sz="1050" dirty="0" err="1">
                 <a:latin typeface="리디바탕" panose="020B0600000101010101" pitchFamily="34" charset="-127"/>
                 <a:ea typeface="리디바탕" panose="020B0600000101010101" pitchFamily="34" charset="-127"/>
               </a:rPr>
               <a:t>HoHoNet</a:t>
             </a:r>
             <a:r>
-              <a:rPr lang="en-US" altLang="ko-KR" sz="1100" dirty="0">
+              <a:rPr lang="en-US" altLang="ko-KR" sz="1050" dirty="0">
                 <a:latin typeface="리디바탕" panose="020B0600000101010101" pitchFamily="34" charset="-127"/>
                 <a:ea typeface="리디바탕" panose="020B0600000101010101" pitchFamily="34" charset="-127"/>
               </a:rPr>
               <a:t> </a:t>
             </a:r>
             <a:r>
-              <a:rPr lang="ko-KR" altLang="en-US" sz="1100" dirty="0">
+              <a:rPr lang="ko-KR" altLang="en-US" sz="1050" dirty="0">
                 <a:latin typeface="리디바탕" panose="020B0600000101010101" pitchFamily="34" charset="-127"/>
                 <a:ea typeface="리디바탕" panose="020B0600000101010101" pitchFamily="34" charset="-127"/>
               </a:rPr>
               <a:t>프레임워크는 최첨단 품질의 </a:t>
             </a:r>
             <a:r>
-              <a:rPr lang="ko-KR" altLang="en-US" sz="1100" dirty="0" err="1">
+              <a:rPr lang="ko-KR" altLang="en-US" sz="1050" dirty="0" err="1">
                 <a:latin typeface="리디바탕" panose="020B0600000101010101" pitchFamily="34" charset="-127"/>
                 <a:ea typeface="리디바탕" panose="020B0600000101010101" pitchFamily="34" charset="-127"/>
               </a:rPr>
               <a:t>열당</a:t>
             </a:r>
             <a:r>
-              <a:rPr lang="ko-KR" altLang="en-US" sz="1100" dirty="0">
+              <a:rPr lang="ko-KR" altLang="en-US" sz="1050" dirty="0">
                 <a:latin typeface="리디바탕" panose="020B0600000101010101" pitchFamily="34" charset="-127"/>
                 <a:ea typeface="리디바탕" panose="020B0600000101010101" pitchFamily="34" charset="-127"/>
               </a:rPr>
               <a:t> 및 픽셀당 양식</a:t>
             </a:r>
             <a:r>
-              <a:rPr lang="en-US" altLang="ko-KR" sz="1100" dirty="0">
+              <a:rPr lang="en-US" altLang="ko-KR" sz="1050" dirty="0">
                 <a:latin typeface="리디바탕" panose="020B0600000101010101" pitchFamily="34" charset="-127"/>
                 <a:ea typeface="리디바탕" panose="020B0600000101010101" pitchFamily="34" charset="-127"/>
               </a:rPr>
               <a:t>(</a:t>
             </a:r>
             <a:r>
-              <a:rPr lang="ko-KR" altLang="en-US" sz="1100" dirty="0">
+              <a:rPr lang="ko-KR" altLang="en-US" sz="1050" dirty="0">
                 <a:latin typeface="리디바탕" panose="020B0600000101010101" pitchFamily="34" charset="-127"/>
                 <a:ea typeface="리디바탕" panose="020B0600000101010101" pitchFamily="34" charset="-127"/>
               </a:rPr>
               <a:t>레이아웃의 모서리 또는 경계</a:t>
             </a:r>
             <a:r>
-              <a:rPr lang="en-US" altLang="ko-KR" sz="1100" dirty="0">
+              <a:rPr lang="en-US" altLang="ko-KR" sz="1050" dirty="0">
                 <a:latin typeface="리디바탕" panose="020B0600000101010101" pitchFamily="34" charset="-127"/>
                 <a:ea typeface="리디바탕" panose="020B0600000101010101" pitchFamily="34" charset="-127"/>
               </a:rPr>
               <a:t>)</a:t>
             </a:r>
             <a:r>
-              <a:rPr lang="ko-KR" altLang="en-US" sz="1100" dirty="0">
+              <a:rPr lang="ko-KR" altLang="en-US" sz="1050" dirty="0">
                 <a:latin typeface="리디바탕" panose="020B0600000101010101" pitchFamily="34" charset="-127"/>
                 <a:ea typeface="리디바탕" panose="020B0600000101010101" pitchFamily="34" charset="-127"/>
               </a:rPr>
               <a:t>을 모두 제공할 수 있다</a:t>
             </a:r>
             <a:r>
-              <a:rPr lang="en-US" altLang="ko-KR" sz="1100" dirty="0">
+              <a:rPr lang="en-US" altLang="ko-KR" sz="1050" dirty="0">
                 <a:latin typeface="리디바탕" panose="020B0600000101010101" pitchFamily="34" charset="-127"/>
                 <a:ea typeface="리디바탕" panose="020B0600000101010101" pitchFamily="34" charset="-127"/>
               </a:rPr>
               <a:t>.</a:t>
             </a:r>
-            <a:endParaRPr lang="ko-KR" altLang="en-US" sz="1100" dirty="0">
+            <a:endParaRPr lang="ko-KR" altLang="en-US" sz="1050" dirty="0">
               <a:latin typeface="리디바탕" panose="020B0600000101010101" pitchFamily="34" charset="-127"/>
               <a:ea typeface="리디바탕" panose="020B0600000101010101" pitchFamily="34" charset="-127"/>
             </a:endParaRPr>
@@ -34389,8 +34666,8 @@
         </p:blipFill>
         <p:spPr>
           <a:xfrm>
-            <a:off x="222504" y="994970"/>
-            <a:ext cx="4669953" cy="3401209"/>
+            <a:off x="325175" y="872771"/>
+            <a:ext cx="4030176" cy="2935248"/>
           </a:xfrm>
           <a:prstGeom prst="rect">
             <a:avLst/>
@@ -34419,7 +34696,7 @@
         </p:blipFill>
         <p:spPr>
           <a:xfrm>
-            <a:off x="222504" y="4945845"/>
+            <a:off x="222504" y="5432337"/>
             <a:ext cx="4669953" cy="1124964"/>
           </a:xfrm>
           <a:prstGeom prst="rect">
@@ -34441,7 +34718,7 @@
         </p:nvSpPr>
         <p:spPr>
           <a:xfrm>
-            <a:off x="4989766" y="5508327"/>
+            <a:off x="4989766" y="5994819"/>
             <a:ext cx="6994669" cy="307777"/>
           </a:xfrm>
           <a:prstGeom prst="rect">
@@ -34525,6 +34802,36 @@
           </a:p>
         </p:txBody>
       </p:sp>
+      <p:pic>
+        <p:nvPicPr>
+          <p:cNvPr id="9" name="그림 8">
+            <a:extLst>
+              <a:ext uri="{FF2B5EF4-FFF2-40B4-BE49-F238E27FC236}">
+                <a16:creationId xmlns:a16="http://schemas.microsoft.com/office/drawing/2014/main" id="{AF504538-9988-4E42-BF06-F7CB308E007A}"/>
+              </a:ext>
+            </a:extLst>
+          </p:cNvPr>
+          <p:cNvPicPr>
+            <a:picLocks noChangeAspect="1"/>
+          </p:cNvPicPr>
+          <p:nvPr/>
+        </p:nvPicPr>
+        <p:blipFill>
+          <a:blip r:embed="rId4"/>
+          <a:stretch>
+            <a:fillRect/>
+          </a:stretch>
+        </p:blipFill>
+        <p:spPr>
+          <a:xfrm>
+            <a:off x="4989766" y="704407"/>
+            <a:ext cx="6877059" cy="3168016"/>
+          </a:xfrm>
+          <a:prstGeom prst="rect">
+            <a:avLst/>
+          </a:prstGeom>
+        </p:spPr>
+      </p:pic>
     </p:spTree>
     <p:extLst>
       <p:ext uri="{BB962C8B-B14F-4D97-AF65-F5344CB8AC3E}">

--- a/LayoutNet-HorizonNet-HoHoNet 정리.pptx
+++ b/LayoutNet-HorizonNet-HoHoNet 정리.pptx
@@ -264,7 +264,7 @@
           <a:p>
             <a:fld id="{2450EB55-8E1C-4E44-84CF-35741F3EB080}" type="datetimeFigureOut">
               <a:rPr lang="ko-KR" altLang="en-US" smtClean="0"/>
-              <a:t>2021-09-27</a:t>
+              <a:t>2021-09-28</a:t>
             </a:fld>
             <a:endParaRPr lang="ko-KR" altLang="en-US"/>
           </a:p>
@@ -432,7 +432,7 @@
           <a:p>
             <a:fld id="{2450EB55-8E1C-4E44-84CF-35741F3EB080}" type="datetimeFigureOut">
               <a:rPr lang="ko-KR" altLang="en-US" smtClean="0"/>
-              <a:t>2021-09-27</a:t>
+              <a:t>2021-09-28</a:t>
             </a:fld>
             <a:endParaRPr lang="ko-KR" altLang="en-US"/>
           </a:p>
@@ -610,7 +610,7 @@
           <a:p>
             <a:fld id="{2450EB55-8E1C-4E44-84CF-35741F3EB080}" type="datetimeFigureOut">
               <a:rPr lang="ko-KR" altLang="en-US" smtClean="0"/>
-              <a:t>2021-09-27</a:t>
+              <a:t>2021-09-28</a:t>
             </a:fld>
             <a:endParaRPr lang="ko-KR" altLang="en-US"/>
           </a:p>
@@ -778,7 +778,7 @@
           <a:p>
             <a:fld id="{2450EB55-8E1C-4E44-84CF-35741F3EB080}" type="datetimeFigureOut">
               <a:rPr lang="ko-KR" altLang="en-US" smtClean="0"/>
-              <a:t>2021-09-27</a:t>
+              <a:t>2021-09-28</a:t>
             </a:fld>
             <a:endParaRPr lang="ko-KR" altLang="en-US"/>
           </a:p>
@@ -1023,7 +1023,7 @@
           <a:p>
             <a:fld id="{2450EB55-8E1C-4E44-84CF-35741F3EB080}" type="datetimeFigureOut">
               <a:rPr lang="ko-KR" altLang="en-US" smtClean="0"/>
-              <a:t>2021-09-27</a:t>
+              <a:t>2021-09-28</a:t>
             </a:fld>
             <a:endParaRPr lang="ko-KR" altLang="en-US"/>
           </a:p>
@@ -1252,7 +1252,7 @@
           <a:p>
             <a:fld id="{2450EB55-8E1C-4E44-84CF-35741F3EB080}" type="datetimeFigureOut">
               <a:rPr lang="ko-KR" altLang="en-US" smtClean="0"/>
-              <a:t>2021-09-27</a:t>
+              <a:t>2021-09-28</a:t>
             </a:fld>
             <a:endParaRPr lang="ko-KR" altLang="en-US"/>
           </a:p>
@@ -1616,7 +1616,7 @@
           <a:p>
             <a:fld id="{2450EB55-8E1C-4E44-84CF-35741F3EB080}" type="datetimeFigureOut">
               <a:rPr lang="ko-KR" altLang="en-US" smtClean="0"/>
-              <a:t>2021-09-27</a:t>
+              <a:t>2021-09-28</a:t>
             </a:fld>
             <a:endParaRPr lang="ko-KR" altLang="en-US"/>
           </a:p>
@@ -1733,7 +1733,7 @@
           <a:p>
             <a:fld id="{2450EB55-8E1C-4E44-84CF-35741F3EB080}" type="datetimeFigureOut">
               <a:rPr lang="ko-KR" altLang="en-US" smtClean="0"/>
-              <a:t>2021-09-27</a:t>
+              <a:t>2021-09-28</a:t>
             </a:fld>
             <a:endParaRPr lang="ko-KR" altLang="en-US"/>
           </a:p>
@@ -1828,7 +1828,7 @@
           <a:p>
             <a:fld id="{2450EB55-8E1C-4E44-84CF-35741F3EB080}" type="datetimeFigureOut">
               <a:rPr lang="ko-KR" altLang="en-US" smtClean="0"/>
-              <a:t>2021-09-27</a:t>
+              <a:t>2021-09-28</a:t>
             </a:fld>
             <a:endParaRPr lang="ko-KR" altLang="en-US"/>
           </a:p>
@@ -2103,7 +2103,7 @@
           <a:p>
             <a:fld id="{2450EB55-8E1C-4E44-84CF-35741F3EB080}" type="datetimeFigureOut">
               <a:rPr lang="ko-KR" altLang="en-US" smtClean="0"/>
-              <a:t>2021-09-27</a:t>
+              <a:t>2021-09-28</a:t>
             </a:fld>
             <a:endParaRPr lang="ko-KR" altLang="en-US"/>
           </a:p>
@@ -2355,7 +2355,7 @@
           <a:p>
             <a:fld id="{2450EB55-8E1C-4E44-84CF-35741F3EB080}" type="datetimeFigureOut">
               <a:rPr lang="ko-KR" altLang="en-US" smtClean="0"/>
-              <a:t>2021-09-27</a:t>
+              <a:t>2021-09-28</a:t>
             </a:fld>
             <a:endParaRPr lang="ko-KR" altLang="en-US"/>
           </a:p>
@@ -2566,7 +2566,7 @@
           <a:p>
             <a:fld id="{2450EB55-8E1C-4E44-84CF-35741F3EB080}" type="datetimeFigureOut">
               <a:rPr lang="ko-KR" altLang="en-US" smtClean="0"/>
-              <a:t>2021-09-27</a:t>
+              <a:t>2021-09-28</a:t>
             </a:fld>
             <a:endParaRPr lang="ko-KR" altLang="en-US"/>
           </a:p>
@@ -29418,14 +29418,14 @@
       </p:sp>
       <p:sp>
         <p:nvSpPr>
-          <p:cNvPr id="7" name="TextBox 6"/>
+          <p:cNvPr id="8" name="TextBox 7"/>
           <p:cNvSpPr txBox="1"/>
           <p:nvPr/>
         </p:nvSpPr>
         <p:spPr>
           <a:xfrm>
-            <a:off x="2002536" y="2697480"/>
-            <a:ext cx="1060704" cy="1446550"/>
+            <a:off x="4537316" y="3008929"/>
+            <a:ext cx="4343400" cy="830997"/>
           </a:xfrm>
           <a:prstGeom prst="rect">
             <a:avLst/>
@@ -29438,60 +29438,27 @@
           </a:bodyPr>
           <a:lstStyle/>
           <a:p>
-            <a:pPr algn="ctr"/>
-            <a:r>
-              <a:rPr lang="en-US" altLang="ko-KR" sz="8800" dirty="0">
-                <a:solidFill>
-                  <a:srgbClr val="595959"/>
-                </a:solidFill>
-                <a:latin typeface="리디바탕" panose="020B0600000101010101" pitchFamily="34" charset="-127"/>
-                <a:ea typeface="리디바탕" panose="020B0600000101010101" pitchFamily="34" charset="-127"/>
-              </a:rPr>
-              <a:t>1</a:t>
-            </a:r>
-            <a:endParaRPr lang="ko-KR" altLang="en-US" sz="8800" dirty="0">
-              <a:solidFill>
-                <a:srgbClr val="595959"/>
-              </a:solidFill>
-              <a:latin typeface="리디바탕" panose="020B0600000101010101" pitchFamily="34" charset="-127"/>
-              <a:ea typeface="리디바탕" panose="020B0600000101010101" pitchFamily="34" charset="-127"/>
-            </a:endParaRPr>
-          </a:p>
-        </p:txBody>
-      </p:sp>
-      <p:sp>
-        <p:nvSpPr>
-          <p:cNvPr id="8" name="TextBox 7"/>
-          <p:cNvSpPr txBox="1"/>
-          <p:nvPr/>
-        </p:nvSpPr>
-        <p:spPr>
-          <a:xfrm>
-            <a:off x="4663440" y="2916936"/>
-            <a:ext cx="4343400" cy="1015663"/>
-          </a:xfrm>
-          <a:prstGeom prst="rect">
-            <a:avLst/>
-          </a:prstGeom>
-          <a:noFill/>
-        </p:spPr>
-        <p:txBody>
-          <a:bodyPr wrap="square" rtlCol="0">
-            <a:spAutoFit/>
-          </a:bodyPr>
-          <a:lstStyle/>
-          <a:p>
-            <a:r>
-              <a:rPr lang="en-US" altLang="ko-KR" sz="6000" dirty="0" err="1">
+            <a:r>
+              <a:rPr lang="en-US" altLang="ko-KR" sz="4800" dirty="0">
                 <a:solidFill>
                   <a:schemeClr val="bg1"/>
                 </a:solidFill>
                 <a:latin typeface="리디바탕" panose="020B0600000101010101" pitchFamily="34" charset="-127"/>
                 <a:ea typeface="리디바탕" panose="020B0600000101010101" pitchFamily="34" charset="-127"/>
               </a:rPr>
+              <a:t>1. </a:t>
+            </a:r>
+            <a:r>
+              <a:rPr lang="en-US" altLang="ko-KR" sz="4800" dirty="0" err="1">
+                <a:solidFill>
+                  <a:schemeClr val="bg1"/>
+                </a:solidFill>
+                <a:latin typeface="리디바탕" panose="020B0600000101010101" pitchFamily="34" charset="-127"/>
+                <a:ea typeface="리디바탕" panose="020B0600000101010101" pitchFamily="34" charset="-127"/>
+              </a:rPr>
               <a:t>LayoutNet</a:t>
             </a:r>
-            <a:endParaRPr lang="en-US" altLang="ko-KR" sz="6000" dirty="0">
+            <a:endParaRPr lang="en-US" altLang="ko-KR" sz="4800" dirty="0">
               <a:solidFill>
                 <a:schemeClr val="bg1"/>
               </a:solidFill>
@@ -29736,8 +29703,8 @@
         </p:nvSpPr>
         <p:spPr>
           <a:xfrm>
-            <a:off x="4663440" y="2916936"/>
-            <a:ext cx="4343400" cy="1015663"/>
+            <a:off x="4663440" y="3013501"/>
+            <a:ext cx="4343400" cy="830997"/>
           </a:xfrm>
           <a:prstGeom prst="rect">
             <a:avLst/>
@@ -29751,16 +29718,26 @@
           <a:lstStyle/>
           <a:p>
             <a:r>
-              <a:rPr lang="en-US" altLang="ko-KR" sz="6000" dirty="0" err="1">
+              <a:rPr lang="en-US" altLang="ko-KR" sz="4800" dirty="0">
                 <a:solidFill>
                   <a:schemeClr val="bg1"/>
                 </a:solidFill>
                 <a:latin typeface="리디바탕" panose="020B0600000101010101" pitchFamily="34" charset="-127"/>
                 <a:ea typeface="리디바탕" panose="020B0600000101010101" pitchFamily="34" charset="-127"/>
               </a:rPr>
+              <a:t>2. </a:t>
+            </a:r>
+            <a:r>
+              <a:rPr lang="en-US" altLang="ko-KR" sz="4800" dirty="0" err="1">
+                <a:solidFill>
+                  <a:schemeClr val="bg1"/>
+                </a:solidFill>
+                <a:latin typeface="리디바탕" panose="020B0600000101010101" pitchFamily="34" charset="-127"/>
+                <a:ea typeface="리디바탕" panose="020B0600000101010101" pitchFamily="34" charset="-127"/>
+              </a:rPr>
               <a:t>HorizonNet</a:t>
             </a:r>
-            <a:endParaRPr lang="en-US" altLang="ko-KR" sz="6000" dirty="0">
+            <a:endParaRPr lang="en-US" altLang="ko-KR" sz="4800" dirty="0">
               <a:solidFill>
                 <a:schemeClr val="bg1"/>
               </a:solidFill>
@@ -29956,14 +29933,14 @@
       </p:sp>
       <p:sp>
         <p:nvSpPr>
-          <p:cNvPr id="7" name="TextBox 6"/>
+          <p:cNvPr id="8" name="TextBox 7"/>
           <p:cNvSpPr txBox="1"/>
           <p:nvPr/>
         </p:nvSpPr>
         <p:spPr>
           <a:xfrm>
-            <a:off x="2002536" y="2697480"/>
-            <a:ext cx="1060704" cy="1446550"/>
+            <a:off x="4679205" y="3013501"/>
+            <a:ext cx="4343400" cy="830997"/>
           </a:xfrm>
           <a:prstGeom prst="rect">
             <a:avLst/>
@@ -29976,60 +29953,27 @@
           </a:bodyPr>
           <a:lstStyle/>
           <a:p>
-            <a:pPr algn="ctr"/>
-            <a:r>
-              <a:rPr lang="en-US" altLang="ko-KR" sz="8800" dirty="0">
-                <a:solidFill>
-                  <a:srgbClr val="595959"/>
-                </a:solidFill>
-                <a:latin typeface="리디바탕" panose="020B0600000101010101" pitchFamily="34" charset="-127"/>
-                <a:ea typeface="리디바탕" panose="020B0600000101010101" pitchFamily="34" charset="-127"/>
-              </a:rPr>
-              <a:t>3</a:t>
-            </a:r>
-            <a:endParaRPr lang="ko-KR" altLang="en-US" sz="8800" dirty="0">
-              <a:solidFill>
-                <a:srgbClr val="595959"/>
-              </a:solidFill>
-              <a:latin typeface="리디바탕" panose="020B0600000101010101" pitchFamily="34" charset="-127"/>
-              <a:ea typeface="리디바탕" panose="020B0600000101010101" pitchFamily="34" charset="-127"/>
-            </a:endParaRPr>
-          </a:p>
-        </p:txBody>
-      </p:sp>
-      <p:sp>
-        <p:nvSpPr>
-          <p:cNvPr id="8" name="TextBox 7"/>
-          <p:cNvSpPr txBox="1"/>
-          <p:nvPr/>
-        </p:nvSpPr>
-        <p:spPr>
-          <a:xfrm>
-            <a:off x="4663440" y="2916936"/>
-            <a:ext cx="4343400" cy="1015663"/>
-          </a:xfrm>
-          <a:prstGeom prst="rect">
-            <a:avLst/>
-          </a:prstGeom>
-          <a:noFill/>
-        </p:spPr>
-        <p:txBody>
-          <a:bodyPr wrap="square" rtlCol="0">
-            <a:spAutoFit/>
-          </a:bodyPr>
-          <a:lstStyle/>
-          <a:p>
-            <a:r>
-              <a:rPr lang="en-US" altLang="ko-KR" sz="6000" dirty="0" err="1">
+            <a:r>
+              <a:rPr lang="en-US" altLang="ko-KR" sz="4800" dirty="0">
                 <a:solidFill>
                   <a:schemeClr val="bg1"/>
                 </a:solidFill>
                 <a:latin typeface="리디바탕" panose="020B0600000101010101" pitchFamily="34" charset="-127"/>
                 <a:ea typeface="리디바탕" panose="020B0600000101010101" pitchFamily="34" charset="-127"/>
               </a:rPr>
+              <a:t>3. </a:t>
+            </a:r>
+            <a:r>
+              <a:rPr lang="en-US" altLang="ko-KR" sz="4800" dirty="0" err="1">
+                <a:solidFill>
+                  <a:schemeClr val="bg1"/>
+                </a:solidFill>
+                <a:latin typeface="리디바탕" panose="020B0600000101010101" pitchFamily="34" charset="-127"/>
+                <a:ea typeface="리디바탕" panose="020B0600000101010101" pitchFamily="34" charset="-127"/>
+              </a:rPr>
               <a:t>HoHoNet</a:t>
             </a:r>
-            <a:endParaRPr lang="en-US" altLang="ko-KR" sz="6000" dirty="0">
+            <a:endParaRPr lang="en-US" altLang="ko-KR" sz="4800" dirty="0">
               <a:solidFill>
                 <a:schemeClr val="bg1"/>
               </a:solidFill>
